--- a/Snake-3.pptx
+++ b/Snake-3.pptx
@@ -2,23 +2,23 @@
 <file path=ppt/presentation.xml><?xml version="1.0" encoding="utf-8"?>
 <p:presentation xmlns:a="http://schemas.openxmlformats.org/drawingml/2006/main" xmlns:r="http://schemas.openxmlformats.org/officeDocument/2006/relationships" xmlns:p="http://schemas.openxmlformats.org/presentationml/2006/main" saveSubsetFonts="1">
   <p:sldMasterIdLst>
-    <p:sldMasterId id="2147483648" r:id="rId1"/>
+    <p:sldMasterId id="2147483648" r:id="rId3"/>
   </p:sldMasterIdLst>
   <p:sldIdLst>
-    <p:sldId id="256" r:id="rId2"/>
-    <p:sldId id="278" r:id="rId3"/>
-    <p:sldId id="282" r:id="rId4"/>
-    <p:sldId id="279" r:id="rId5"/>
-    <p:sldId id="280" r:id="rId6"/>
-    <p:sldId id="281" r:id="rId7"/>
-    <p:sldId id="284" r:id="rId8"/>
-    <p:sldId id="285" r:id="rId9"/>
-    <p:sldId id="283" r:id="rId10"/>
-    <p:sldId id="287" r:id="rId11"/>
-    <p:sldId id="286" r:id="rId12"/>
-    <p:sldId id="288" r:id="rId13"/>
-    <p:sldId id="289" r:id="rId14"/>
-    <p:sldId id="300" r:id="rId15"/>
+    <p:sldId id="256" r:id="rId4"/>
+    <p:sldId id="278" r:id="rId5"/>
+    <p:sldId id="282" r:id="rId6"/>
+    <p:sldId id="279" r:id="rId7"/>
+    <p:sldId id="280" r:id="rId8"/>
+    <p:sldId id="281" r:id="rId9"/>
+    <p:sldId id="284" r:id="rId10"/>
+    <p:sldId id="285" r:id="rId11"/>
+    <p:sldId id="283" r:id="rId12"/>
+    <p:sldId id="287" r:id="rId13"/>
+    <p:sldId id="286" r:id="rId14"/>
+    <p:sldId id="288" r:id="rId15"/>
+    <p:sldId id="289" r:id="rId16"/>
+    <p:sldId id="300" r:id="rId17"/>
   </p:sldIdLst>
   <p:sldSz cx="12192000" cy="6858000"/>
   <p:notesSz cx="6858000" cy="9144000"/>
@@ -136,6 +136,1567 @@
 <file path=ppt/changesInfos/changesInfo1.xml><?xml version="1.0" encoding="utf-8"?>
 <pc:chgInfo xmlns:a="http://schemas.openxmlformats.org/drawingml/2006/main" xmlns:r="http://schemas.openxmlformats.org/officeDocument/2006/relationships" xmlns:ac="http://schemas.microsoft.com/office/drawing/2013/main/command" xmlns:pc="http://schemas.microsoft.com/office/powerpoint/2013/main/command">
   <pc:docChgLst>
+    <pc:chgData name="Geoff Butcher" userId="1cb31d20-838c-4d88-81d0-dc1a78ccb326" providerId="ADAL" clId="{180F5F75-A101-4134-9315-E8E9101F6FDF}"/>
+    <pc:docChg chg="undo redo custSel addSld delSld modSld sldOrd">
+      <pc:chgData name="Geoff Butcher" userId="1cb31d20-838c-4d88-81d0-dc1a78ccb326" providerId="ADAL" clId="{180F5F75-A101-4134-9315-E8E9101F6FDF}" dt="2021-02-08T16:20:06.305" v="8619" actId="207"/>
+      <pc:docMkLst>
+        <pc:docMk/>
+      </pc:docMkLst>
+      <pc:sldChg chg="modSp mod">
+        <pc:chgData name="Geoff Butcher" userId="1cb31d20-838c-4d88-81d0-dc1a78ccb326" providerId="ADAL" clId="{180F5F75-A101-4134-9315-E8E9101F6FDF}" dt="2021-02-08T12:20:32.659" v="67" actId="20577"/>
+        <pc:sldMkLst>
+          <pc:docMk/>
+          <pc:sldMk cId="1623591203" sldId="256"/>
+        </pc:sldMkLst>
+        <pc:spChg chg="mod">
+          <ac:chgData name="Geoff Butcher" userId="1cb31d20-838c-4d88-81d0-dc1a78ccb326" providerId="ADAL" clId="{180F5F75-A101-4134-9315-E8E9101F6FDF}" dt="2021-02-08T12:20:32.659" v="67" actId="20577"/>
+          <ac:spMkLst>
+            <pc:docMk/>
+            <pc:sldMk cId="1623591203" sldId="256"/>
+            <ac:spMk id="3" creationId="{6C3DF028-08B5-467A-BCAB-6E353E480A02}"/>
+          </ac:spMkLst>
+        </pc:spChg>
+      </pc:sldChg>
+      <pc:sldChg chg="del">
+        <pc:chgData name="Geoff Butcher" userId="1cb31d20-838c-4d88-81d0-dc1a78ccb326" providerId="ADAL" clId="{180F5F75-A101-4134-9315-E8E9101F6FDF}" dt="2021-02-08T12:20:55.694" v="68" actId="47"/>
+        <pc:sldMkLst>
+          <pc:docMk/>
+          <pc:sldMk cId="760060510" sldId="277"/>
+        </pc:sldMkLst>
+      </pc:sldChg>
+      <pc:sldChg chg="addSp delSp modSp add del mod">
+        <pc:chgData name="Geoff Butcher" userId="1cb31d20-838c-4d88-81d0-dc1a78ccb326" providerId="ADAL" clId="{180F5F75-A101-4134-9315-E8E9101F6FDF}" dt="2021-02-08T12:23:52.179" v="423" actId="20577"/>
+        <pc:sldMkLst>
+          <pc:docMk/>
+          <pc:sldMk cId="1502008898" sldId="278"/>
+        </pc:sldMkLst>
+        <pc:spChg chg="mod">
+          <ac:chgData name="Geoff Butcher" userId="1cb31d20-838c-4d88-81d0-dc1a78ccb326" providerId="ADAL" clId="{180F5F75-A101-4134-9315-E8E9101F6FDF}" dt="2021-02-08T12:23:52.179" v="423" actId="20577"/>
+          <ac:spMkLst>
+            <pc:docMk/>
+            <pc:sldMk cId="1502008898" sldId="278"/>
+            <ac:spMk id="3" creationId="{C21548A7-856A-423C-B856-D820BC415E43}"/>
+          </ac:spMkLst>
+        </pc:spChg>
+        <pc:spChg chg="mod">
+          <ac:chgData name="Geoff Butcher" userId="1cb31d20-838c-4d88-81d0-dc1a78ccb326" providerId="ADAL" clId="{180F5F75-A101-4134-9315-E8E9101F6FDF}" dt="2021-02-08T12:21:24.196" v="76" actId="14100"/>
+          <ac:spMkLst>
+            <pc:docMk/>
+            <pc:sldMk cId="1502008898" sldId="278"/>
+            <ac:spMk id="6" creationId="{905F5F27-5928-4697-8A64-521401D86C88}"/>
+          </ac:spMkLst>
+        </pc:spChg>
+        <pc:spChg chg="mod">
+          <ac:chgData name="Geoff Butcher" userId="1cb31d20-838c-4d88-81d0-dc1a78ccb326" providerId="ADAL" clId="{180F5F75-A101-4134-9315-E8E9101F6FDF}" dt="2021-02-08T12:21:25.913" v="77" actId="14100"/>
+          <ac:spMkLst>
+            <pc:docMk/>
+            <pc:sldMk cId="1502008898" sldId="278"/>
+            <ac:spMk id="7" creationId="{D7E50970-73DE-49D3-A73D-532500ADEAEC}"/>
+          </ac:spMkLst>
+        </pc:spChg>
+        <pc:spChg chg="add del mod">
+          <ac:chgData name="Geoff Butcher" userId="1cb31d20-838c-4d88-81d0-dc1a78ccb326" providerId="ADAL" clId="{180F5F75-A101-4134-9315-E8E9101F6FDF}" dt="2021-02-08T12:21:29.019" v="79" actId="478"/>
+          <ac:spMkLst>
+            <pc:docMk/>
+            <pc:sldMk cId="1502008898" sldId="278"/>
+            <ac:spMk id="8" creationId="{8F0AE46E-34C2-498B-A2DA-FE65DB39A4FE}"/>
+          </ac:spMkLst>
+        </pc:spChg>
+        <pc:spChg chg="add mod">
+          <ac:chgData name="Geoff Butcher" userId="1cb31d20-838c-4d88-81d0-dc1a78ccb326" providerId="ADAL" clId="{180F5F75-A101-4134-9315-E8E9101F6FDF}" dt="2021-02-08T12:22:36.368" v="112" actId="207"/>
+          <ac:spMkLst>
+            <pc:docMk/>
+            <pc:sldMk cId="1502008898" sldId="278"/>
+            <ac:spMk id="9" creationId="{9F6389ED-C44D-4919-AFA3-BD02A015FFE0}"/>
+          </ac:spMkLst>
+        </pc:spChg>
+      </pc:sldChg>
+      <pc:sldChg chg="del">
+        <pc:chgData name="Geoff Butcher" userId="1cb31d20-838c-4d88-81d0-dc1a78ccb326" providerId="ADAL" clId="{180F5F75-A101-4134-9315-E8E9101F6FDF}" dt="2021-02-08T12:23:58.685" v="424" actId="47"/>
+        <pc:sldMkLst>
+          <pc:docMk/>
+          <pc:sldMk cId="2748250560" sldId="279"/>
+        </pc:sldMkLst>
+      </pc:sldChg>
+      <pc:sldChg chg="addSp delSp modSp add del mod">
+        <pc:chgData name="Geoff Butcher" userId="1cb31d20-838c-4d88-81d0-dc1a78ccb326" providerId="ADAL" clId="{180F5F75-A101-4134-9315-E8E9101F6FDF}" dt="2021-02-08T12:33:35.684" v="645" actId="47"/>
+        <pc:sldMkLst>
+          <pc:docMk/>
+          <pc:sldMk cId="1254132252" sldId="280"/>
+        </pc:sldMkLst>
+        <pc:spChg chg="mod">
+          <ac:chgData name="Geoff Butcher" userId="1cb31d20-838c-4d88-81d0-dc1a78ccb326" providerId="ADAL" clId="{180F5F75-A101-4134-9315-E8E9101F6FDF}" dt="2021-02-08T12:33:20.930" v="628" actId="115"/>
+          <ac:spMkLst>
+            <pc:docMk/>
+            <pc:sldMk cId="1254132252" sldId="280"/>
+            <ac:spMk id="3" creationId="{FA8CECFA-1E6F-4264-A092-BAEA1D19BCFA}"/>
+          </ac:spMkLst>
+        </pc:spChg>
+        <pc:picChg chg="del">
+          <ac:chgData name="Geoff Butcher" userId="1cb31d20-838c-4d88-81d0-dc1a78ccb326" providerId="ADAL" clId="{180F5F75-A101-4134-9315-E8E9101F6FDF}" dt="2021-02-08T12:31:45.982" v="425" actId="478"/>
+          <ac:picMkLst>
+            <pc:docMk/>
+            <pc:sldMk cId="1254132252" sldId="280"/>
+            <ac:picMk id="5" creationId="{6C7FCA2E-8E18-4052-9F9E-737F534F33EA}"/>
+          </ac:picMkLst>
+        </pc:picChg>
+        <pc:picChg chg="add mod">
+          <ac:chgData name="Geoff Butcher" userId="1cb31d20-838c-4d88-81d0-dc1a78ccb326" providerId="ADAL" clId="{180F5F75-A101-4134-9315-E8E9101F6FDF}" dt="2021-02-08T12:32:04.298" v="434" actId="1076"/>
+          <ac:picMkLst>
+            <pc:docMk/>
+            <pc:sldMk cId="1254132252" sldId="280"/>
+            <ac:picMk id="6" creationId="{838C8152-4900-4436-9DFF-D0F0D9B3C4B0}"/>
+          </ac:picMkLst>
+        </pc:picChg>
+      </pc:sldChg>
+      <pc:sldChg chg="del">
+        <pc:chgData name="Geoff Butcher" userId="1cb31d20-838c-4d88-81d0-dc1a78ccb326" providerId="ADAL" clId="{180F5F75-A101-4134-9315-E8E9101F6FDF}" dt="2021-02-08T12:33:31.409" v="630" actId="47"/>
+        <pc:sldMkLst>
+          <pc:docMk/>
+          <pc:sldMk cId="104411360" sldId="281"/>
+        </pc:sldMkLst>
+      </pc:sldChg>
+      <pc:sldChg chg="addSp delSp modSp new mod">
+        <pc:chgData name="Geoff Butcher" userId="1cb31d20-838c-4d88-81d0-dc1a78ccb326" providerId="ADAL" clId="{180F5F75-A101-4134-9315-E8E9101F6FDF}" dt="2021-02-08T12:38:58.801" v="1366" actId="13926"/>
+        <pc:sldMkLst>
+          <pc:docMk/>
+          <pc:sldMk cId="813729174" sldId="281"/>
+        </pc:sldMkLst>
+        <pc:spChg chg="mod">
+          <ac:chgData name="Geoff Butcher" userId="1cb31d20-838c-4d88-81d0-dc1a78ccb326" providerId="ADAL" clId="{180F5F75-A101-4134-9315-E8E9101F6FDF}" dt="2021-02-08T12:38:58.801" v="1366" actId="13926"/>
+          <ac:spMkLst>
+            <pc:docMk/>
+            <pc:sldMk cId="813729174" sldId="281"/>
+            <ac:spMk id="2" creationId="{3CCCD360-6CA5-4C52-A873-54A28E4B56E6}"/>
+          </ac:spMkLst>
+        </pc:spChg>
+        <pc:spChg chg="mod">
+          <ac:chgData name="Geoff Butcher" userId="1cb31d20-838c-4d88-81d0-dc1a78ccb326" providerId="ADAL" clId="{180F5F75-A101-4134-9315-E8E9101F6FDF}" dt="2021-02-08T12:35:53.656" v="1118" actId="27636"/>
+          <ac:spMkLst>
+            <pc:docMk/>
+            <pc:sldMk cId="813729174" sldId="281"/>
+            <ac:spMk id="3" creationId="{1FDB2459-FB66-4502-BF4B-5EA8C55CE09B}"/>
+          </ac:spMkLst>
+        </pc:spChg>
+        <pc:spChg chg="add del mod">
+          <ac:chgData name="Geoff Butcher" userId="1cb31d20-838c-4d88-81d0-dc1a78ccb326" providerId="ADAL" clId="{180F5F75-A101-4134-9315-E8E9101F6FDF}" dt="2021-02-08T12:36:04.714" v="1123" actId="478"/>
+          <ac:spMkLst>
+            <pc:docMk/>
+            <pc:sldMk cId="813729174" sldId="281"/>
+            <ac:spMk id="4" creationId="{3763417A-DF3F-4450-B0E4-472133B974F0}"/>
+          </ac:spMkLst>
+        </pc:spChg>
+        <pc:spChg chg="add mod">
+          <ac:chgData name="Geoff Butcher" userId="1cb31d20-838c-4d88-81d0-dc1a78ccb326" providerId="ADAL" clId="{180F5F75-A101-4134-9315-E8E9101F6FDF}" dt="2021-02-08T12:38:18.802" v="1313" actId="207"/>
+          <ac:spMkLst>
+            <pc:docMk/>
+            <pc:sldMk cId="813729174" sldId="281"/>
+            <ac:spMk id="7" creationId="{16965B21-B4C8-47AE-B239-79DE740BC423}"/>
+          </ac:spMkLst>
+        </pc:spChg>
+        <pc:picChg chg="add mod">
+          <ac:chgData name="Geoff Butcher" userId="1cb31d20-838c-4d88-81d0-dc1a78ccb326" providerId="ADAL" clId="{180F5F75-A101-4134-9315-E8E9101F6FDF}" dt="2021-02-08T12:37:00.149" v="1129" actId="1076"/>
+          <ac:picMkLst>
+            <pc:docMk/>
+            <pc:sldMk cId="813729174" sldId="281"/>
+            <ac:picMk id="6" creationId="{9B2C14CD-B9FB-4537-AA13-E149A5D567CE}"/>
+          </ac:picMkLst>
+        </pc:picChg>
+      </pc:sldChg>
+      <pc:sldChg chg="del">
+        <pc:chgData name="Geoff Butcher" userId="1cb31d20-838c-4d88-81d0-dc1a78ccb326" providerId="ADAL" clId="{180F5F75-A101-4134-9315-E8E9101F6FDF}" dt="2021-02-08T12:33:32.412" v="633" actId="47"/>
+        <pc:sldMkLst>
+          <pc:docMk/>
+          <pc:sldMk cId="26861849" sldId="282"/>
+        </pc:sldMkLst>
+      </pc:sldChg>
+      <pc:sldChg chg="addSp delSp modSp new mod">
+        <pc:chgData name="Geoff Butcher" userId="1cb31d20-838c-4d88-81d0-dc1a78ccb326" providerId="ADAL" clId="{180F5F75-A101-4134-9315-E8E9101F6FDF}" dt="2021-02-08T12:48:51.132" v="1766" actId="207"/>
+        <pc:sldMkLst>
+          <pc:docMk/>
+          <pc:sldMk cId="2015613160" sldId="282"/>
+        </pc:sldMkLst>
+        <pc:spChg chg="mod">
+          <ac:chgData name="Geoff Butcher" userId="1cb31d20-838c-4d88-81d0-dc1a78ccb326" providerId="ADAL" clId="{180F5F75-A101-4134-9315-E8E9101F6FDF}" dt="2021-02-08T12:45:10.027" v="1380"/>
+          <ac:spMkLst>
+            <pc:docMk/>
+            <pc:sldMk cId="2015613160" sldId="282"/>
+            <ac:spMk id="2" creationId="{F1D1325E-570D-4659-A3EA-68DBCCD73007}"/>
+          </ac:spMkLst>
+        </pc:spChg>
+        <pc:spChg chg="del">
+          <ac:chgData name="Geoff Butcher" userId="1cb31d20-838c-4d88-81d0-dc1a78ccb326" providerId="ADAL" clId="{180F5F75-A101-4134-9315-E8E9101F6FDF}" dt="2021-02-08T12:45:17.733" v="1381"/>
+          <ac:spMkLst>
+            <pc:docMk/>
+            <pc:sldMk cId="2015613160" sldId="282"/>
+            <ac:spMk id="3" creationId="{518FC185-48A2-4C65-88B7-28B0921F6A3E}"/>
+          </ac:spMkLst>
+        </pc:spChg>
+        <pc:spChg chg="add mod">
+          <ac:chgData name="Geoff Butcher" userId="1cb31d20-838c-4d88-81d0-dc1a78ccb326" providerId="ADAL" clId="{180F5F75-A101-4134-9315-E8E9101F6FDF}" dt="2021-02-08T12:48:51.132" v="1766" actId="207"/>
+          <ac:spMkLst>
+            <pc:docMk/>
+            <pc:sldMk cId="2015613160" sldId="282"/>
+            <ac:spMk id="7" creationId="{5A1EAA69-EB7A-45D7-83DD-1A1EE93C04E0}"/>
+          </ac:spMkLst>
+        </pc:spChg>
+        <pc:picChg chg="add del mod">
+          <ac:chgData name="Geoff Butcher" userId="1cb31d20-838c-4d88-81d0-dc1a78ccb326" providerId="ADAL" clId="{180F5F75-A101-4134-9315-E8E9101F6FDF}" dt="2021-02-08T12:45:20.291" v="1383" actId="21"/>
+          <ac:picMkLst>
+            <pc:docMk/>
+            <pc:sldMk cId="2015613160" sldId="282"/>
+            <ac:picMk id="5" creationId="{CA5FECB4-389A-4B43-B26F-4E23C5A2A71D}"/>
+          </ac:picMkLst>
+        </pc:picChg>
+        <pc:picChg chg="add del mod">
+          <ac:chgData name="Geoff Butcher" userId="1cb31d20-838c-4d88-81d0-dc1a78ccb326" providerId="ADAL" clId="{180F5F75-A101-4134-9315-E8E9101F6FDF}" dt="2021-02-08T12:47:20.908" v="1529" actId="478"/>
+          <ac:picMkLst>
+            <pc:docMk/>
+            <pc:sldMk cId="2015613160" sldId="282"/>
+            <ac:picMk id="8" creationId="{BA3520F5-5CBB-4A48-9084-09F661387FE3}"/>
+          </ac:picMkLst>
+        </pc:picChg>
+        <pc:picChg chg="add mod">
+          <ac:chgData name="Geoff Butcher" userId="1cb31d20-838c-4d88-81d0-dc1a78ccb326" providerId="ADAL" clId="{180F5F75-A101-4134-9315-E8E9101F6FDF}" dt="2021-02-08T12:47:31.546" v="1535" actId="1076"/>
+          <ac:picMkLst>
+            <pc:docMk/>
+            <pc:sldMk cId="2015613160" sldId="282"/>
+            <ac:picMk id="10" creationId="{9813D2A6-172E-41C7-98CE-E2E09C782ED3}"/>
+          </ac:picMkLst>
+        </pc:picChg>
+      </pc:sldChg>
+      <pc:sldChg chg="del">
+        <pc:chgData name="Geoff Butcher" userId="1cb31d20-838c-4d88-81d0-dc1a78ccb326" providerId="ADAL" clId="{180F5F75-A101-4134-9315-E8E9101F6FDF}" dt="2021-02-08T12:33:29.688" v="629" actId="47"/>
+        <pc:sldMkLst>
+          <pc:docMk/>
+          <pc:sldMk cId="1836482924" sldId="283"/>
+        </pc:sldMkLst>
+      </pc:sldChg>
+      <pc:sldChg chg="addSp modSp new mod">
+        <pc:chgData name="Geoff Butcher" userId="1cb31d20-838c-4d88-81d0-dc1a78ccb326" providerId="ADAL" clId="{180F5F75-A101-4134-9315-E8E9101F6FDF}" dt="2021-02-08T13:22:55.801" v="2692" actId="404"/>
+        <pc:sldMkLst>
+          <pc:docMk/>
+          <pc:sldMk cId="3249571848" sldId="283"/>
+        </pc:sldMkLst>
+        <pc:spChg chg="mod">
+          <ac:chgData name="Geoff Butcher" userId="1cb31d20-838c-4d88-81d0-dc1a78ccb326" providerId="ADAL" clId="{180F5F75-A101-4134-9315-E8E9101F6FDF}" dt="2021-02-08T13:14:56.501" v="1802" actId="20577"/>
+          <ac:spMkLst>
+            <pc:docMk/>
+            <pc:sldMk cId="3249571848" sldId="283"/>
+            <ac:spMk id="2" creationId="{0F51E72E-64B6-45B6-9770-38F678E67306}"/>
+          </ac:spMkLst>
+        </pc:spChg>
+        <pc:spChg chg="mod">
+          <ac:chgData name="Geoff Butcher" userId="1cb31d20-838c-4d88-81d0-dc1a78ccb326" providerId="ADAL" clId="{180F5F75-A101-4134-9315-E8E9101F6FDF}" dt="2021-02-08T13:18:06.954" v="2151" actId="20577"/>
+          <ac:spMkLst>
+            <pc:docMk/>
+            <pc:sldMk cId="3249571848" sldId="283"/>
+            <ac:spMk id="3" creationId="{7A466A05-8EF7-461B-A4A5-2DE7F578FD21}"/>
+          </ac:spMkLst>
+        </pc:spChg>
+        <pc:spChg chg="add mod">
+          <ac:chgData name="Geoff Butcher" userId="1cb31d20-838c-4d88-81d0-dc1a78ccb326" providerId="ADAL" clId="{180F5F75-A101-4134-9315-E8E9101F6FDF}" dt="2021-02-08T13:22:55.801" v="2692" actId="404"/>
+          <ac:spMkLst>
+            <pc:docMk/>
+            <pc:sldMk cId="3249571848" sldId="283"/>
+            <ac:spMk id="6" creationId="{78D4792A-9D00-48CF-A620-23119ECA0780}"/>
+          </ac:spMkLst>
+        </pc:spChg>
+        <pc:picChg chg="add mod">
+          <ac:chgData name="Geoff Butcher" userId="1cb31d20-838c-4d88-81d0-dc1a78ccb326" providerId="ADAL" clId="{180F5F75-A101-4134-9315-E8E9101F6FDF}" dt="2021-02-08T13:20:34.945" v="2156" actId="1076"/>
+          <ac:picMkLst>
+            <pc:docMk/>
+            <pc:sldMk cId="3249571848" sldId="283"/>
+            <ac:picMk id="5" creationId="{9FB8E137-3394-489B-9902-47D41E83A380}"/>
+          </ac:picMkLst>
+        </pc:picChg>
+      </pc:sldChg>
+      <pc:sldChg chg="del">
+        <pc:chgData name="Geoff Butcher" userId="1cb31d20-838c-4d88-81d0-dc1a78ccb326" providerId="ADAL" clId="{180F5F75-A101-4134-9315-E8E9101F6FDF}" dt="2021-02-08T12:33:32.729" v="634" actId="47"/>
+        <pc:sldMkLst>
+          <pc:docMk/>
+          <pc:sldMk cId="295329404" sldId="284"/>
+        </pc:sldMkLst>
+      </pc:sldChg>
+      <pc:sldChg chg="addSp delSp modSp new mod">
+        <pc:chgData name="Geoff Butcher" userId="1cb31d20-838c-4d88-81d0-dc1a78ccb326" providerId="ADAL" clId="{180F5F75-A101-4134-9315-E8E9101F6FDF}" dt="2021-02-08T14:20:55.329" v="2949" actId="20577"/>
+        <pc:sldMkLst>
+          <pc:docMk/>
+          <pc:sldMk cId="2651835908" sldId="284"/>
+        </pc:sldMkLst>
+        <pc:spChg chg="mod">
+          <ac:chgData name="Geoff Butcher" userId="1cb31d20-838c-4d88-81d0-dc1a78ccb326" providerId="ADAL" clId="{180F5F75-A101-4134-9315-E8E9101F6FDF}" dt="2021-02-08T14:16:53.396" v="2716" actId="20577"/>
+          <ac:spMkLst>
+            <pc:docMk/>
+            <pc:sldMk cId="2651835908" sldId="284"/>
+            <ac:spMk id="2" creationId="{1AE95F19-364F-4B5D-A4C2-0BC315B5CBA2}"/>
+          </ac:spMkLst>
+        </pc:spChg>
+        <pc:spChg chg="mod">
+          <ac:chgData name="Geoff Butcher" userId="1cb31d20-838c-4d88-81d0-dc1a78ccb326" providerId="ADAL" clId="{180F5F75-A101-4134-9315-E8E9101F6FDF}" dt="2021-02-08T14:17:51.112" v="2854" actId="14100"/>
+          <ac:spMkLst>
+            <pc:docMk/>
+            <pc:sldMk cId="2651835908" sldId="284"/>
+            <ac:spMk id="3" creationId="{5E2C1076-ABDD-4B94-B0D0-67CFA5EDACA0}"/>
+          </ac:spMkLst>
+        </pc:spChg>
+        <pc:spChg chg="add del mod">
+          <ac:chgData name="Geoff Butcher" userId="1cb31d20-838c-4d88-81d0-dc1a78ccb326" providerId="ADAL" clId="{180F5F75-A101-4134-9315-E8E9101F6FDF}" dt="2021-02-08T14:20:23.412" v="2867"/>
+          <ac:spMkLst>
+            <pc:docMk/>
+            <pc:sldMk cId="2651835908" sldId="284"/>
+            <ac:spMk id="8" creationId="{7A78FCF4-EE1C-464C-9F6C-D24AD1C450C3}"/>
+          </ac:spMkLst>
+        </pc:spChg>
+        <pc:spChg chg="add mod">
+          <ac:chgData name="Geoff Butcher" userId="1cb31d20-838c-4d88-81d0-dc1a78ccb326" providerId="ADAL" clId="{180F5F75-A101-4134-9315-E8E9101F6FDF}" dt="2021-02-08T14:20:55.329" v="2949" actId="20577"/>
+          <ac:spMkLst>
+            <pc:docMk/>
+            <pc:sldMk cId="2651835908" sldId="284"/>
+            <ac:spMk id="9" creationId="{5F9D2E5E-F139-4B1A-A92F-1516E8F60266}"/>
+          </ac:spMkLst>
+        </pc:spChg>
+        <pc:picChg chg="add mod">
+          <ac:chgData name="Geoff Butcher" userId="1cb31d20-838c-4d88-81d0-dc1a78ccb326" providerId="ADAL" clId="{180F5F75-A101-4134-9315-E8E9101F6FDF}" dt="2021-02-08T14:18:05.560" v="2860" actId="1076"/>
+          <ac:picMkLst>
+            <pc:docMk/>
+            <pc:sldMk cId="2651835908" sldId="284"/>
+            <ac:picMk id="5" creationId="{43EA5518-F822-4150-BC6A-78A3E819572B}"/>
+          </ac:picMkLst>
+        </pc:picChg>
+        <pc:picChg chg="add mod">
+          <ac:chgData name="Geoff Butcher" userId="1cb31d20-838c-4d88-81d0-dc1a78ccb326" providerId="ADAL" clId="{180F5F75-A101-4134-9315-E8E9101F6FDF}" dt="2021-02-08T14:20:17.177" v="2865" actId="1076"/>
+          <ac:picMkLst>
+            <pc:docMk/>
+            <pc:sldMk cId="2651835908" sldId="284"/>
+            <ac:picMk id="7" creationId="{B4253FC4-D432-4962-A312-D271D85F70E0}"/>
+          </ac:picMkLst>
+        </pc:picChg>
+      </pc:sldChg>
+      <pc:sldChg chg="addSp modSp new mod">
+        <pc:chgData name="Geoff Butcher" userId="1cb31d20-838c-4d88-81d0-dc1a78ccb326" providerId="ADAL" clId="{180F5F75-A101-4134-9315-E8E9101F6FDF}" dt="2021-02-08T14:24:07.712" v="3270" actId="207"/>
+        <pc:sldMkLst>
+          <pc:docMk/>
+          <pc:sldMk cId="89665454" sldId="285"/>
+        </pc:sldMkLst>
+        <pc:spChg chg="mod">
+          <ac:chgData name="Geoff Butcher" userId="1cb31d20-838c-4d88-81d0-dc1a78ccb326" providerId="ADAL" clId="{180F5F75-A101-4134-9315-E8E9101F6FDF}" dt="2021-02-08T14:21:17.439" v="2981" actId="20577"/>
+          <ac:spMkLst>
+            <pc:docMk/>
+            <pc:sldMk cId="89665454" sldId="285"/>
+            <ac:spMk id="2" creationId="{01E09B13-88B1-460A-99F2-9D773B1812CA}"/>
+          </ac:spMkLst>
+        </pc:spChg>
+        <pc:spChg chg="mod">
+          <ac:chgData name="Geoff Butcher" userId="1cb31d20-838c-4d88-81d0-dc1a78ccb326" providerId="ADAL" clId="{180F5F75-A101-4134-9315-E8E9101F6FDF}" dt="2021-02-08T14:24:07.712" v="3270" actId="207"/>
+          <ac:spMkLst>
+            <pc:docMk/>
+            <pc:sldMk cId="89665454" sldId="285"/>
+            <ac:spMk id="3" creationId="{8EBACC42-6BA3-46F6-ADD9-DFA090A16DD5}"/>
+          </ac:spMkLst>
+        </pc:spChg>
+        <pc:picChg chg="add mod">
+          <ac:chgData name="Geoff Butcher" userId="1cb31d20-838c-4d88-81d0-dc1a78ccb326" providerId="ADAL" clId="{180F5F75-A101-4134-9315-E8E9101F6FDF}" dt="2021-02-08T14:23:58.370" v="3267" actId="1076"/>
+          <ac:picMkLst>
+            <pc:docMk/>
+            <pc:sldMk cId="89665454" sldId="285"/>
+            <ac:picMk id="5" creationId="{6851F382-9ECA-4CAC-98C5-C15E7EA2BF8B}"/>
+          </ac:picMkLst>
+        </pc:picChg>
+      </pc:sldChg>
+      <pc:sldChg chg="del">
+        <pc:chgData name="Geoff Butcher" userId="1cb31d20-838c-4d88-81d0-dc1a78ccb326" providerId="ADAL" clId="{180F5F75-A101-4134-9315-E8E9101F6FDF}" dt="2021-02-08T12:33:32.898" v="635" actId="47"/>
+        <pc:sldMkLst>
+          <pc:docMk/>
+          <pc:sldMk cId="3301953182" sldId="285"/>
+        </pc:sldMkLst>
+      </pc:sldChg>
+      <pc:sldChg chg="modSp add mod">
+        <pc:chgData name="Geoff Butcher" userId="1cb31d20-838c-4d88-81d0-dc1a78ccb326" providerId="ADAL" clId="{180F5F75-A101-4134-9315-E8E9101F6FDF}" dt="2021-02-08T14:26:32.088" v="3701" actId="207"/>
+        <pc:sldMkLst>
+          <pc:docMk/>
+          <pc:sldMk cId="2629009919" sldId="286"/>
+        </pc:sldMkLst>
+        <pc:spChg chg="mod">
+          <ac:chgData name="Geoff Butcher" userId="1cb31d20-838c-4d88-81d0-dc1a78ccb326" providerId="ADAL" clId="{180F5F75-A101-4134-9315-E8E9101F6FDF}" dt="2021-02-08T14:26:32.088" v="3701" actId="207"/>
+          <ac:spMkLst>
+            <pc:docMk/>
+            <pc:sldMk cId="2629009919" sldId="286"/>
+            <ac:spMk id="3" creationId="{8EBACC42-6BA3-46F6-ADD9-DFA090A16DD5}"/>
+          </ac:spMkLst>
+        </pc:spChg>
+      </pc:sldChg>
+      <pc:sldChg chg="del">
+        <pc:chgData name="Geoff Butcher" userId="1cb31d20-838c-4d88-81d0-dc1a78ccb326" providerId="ADAL" clId="{180F5F75-A101-4134-9315-E8E9101F6FDF}" dt="2021-02-08T12:33:31.995" v="632" actId="47"/>
+        <pc:sldMkLst>
+          <pc:docMk/>
+          <pc:sldMk cId="3429103600" sldId="286"/>
+        </pc:sldMkLst>
+      </pc:sldChg>
+      <pc:sldChg chg="del">
+        <pc:chgData name="Geoff Butcher" userId="1cb31d20-838c-4d88-81d0-dc1a78ccb326" providerId="ADAL" clId="{180F5F75-A101-4134-9315-E8E9101F6FDF}" dt="2021-02-08T12:33:31.779" v="631" actId="47"/>
+        <pc:sldMkLst>
+          <pc:docMk/>
+          <pc:sldMk cId="503030251" sldId="287"/>
+        </pc:sldMkLst>
+      </pc:sldChg>
+      <pc:sldChg chg="addSp modSp new mod">
+        <pc:chgData name="Geoff Butcher" userId="1cb31d20-838c-4d88-81d0-dc1a78ccb326" providerId="ADAL" clId="{180F5F75-A101-4134-9315-E8E9101F6FDF}" dt="2021-02-08T14:28:57.193" v="4035" actId="1076"/>
+        <pc:sldMkLst>
+          <pc:docMk/>
+          <pc:sldMk cId="1476283338" sldId="287"/>
+        </pc:sldMkLst>
+        <pc:spChg chg="mod">
+          <ac:chgData name="Geoff Butcher" userId="1cb31d20-838c-4d88-81d0-dc1a78ccb326" providerId="ADAL" clId="{180F5F75-A101-4134-9315-E8E9101F6FDF}" dt="2021-02-08T14:27:05.159" v="3736" actId="20577"/>
+          <ac:spMkLst>
+            <pc:docMk/>
+            <pc:sldMk cId="1476283338" sldId="287"/>
+            <ac:spMk id="2" creationId="{194A9627-C996-454B-95AB-31D53A604FBC}"/>
+          </ac:spMkLst>
+        </pc:spChg>
+        <pc:spChg chg="mod">
+          <ac:chgData name="Geoff Butcher" userId="1cb31d20-838c-4d88-81d0-dc1a78ccb326" providerId="ADAL" clId="{180F5F75-A101-4134-9315-E8E9101F6FDF}" dt="2021-02-08T14:28:18.578" v="4029" actId="27636"/>
+          <ac:spMkLst>
+            <pc:docMk/>
+            <pc:sldMk cId="1476283338" sldId="287"/>
+            <ac:spMk id="3" creationId="{58C7F14F-009A-4E2E-9FD5-B465ECC7BDDC}"/>
+          </ac:spMkLst>
+        </pc:spChg>
+        <pc:picChg chg="add mod">
+          <ac:chgData name="Geoff Butcher" userId="1cb31d20-838c-4d88-81d0-dc1a78ccb326" providerId="ADAL" clId="{180F5F75-A101-4134-9315-E8E9101F6FDF}" dt="2021-02-08T14:28:57.193" v="4035" actId="1076"/>
+          <ac:picMkLst>
+            <pc:docMk/>
+            <pc:sldMk cId="1476283338" sldId="287"/>
+            <ac:picMk id="5" creationId="{A7959DCD-9DCB-4F36-929C-370E544B86AB}"/>
+          </ac:picMkLst>
+        </pc:picChg>
+      </pc:sldChg>
+      <pc:sldChg chg="del">
+        <pc:chgData name="Geoff Butcher" userId="1cb31d20-838c-4d88-81d0-dc1a78ccb326" providerId="ADAL" clId="{180F5F75-A101-4134-9315-E8E9101F6FDF}" dt="2021-02-08T12:33:33.437" v="639" actId="47"/>
+        <pc:sldMkLst>
+          <pc:docMk/>
+          <pc:sldMk cId="1452426237" sldId="288"/>
+        </pc:sldMkLst>
+      </pc:sldChg>
+      <pc:sldChg chg="addSp delSp modSp add mod">
+        <pc:chgData name="Geoff Butcher" userId="1cb31d20-838c-4d88-81d0-dc1a78ccb326" providerId="ADAL" clId="{180F5F75-A101-4134-9315-E8E9101F6FDF}" dt="2021-02-08T14:32:51.816" v="4474" actId="1076"/>
+        <pc:sldMkLst>
+          <pc:docMk/>
+          <pc:sldMk cId="1808149236" sldId="288"/>
+        </pc:sldMkLst>
+        <pc:spChg chg="mod">
+          <ac:chgData name="Geoff Butcher" userId="1cb31d20-838c-4d88-81d0-dc1a78ccb326" providerId="ADAL" clId="{180F5F75-A101-4134-9315-E8E9101F6FDF}" dt="2021-02-08T14:32:43.501" v="4472" actId="20577"/>
+          <ac:spMkLst>
+            <pc:docMk/>
+            <pc:sldMk cId="1808149236" sldId="288"/>
+            <ac:spMk id="3" creationId="{58C7F14F-009A-4E2E-9FD5-B465ECC7BDDC}"/>
+          </ac:spMkLst>
+        </pc:spChg>
+        <pc:picChg chg="del">
+          <ac:chgData name="Geoff Butcher" userId="1cb31d20-838c-4d88-81d0-dc1a78ccb326" providerId="ADAL" clId="{180F5F75-A101-4134-9315-E8E9101F6FDF}" dt="2021-02-08T14:31:20.998" v="4309" actId="478"/>
+          <ac:picMkLst>
+            <pc:docMk/>
+            <pc:sldMk cId="1808149236" sldId="288"/>
+            <ac:picMk id="5" creationId="{A7959DCD-9DCB-4F36-929C-370E544B86AB}"/>
+          </ac:picMkLst>
+        </pc:picChg>
+        <pc:picChg chg="add mod">
+          <ac:chgData name="Geoff Butcher" userId="1cb31d20-838c-4d88-81d0-dc1a78ccb326" providerId="ADAL" clId="{180F5F75-A101-4134-9315-E8E9101F6FDF}" dt="2021-02-08T14:32:51.816" v="4474" actId="1076"/>
+          <ac:picMkLst>
+            <pc:docMk/>
+            <pc:sldMk cId="1808149236" sldId="288"/>
+            <ac:picMk id="6" creationId="{B239A45D-494B-44A4-92E6-D6911B6519CE}"/>
+          </ac:picMkLst>
+        </pc:picChg>
+      </pc:sldChg>
+      <pc:sldChg chg="addSp delSp modSp new mod">
+        <pc:chgData name="Geoff Butcher" userId="1cb31d20-838c-4d88-81d0-dc1a78ccb326" providerId="ADAL" clId="{180F5F75-A101-4134-9315-E8E9101F6FDF}" dt="2021-02-08T15:21:53.834" v="4949" actId="1076"/>
+        <pc:sldMkLst>
+          <pc:docMk/>
+          <pc:sldMk cId="3264453007" sldId="289"/>
+        </pc:sldMkLst>
+        <pc:spChg chg="mod">
+          <ac:chgData name="Geoff Butcher" userId="1cb31d20-838c-4d88-81d0-dc1a78ccb326" providerId="ADAL" clId="{180F5F75-A101-4134-9315-E8E9101F6FDF}" dt="2021-02-08T14:37:59.544" v="4494" actId="20577"/>
+          <ac:spMkLst>
+            <pc:docMk/>
+            <pc:sldMk cId="3264453007" sldId="289"/>
+            <ac:spMk id="2" creationId="{35865B98-2B46-4AF0-803F-1FFC63E4822C}"/>
+          </ac:spMkLst>
+        </pc:spChg>
+        <pc:spChg chg="mod">
+          <ac:chgData name="Geoff Butcher" userId="1cb31d20-838c-4d88-81d0-dc1a78ccb326" providerId="ADAL" clId="{180F5F75-A101-4134-9315-E8E9101F6FDF}" dt="2021-02-08T15:21:10.877" v="4942" actId="27636"/>
+          <ac:spMkLst>
+            <pc:docMk/>
+            <pc:sldMk cId="3264453007" sldId="289"/>
+            <ac:spMk id="3" creationId="{5AF5E73B-94BF-4FB9-8ED1-8AB24A78808A}"/>
+          </ac:spMkLst>
+        </pc:spChg>
+        <pc:picChg chg="add del mod">
+          <ac:chgData name="Geoff Butcher" userId="1cb31d20-838c-4d88-81d0-dc1a78ccb326" providerId="ADAL" clId="{180F5F75-A101-4134-9315-E8E9101F6FDF}" dt="2021-02-08T15:11:06.449" v="4731" actId="21"/>
+          <ac:picMkLst>
+            <pc:docMk/>
+            <pc:sldMk cId="3264453007" sldId="289"/>
+            <ac:picMk id="5" creationId="{96557DBB-1C6E-4D32-A1A7-5DFAC67491A9}"/>
+          </ac:picMkLst>
+        </pc:picChg>
+        <pc:picChg chg="add del mod">
+          <ac:chgData name="Geoff Butcher" userId="1cb31d20-838c-4d88-81d0-dc1a78ccb326" providerId="ADAL" clId="{180F5F75-A101-4134-9315-E8E9101F6FDF}" dt="2021-02-08T15:21:12.392" v="4943" actId="478"/>
+          <ac:picMkLst>
+            <pc:docMk/>
+            <pc:sldMk cId="3264453007" sldId="289"/>
+            <ac:picMk id="7" creationId="{26581428-ED8B-4048-AAAD-3B7506759242}"/>
+          </ac:picMkLst>
+        </pc:picChg>
+        <pc:picChg chg="add mod">
+          <ac:chgData name="Geoff Butcher" userId="1cb31d20-838c-4d88-81d0-dc1a78ccb326" providerId="ADAL" clId="{180F5F75-A101-4134-9315-E8E9101F6FDF}" dt="2021-02-08T15:11:12.151" v="4735" actId="1076"/>
+          <ac:picMkLst>
+            <pc:docMk/>
+            <pc:sldMk cId="3264453007" sldId="289"/>
+            <ac:picMk id="8" creationId="{004142D7-4A28-4EF1-9948-A648DFB54B5F}"/>
+          </ac:picMkLst>
+        </pc:picChg>
+        <pc:picChg chg="add mod">
+          <ac:chgData name="Geoff Butcher" userId="1cb31d20-838c-4d88-81d0-dc1a78ccb326" providerId="ADAL" clId="{180F5F75-A101-4134-9315-E8E9101F6FDF}" dt="2021-02-08T15:21:53.834" v="4949" actId="1076"/>
+          <ac:picMkLst>
+            <pc:docMk/>
+            <pc:sldMk cId="3264453007" sldId="289"/>
+            <ac:picMk id="10" creationId="{4DCCF767-8B83-45BF-A2C3-AD57075FFB40}"/>
+          </ac:picMkLst>
+        </pc:picChg>
+      </pc:sldChg>
+      <pc:sldChg chg="del">
+        <pc:chgData name="Geoff Butcher" userId="1cb31d20-838c-4d88-81d0-dc1a78ccb326" providerId="ADAL" clId="{180F5F75-A101-4134-9315-E8E9101F6FDF}" dt="2021-02-08T12:33:33.168" v="637" actId="47"/>
+        <pc:sldMkLst>
+          <pc:docMk/>
+          <pc:sldMk cId="4262674240" sldId="289"/>
+        </pc:sldMkLst>
+      </pc:sldChg>
+      <pc:sldChg chg="del">
+        <pc:chgData name="Geoff Butcher" userId="1cb31d20-838c-4d88-81d0-dc1a78ccb326" providerId="ADAL" clId="{180F5F75-A101-4134-9315-E8E9101F6FDF}" dt="2021-02-08T12:33:33.014" v="636" actId="47"/>
+        <pc:sldMkLst>
+          <pc:docMk/>
+          <pc:sldMk cId="69138350" sldId="290"/>
+        </pc:sldMkLst>
+      </pc:sldChg>
+      <pc:sldChg chg="addSp modSp new mod">
+        <pc:chgData name="Geoff Butcher" userId="1cb31d20-838c-4d88-81d0-dc1a78ccb326" providerId="ADAL" clId="{180F5F75-A101-4134-9315-E8E9101F6FDF}" dt="2021-02-08T15:25:05.949" v="5103" actId="14100"/>
+        <pc:sldMkLst>
+          <pc:docMk/>
+          <pc:sldMk cId="1163171234" sldId="290"/>
+        </pc:sldMkLst>
+        <pc:spChg chg="mod">
+          <ac:chgData name="Geoff Butcher" userId="1cb31d20-838c-4d88-81d0-dc1a78ccb326" providerId="ADAL" clId="{180F5F75-A101-4134-9315-E8E9101F6FDF}" dt="2021-02-08T15:22:09.907" v="4963" actId="20577"/>
+          <ac:spMkLst>
+            <pc:docMk/>
+            <pc:sldMk cId="1163171234" sldId="290"/>
+            <ac:spMk id="2" creationId="{7014E905-8354-4DEB-ACA6-4FC1D723C956}"/>
+          </ac:spMkLst>
+        </pc:spChg>
+        <pc:spChg chg="mod">
+          <ac:chgData name="Geoff Butcher" userId="1cb31d20-838c-4d88-81d0-dc1a78ccb326" providerId="ADAL" clId="{180F5F75-A101-4134-9315-E8E9101F6FDF}" dt="2021-02-08T15:22:46.623" v="5096" actId="14100"/>
+          <ac:spMkLst>
+            <pc:docMk/>
+            <pc:sldMk cId="1163171234" sldId="290"/>
+            <ac:spMk id="3" creationId="{43A2442A-B0A8-411B-BF55-B298959BA834}"/>
+          </ac:spMkLst>
+        </pc:spChg>
+        <pc:picChg chg="add mod">
+          <ac:chgData name="Geoff Butcher" userId="1cb31d20-838c-4d88-81d0-dc1a78ccb326" providerId="ADAL" clId="{180F5F75-A101-4134-9315-E8E9101F6FDF}" dt="2021-02-08T15:24:11.505" v="5099" actId="1076"/>
+          <ac:picMkLst>
+            <pc:docMk/>
+            <pc:sldMk cId="1163171234" sldId="290"/>
+            <ac:picMk id="5" creationId="{94409E86-3C6E-47F6-AD50-309D85E67209}"/>
+          </ac:picMkLst>
+        </pc:picChg>
+        <pc:picChg chg="add mod">
+          <ac:chgData name="Geoff Butcher" userId="1cb31d20-838c-4d88-81d0-dc1a78ccb326" providerId="ADAL" clId="{180F5F75-A101-4134-9315-E8E9101F6FDF}" dt="2021-02-08T15:25:05.949" v="5103" actId="14100"/>
+          <ac:picMkLst>
+            <pc:docMk/>
+            <pc:sldMk cId="1163171234" sldId="290"/>
+            <ac:picMk id="7" creationId="{B423D3F5-C426-4488-99E5-EABC1B7CE400}"/>
+          </ac:picMkLst>
+        </pc:picChg>
+      </pc:sldChg>
+      <pc:sldChg chg="addSp modSp new mod">
+        <pc:chgData name="Geoff Butcher" userId="1cb31d20-838c-4d88-81d0-dc1a78ccb326" providerId="ADAL" clId="{180F5F75-A101-4134-9315-E8E9101F6FDF}" dt="2021-02-08T15:32:42.927" v="5440" actId="1076"/>
+        <pc:sldMkLst>
+          <pc:docMk/>
+          <pc:sldMk cId="1799103300" sldId="291"/>
+        </pc:sldMkLst>
+        <pc:spChg chg="mod">
+          <ac:chgData name="Geoff Butcher" userId="1cb31d20-838c-4d88-81d0-dc1a78ccb326" providerId="ADAL" clId="{180F5F75-A101-4134-9315-E8E9101F6FDF}" dt="2021-02-08T15:25:18.976" v="5114" actId="20577"/>
+          <ac:spMkLst>
+            <pc:docMk/>
+            <pc:sldMk cId="1799103300" sldId="291"/>
+            <ac:spMk id="2" creationId="{59CE7064-6AA1-4280-8988-FAD24B7EEAD0}"/>
+          </ac:spMkLst>
+        </pc:spChg>
+        <pc:spChg chg="mod">
+          <ac:chgData name="Geoff Butcher" userId="1cb31d20-838c-4d88-81d0-dc1a78ccb326" providerId="ADAL" clId="{180F5F75-A101-4134-9315-E8E9101F6FDF}" dt="2021-02-08T15:32:10.089" v="5433" actId="20577"/>
+          <ac:spMkLst>
+            <pc:docMk/>
+            <pc:sldMk cId="1799103300" sldId="291"/>
+            <ac:spMk id="3" creationId="{15B4FF8A-7687-4CAD-B501-1A44E706D306}"/>
+          </ac:spMkLst>
+        </pc:spChg>
+        <pc:spChg chg="add mod">
+          <ac:chgData name="Geoff Butcher" userId="1cb31d20-838c-4d88-81d0-dc1a78ccb326" providerId="ADAL" clId="{180F5F75-A101-4134-9315-E8E9101F6FDF}" dt="2021-02-08T15:32:24.589" v="5434" actId="1076"/>
+          <ac:spMkLst>
+            <pc:docMk/>
+            <pc:sldMk cId="1799103300" sldId="291"/>
+            <ac:spMk id="4" creationId="{174024EF-132F-4920-9D39-E1C3B1F5A578}"/>
+          </ac:spMkLst>
+        </pc:spChg>
+        <pc:spChg chg="add mod">
+          <ac:chgData name="Geoff Butcher" userId="1cb31d20-838c-4d88-81d0-dc1a78ccb326" providerId="ADAL" clId="{180F5F75-A101-4134-9315-E8E9101F6FDF}" dt="2021-02-08T15:32:24.589" v="5434" actId="1076"/>
+          <ac:spMkLst>
+            <pc:docMk/>
+            <pc:sldMk cId="1799103300" sldId="291"/>
+            <ac:spMk id="5" creationId="{4B14FA08-B201-4DA4-AAE6-BA088A25E3FE}"/>
+          </ac:spMkLst>
+        </pc:spChg>
+        <pc:spChg chg="add mod">
+          <ac:chgData name="Geoff Butcher" userId="1cb31d20-838c-4d88-81d0-dc1a78ccb326" providerId="ADAL" clId="{180F5F75-A101-4134-9315-E8E9101F6FDF}" dt="2021-02-08T15:32:24.589" v="5434" actId="1076"/>
+          <ac:spMkLst>
+            <pc:docMk/>
+            <pc:sldMk cId="1799103300" sldId="291"/>
+            <ac:spMk id="6" creationId="{4B2AD585-1743-4523-BFCA-E661321C05E6}"/>
+          </ac:spMkLst>
+        </pc:spChg>
+        <pc:spChg chg="add mod">
+          <ac:chgData name="Geoff Butcher" userId="1cb31d20-838c-4d88-81d0-dc1a78ccb326" providerId="ADAL" clId="{180F5F75-A101-4134-9315-E8E9101F6FDF}" dt="2021-02-08T15:32:24.589" v="5434" actId="1076"/>
+          <ac:spMkLst>
+            <pc:docMk/>
+            <pc:sldMk cId="1799103300" sldId="291"/>
+            <ac:spMk id="7" creationId="{9AB88C63-7365-4C50-8353-66526141188A}"/>
+          </ac:spMkLst>
+        </pc:spChg>
+        <pc:spChg chg="add mod">
+          <ac:chgData name="Geoff Butcher" userId="1cb31d20-838c-4d88-81d0-dc1a78ccb326" providerId="ADAL" clId="{180F5F75-A101-4134-9315-E8E9101F6FDF}" dt="2021-02-08T15:32:24.589" v="5434" actId="1076"/>
+          <ac:spMkLst>
+            <pc:docMk/>
+            <pc:sldMk cId="1799103300" sldId="291"/>
+            <ac:spMk id="8" creationId="{FD28440C-68A3-4FD2-8B33-D3E95162A8DE}"/>
+          </ac:spMkLst>
+        </pc:spChg>
+        <pc:spChg chg="add mod">
+          <ac:chgData name="Geoff Butcher" userId="1cb31d20-838c-4d88-81d0-dc1a78ccb326" providerId="ADAL" clId="{180F5F75-A101-4134-9315-E8E9101F6FDF}" dt="2021-02-08T15:32:24.589" v="5434" actId="1076"/>
+          <ac:spMkLst>
+            <pc:docMk/>
+            <pc:sldMk cId="1799103300" sldId="291"/>
+            <ac:spMk id="9" creationId="{6BB1D0F0-FF39-48D1-9D39-B31365BFBBB2}"/>
+          </ac:spMkLst>
+        </pc:spChg>
+        <pc:picChg chg="add mod">
+          <ac:chgData name="Geoff Butcher" userId="1cb31d20-838c-4d88-81d0-dc1a78ccb326" providerId="ADAL" clId="{180F5F75-A101-4134-9315-E8E9101F6FDF}" dt="2021-02-08T15:32:42.927" v="5440" actId="1076"/>
+          <ac:picMkLst>
+            <pc:docMk/>
+            <pc:sldMk cId="1799103300" sldId="291"/>
+            <ac:picMk id="11" creationId="{89286750-D0A5-4083-A0C2-573345262961}"/>
+          </ac:picMkLst>
+        </pc:picChg>
+      </pc:sldChg>
+      <pc:sldChg chg="del">
+        <pc:chgData name="Geoff Butcher" userId="1cb31d20-838c-4d88-81d0-dc1a78ccb326" providerId="ADAL" clId="{180F5F75-A101-4134-9315-E8E9101F6FDF}" dt="2021-02-08T12:33:33.315" v="638" actId="47"/>
+        <pc:sldMkLst>
+          <pc:docMk/>
+          <pc:sldMk cId="2118186357" sldId="291"/>
+        </pc:sldMkLst>
+      </pc:sldChg>
+      <pc:sldChg chg="del">
+        <pc:chgData name="Geoff Butcher" userId="1cb31d20-838c-4d88-81d0-dc1a78ccb326" providerId="ADAL" clId="{180F5F75-A101-4134-9315-E8E9101F6FDF}" dt="2021-02-08T12:33:33.584" v="640" actId="47"/>
+        <pc:sldMkLst>
+          <pc:docMk/>
+          <pc:sldMk cId="469602028" sldId="292"/>
+        </pc:sldMkLst>
+      </pc:sldChg>
+      <pc:sldChg chg="addSp modSp new mod">
+        <pc:chgData name="Geoff Butcher" userId="1cb31d20-838c-4d88-81d0-dc1a78ccb326" providerId="ADAL" clId="{180F5F75-A101-4134-9315-E8E9101F6FDF}" dt="2021-02-08T15:37:19.720" v="5837" actId="20577"/>
+        <pc:sldMkLst>
+          <pc:docMk/>
+          <pc:sldMk cId="687084584" sldId="292"/>
+        </pc:sldMkLst>
+        <pc:spChg chg="mod">
+          <ac:chgData name="Geoff Butcher" userId="1cb31d20-838c-4d88-81d0-dc1a78ccb326" providerId="ADAL" clId="{180F5F75-A101-4134-9315-E8E9101F6FDF}" dt="2021-02-08T15:35:28.568" v="5454" actId="20577"/>
+          <ac:spMkLst>
+            <pc:docMk/>
+            <pc:sldMk cId="687084584" sldId="292"/>
+            <ac:spMk id="2" creationId="{63BA8802-6CB6-4CDE-B216-27F9C85A5111}"/>
+          </ac:spMkLst>
+        </pc:spChg>
+        <pc:spChg chg="mod">
+          <ac:chgData name="Geoff Butcher" userId="1cb31d20-838c-4d88-81d0-dc1a78ccb326" providerId="ADAL" clId="{180F5F75-A101-4134-9315-E8E9101F6FDF}" dt="2021-02-08T15:37:19.720" v="5837" actId="20577"/>
+          <ac:spMkLst>
+            <pc:docMk/>
+            <pc:sldMk cId="687084584" sldId="292"/>
+            <ac:spMk id="3" creationId="{4E0F6A5A-6E00-4589-9FC2-838D7662685C}"/>
+          </ac:spMkLst>
+        </pc:spChg>
+        <pc:picChg chg="add mod">
+          <ac:chgData name="Geoff Butcher" userId="1cb31d20-838c-4d88-81d0-dc1a78ccb326" providerId="ADAL" clId="{180F5F75-A101-4134-9315-E8E9101F6FDF}" dt="2021-02-08T15:36:28.685" v="5587" actId="1076"/>
+          <ac:picMkLst>
+            <pc:docMk/>
+            <pc:sldMk cId="687084584" sldId="292"/>
+            <ac:picMk id="5" creationId="{43B56C59-E64E-4FA3-84FF-854B2ED2B899}"/>
+          </ac:picMkLst>
+        </pc:picChg>
+      </pc:sldChg>
+      <pc:sldChg chg="del">
+        <pc:chgData name="Geoff Butcher" userId="1cb31d20-838c-4d88-81d0-dc1a78ccb326" providerId="ADAL" clId="{180F5F75-A101-4134-9315-E8E9101F6FDF}" dt="2021-02-08T12:33:33.738" v="641" actId="47"/>
+        <pc:sldMkLst>
+          <pc:docMk/>
+          <pc:sldMk cId="418820575" sldId="293"/>
+        </pc:sldMkLst>
+      </pc:sldChg>
+      <pc:sldChg chg="addSp delSp modSp new mod">
+        <pc:chgData name="Geoff Butcher" userId="1cb31d20-838c-4d88-81d0-dc1a78ccb326" providerId="ADAL" clId="{180F5F75-A101-4134-9315-E8E9101F6FDF}" dt="2021-02-08T15:52:02.810" v="6503" actId="27636"/>
+        <pc:sldMkLst>
+          <pc:docMk/>
+          <pc:sldMk cId="1579232271" sldId="293"/>
+        </pc:sldMkLst>
+        <pc:spChg chg="mod">
+          <ac:chgData name="Geoff Butcher" userId="1cb31d20-838c-4d88-81d0-dc1a78ccb326" providerId="ADAL" clId="{180F5F75-A101-4134-9315-E8E9101F6FDF}" dt="2021-02-08T15:37:51.690" v="5854" actId="20577"/>
+          <ac:spMkLst>
+            <pc:docMk/>
+            <pc:sldMk cId="1579232271" sldId="293"/>
+            <ac:spMk id="2" creationId="{D4A274E0-C413-44CD-92FC-9F90641B7040}"/>
+          </ac:spMkLst>
+        </pc:spChg>
+        <pc:spChg chg="mod">
+          <ac:chgData name="Geoff Butcher" userId="1cb31d20-838c-4d88-81d0-dc1a78ccb326" providerId="ADAL" clId="{180F5F75-A101-4134-9315-E8E9101F6FDF}" dt="2021-02-08T15:52:02.810" v="6503" actId="27636"/>
+          <ac:spMkLst>
+            <pc:docMk/>
+            <pc:sldMk cId="1579232271" sldId="293"/>
+            <ac:spMk id="3" creationId="{40F31F8A-1C16-4F66-85C6-93895DD6CC07}"/>
+          </ac:spMkLst>
+        </pc:spChg>
+        <pc:spChg chg="add del mod">
+          <ac:chgData name="Geoff Butcher" userId="1cb31d20-838c-4d88-81d0-dc1a78ccb326" providerId="ADAL" clId="{180F5F75-A101-4134-9315-E8E9101F6FDF}" dt="2021-02-08T15:38:55.958" v="5901" actId="21"/>
+          <ac:spMkLst>
+            <pc:docMk/>
+            <pc:sldMk cId="1579232271" sldId="293"/>
+            <ac:spMk id="4" creationId="{7D3F0954-3DDD-48CB-B8B7-4CF4BBE62841}"/>
+          </ac:spMkLst>
+        </pc:spChg>
+        <pc:spChg chg="add del mod">
+          <ac:chgData name="Geoff Butcher" userId="1cb31d20-838c-4d88-81d0-dc1a78ccb326" providerId="ADAL" clId="{180F5F75-A101-4134-9315-E8E9101F6FDF}" dt="2021-02-08T15:38:55.958" v="5901" actId="21"/>
+          <ac:spMkLst>
+            <pc:docMk/>
+            <pc:sldMk cId="1579232271" sldId="293"/>
+            <ac:spMk id="5" creationId="{36714323-2916-4D2D-8A95-2C53814557C1}"/>
+          </ac:spMkLst>
+        </pc:spChg>
+        <pc:spChg chg="add del mod">
+          <ac:chgData name="Geoff Butcher" userId="1cb31d20-838c-4d88-81d0-dc1a78ccb326" providerId="ADAL" clId="{180F5F75-A101-4134-9315-E8E9101F6FDF}" dt="2021-02-08T15:38:55.958" v="5901" actId="21"/>
+          <ac:spMkLst>
+            <pc:docMk/>
+            <pc:sldMk cId="1579232271" sldId="293"/>
+            <ac:spMk id="6" creationId="{4B158F2B-E2C0-4B73-B147-056FFFF8B6BD}"/>
+          </ac:spMkLst>
+        </pc:spChg>
+        <pc:spChg chg="add del mod">
+          <ac:chgData name="Geoff Butcher" userId="1cb31d20-838c-4d88-81d0-dc1a78ccb326" providerId="ADAL" clId="{180F5F75-A101-4134-9315-E8E9101F6FDF}" dt="2021-02-08T15:38:55.958" v="5901" actId="21"/>
+          <ac:spMkLst>
+            <pc:docMk/>
+            <pc:sldMk cId="1579232271" sldId="293"/>
+            <ac:spMk id="7" creationId="{F8C2DB7E-DB29-41F2-92B4-FF6CC6DC24A5}"/>
+          </ac:spMkLst>
+        </pc:spChg>
+        <pc:spChg chg="add mod">
+          <ac:chgData name="Geoff Butcher" userId="1cb31d20-838c-4d88-81d0-dc1a78ccb326" providerId="ADAL" clId="{180F5F75-A101-4134-9315-E8E9101F6FDF}" dt="2021-02-08T15:38:50.349" v="5898" actId="571"/>
+          <ac:spMkLst>
+            <pc:docMk/>
+            <pc:sldMk cId="1579232271" sldId="293"/>
+            <ac:spMk id="8" creationId="{A65B1CC2-1B6C-4DB8-AE40-B136AB6ADBEF}"/>
+          </ac:spMkLst>
+        </pc:spChg>
+        <pc:spChg chg="add mod">
+          <ac:chgData name="Geoff Butcher" userId="1cb31d20-838c-4d88-81d0-dc1a78ccb326" providerId="ADAL" clId="{180F5F75-A101-4134-9315-E8E9101F6FDF}" dt="2021-02-08T15:38:50.349" v="5898" actId="571"/>
+          <ac:spMkLst>
+            <pc:docMk/>
+            <pc:sldMk cId="1579232271" sldId="293"/>
+            <ac:spMk id="9" creationId="{0808925A-84C8-48C1-8E70-469C4D46C0F9}"/>
+          </ac:spMkLst>
+        </pc:spChg>
+        <pc:spChg chg="add mod">
+          <ac:chgData name="Geoff Butcher" userId="1cb31d20-838c-4d88-81d0-dc1a78ccb326" providerId="ADAL" clId="{180F5F75-A101-4134-9315-E8E9101F6FDF}" dt="2021-02-08T15:38:50.349" v="5898" actId="571"/>
+          <ac:spMkLst>
+            <pc:docMk/>
+            <pc:sldMk cId="1579232271" sldId="293"/>
+            <ac:spMk id="10" creationId="{B9C66FAD-24B0-4511-A9AD-7C8ECD98C1CF}"/>
+          </ac:spMkLst>
+        </pc:spChg>
+        <pc:spChg chg="add mod">
+          <ac:chgData name="Geoff Butcher" userId="1cb31d20-838c-4d88-81d0-dc1a78ccb326" providerId="ADAL" clId="{180F5F75-A101-4134-9315-E8E9101F6FDF}" dt="2021-02-08T15:51:53.905" v="6500" actId="207"/>
+          <ac:spMkLst>
+            <pc:docMk/>
+            <pc:sldMk cId="1579232271" sldId="293"/>
+            <ac:spMk id="11" creationId="{ADC96833-EEA7-4ECD-865F-B2579F131CBA}"/>
+          </ac:spMkLst>
+        </pc:spChg>
+        <pc:spChg chg="add mod">
+          <ac:chgData name="Geoff Butcher" userId="1cb31d20-838c-4d88-81d0-dc1a78ccb326" providerId="ADAL" clId="{180F5F75-A101-4134-9315-E8E9101F6FDF}" dt="2021-02-08T15:50:48.793" v="6472" actId="208"/>
+          <ac:spMkLst>
+            <pc:docMk/>
+            <pc:sldMk cId="1579232271" sldId="293"/>
+            <ac:spMk id="12" creationId="{95930B5C-9BDA-4093-A9BE-B6D17467D2A1}"/>
+          </ac:spMkLst>
+        </pc:spChg>
+        <pc:spChg chg="add mod">
+          <ac:chgData name="Geoff Butcher" userId="1cb31d20-838c-4d88-81d0-dc1a78ccb326" providerId="ADAL" clId="{180F5F75-A101-4134-9315-E8E9101F6FDF}" dt="2021-02-08T15:50:48.793" v="6472" actId="208"/>
+          <ac:spMkLst>
+            <pc:docMk/>
+            <pc:sldMk cId="1579232271" sldId="293"/>
+            <ac:spMk id="13" creationId="{F91156C7-2E30-4C0C-8942-A79B437E5D46}"/>
+          </ac:spMkLst>
+        </pc:spChg>
+        <pc:spChg chg="add mod">
+          <ac:chgData name="Geoff Butcher" userId="1cb31d20-838c-4d88-81d0-dc1a78ccb326" providerId="ADAL" clId="{180F5F75-A101-4134-9315-E8E9101F6FDF}" dt="2021-02-08T15:51:38.202" v="6495" actId="1076"/>
+          <ac:spMkLst>
+            <pc:docMk/>
+            <pc:sldMk cId="1579232271" sldId="293"/>
+            <ac:spMk id="14" creationId="{E996F42D-5270-4A63-A09A-275CA9659C3F}"/>
+          </ac:spMkLst>
+        </pc:spChg>
+        <pc:spChg chg="add del mod">
+          <ac:chgData name="Geoff Butcher" userId="1cb31d20-838c-4d88-81d0-dc1a78ccb326" providerId="ADAL" clId="{180F5F75-A101-4134-9315-E8E9101F6FDF}" dt="2021-02-08T15:49:03.418" v="6386" actId="478"/>
+          <ac:spMkLst>
+            <pc:docMk/>
+            <pc:sldMk cId="1579232271" sldId="293"/>
+            <ac:spMk id="15" creationId="{1A6105CA-E6AC-4B15-86E3-332F922DB19B}"/>
+          </ac:spMkLst>
+        </pc:spChg>
+        <pc:spChg chg="add del mod">
+          <ac:chgData name="Geoff Butcher" userId="1cb31d20-838c-4d88-81d0-dc1a78ccb326" providerId="ADAL" clId="{180F5F75-A101-4134-9315-E8E9101F6FDF}" dt="2021-02-08T15:49:04.143" v="6387" actId="478"/>
+          <ac:spMkLst>
+            <pc:docMk/>
+            <pc:sldMk cId="1579232271" sldId="293"/>
+            <ac:spMk id="16" creationId="{C80B836D-102B-4907-A350-99A77CB80DBE}"/>
+          </ac:spMkLst>
+        </pc:spChg>
+        <pc:spChg chg="add del mod ord">
+          <ac:chgData name="Geoff Butcher" userId="1cb31d20-838c-4d88-81d0-dc1a78ccb326" providerId="ADAL" clId="{180F5F75-A101-4134-9315-E8E9101F6FDF}" dt="2021-02-08T15:49:05.025" v="6388" actId="478"/>
+          <ac:spMkLst>
+            <pc:docMk/>
+            <pc:sldMk cId="1579232271" sldId="293"/>
+            <ac:spMk id="17" creationId="{9E6A2575-8F64-42C3-A8CF-97FC148CEC1A}"/>
+          </ac:spMkLst>
+        </pc:spChg>
+        <pc:spChg chg="add del mod">
+          <ac:chgData name="Geoff Butcher" userId="1cb31d20-838c-4d88-81d0-dc1a78ccb326" providerId="ADAL" clId="{180F5F75-A101-4134-9315-E8E9101F6FDF}" dt="2021-02-08T15:49:05.864" v="6389" actId="478"/>
+          <ac:spMkLst>
+            <pc:docMk/>
+            <pc:sldMk cId="1579232271" sldId="293"/>
+            <ac:spMk id="18" creationId="{BEE33118-DFE2-4FE3-87F0-A6C2D522FBC1}"/>
+          </ac:spMkLst>
+        </pc:spChg>
+        <pc:spChg chg="add del mod">
+          <ac:chgData name="Geoff Butcher" userId="1cb31d20-838c-4d88-81d0-dc1a78ccb326" providerId="ADAL" clId="{180F5F75-A101-4134-9315-E8E9101F6FDF}" dt="2021-02-08T15:50:25.629" v="6463" actId="478"/>
+          <ac:spMkLst>
+            <pc:docMk/>
+            <pc:sldMk cId="1579232271" sldId="293"/>
+            <ac:spMk id="21" creationId="{A5C0C67D-C32E-474E-891D-6244551EFF1B}"/>
+          </ac:spMkLst>
+        </pc:spChg>
+        <pc:spChg chg="add del mod">
+          <ac:chgData name="Geoff Butcher" userId="1cb31d20-838c-4d88-81d0-dc1a78ccb326" providerId="ADAL" clId="{180F5F75-A101-4134-9315-E8E9101F6FDF}" dt="2021-02-08T15:50:29.655" v="6467" actId="478"/>
+          <ac:spMkLst>
+            <pc:docMk/>
+            <pc:sldMk cId="1579232271" sldId="293"/>
+            <ac:spMk id="22" creationId="{6086B92F-8B8C-495F-BDB4-EAE0E0C894CB}"/>
+          </ac:spMkLst>
+        </pc:spChg>
+        <pc:spChg chg="add del mod">
+          <ac:chgData name="Geoff Butcher" userId="1cb31d20-838c-4d88-81d0-dc1a78ccb326" providerId="ADAL" clId="{180F5F75-A101-4134-9315-E8E9101F6FDF}" dt="2021-02-08T15:50:28.564" v="6466" actId="478"/>
+          <ac:spMkLst>
+            <pc:docMk/>
+            <pc:sldMk cId="1579232271" sldId="293"/>
+            <ac:spMk id="23" creationId="{CCEB9995-2AD3-42F1-85E2-C80E1192C822}"/>
+          </ac:spMkLst>
+        </pc:spChg>
+        <pc:spChg chg="add del mod">
+          <ac:chgData name="Geoff Butcher" userId="1cb31d20-838c-4d88-81d0-dc1a78ccb326" providerId="ADAL" clId="{180F5F75-A101-4134-9315-E8E9101F6FDF}" dt="2021-02-08T15:50:26.187" v="6464" actId="478"/>
+          <ac:spMkLst>
+            <pc:docMk/>
+            <pc:sldMk cId="1579232271" sldId="293"/>
+            <ac:spMk id="24" creationId="{9F9BF9CA-65BA-4164-8B0A-AB63F83C3AA7}"/>
+          </ac:spMkLst>
+        </pc:spChg>
+        <pc:spChg chg="add del mod">
+          <ac:chgData name="Geoff Butcher" userId="1cb31d20-838c-4d88-81d0-dc1a78ccb326" providerId="ADAL" clId="{180F5F75-A101-4134-9315-E8E9101F6FDF}" dt="2021-02-08T15:50:54.467" v="6474" actId="478"/>
+          <ac:spMkLst>
+            <pc:docMk/>
+            <pc:sldMk cId="1579232271" sldId="293"/>
+            <ac:spMk id="25" creationId="{5CBD61D9-88ED-49D9-96CB-DF6E3195E932}"/>
+          </ac:spMkLst>
+        </pc:spChg>
+        <pc:spChg chg="add del mod">
+          <ac:chgData name="Geoff Butcher" userId="1cb31d20-838c-4d88-81d0-dc1a78ccb326" providerId="ADAL" clId="{180F5F75-A101-4134-9315-E8E9101F6FDF}" dt="2021-02-08T15:50:56.439" v="6477" actId="478"/>
+          <ac:spMkLst>
+            <pc:docMk/>
+            <pc:sldMk cId="1579232271" sldId="293"/>
+            <ac:spMk id="26" creationId="{3F830FE6-8149-480B-8F10-47FE36FDE941}"/>
+          </ac:spMkLst>
+        </pc:spChg>
+        <pc:spChg chg="add del mod">
+          <ac:chgData name="Geoff Butcher" userId="1cb31d20-838c-4d88-81d0-dc1a78ccb326" providerId="ADAL" clId="{180F5F75-A101-4134-9315-E8E9101F6FDF}" dt="2021-02-08T15:50:57.053" v="6478" actId="478"/>
+          <ac:spMkLst>
+            <pc:docMk/>
+            <pc:sldMk cId="1579232271" sldId="293"/>
+            <ac:spMk id="27" creationId="{BD8EF5B2-CE2D-423F-8AF3-7FF7C8F17128}"/>
+          </ac:spMkLst>
+        </pc:spChg>
+        <pc:spChg chg="add del mod">
+          <ac:chgData name="Geoff Butcher" userId="1cb31d20-838c-4d88-81d0-dc1a78ccb326" providerId="ADAL" clId="{180F5F75-A101-4134-9315-E8E9101F6FDF}" dt="2021-02-08T15:50:55.195" v="6475" actId="478"/>
+          <ac:spMkLst>
+            <pc:docMk/>
+            <pc:sldMk cId="1579232271" sldId="293"/>
+            <ac:spMk id="28" creationId="{6A3D6D0A-C35A-494C-8178-410B9AF72C83}"/>
+          </ac:spMkLst>
+        </pc:spChg>
+        <pc:spChg chg="add mod">
+          <ac:chgData name="Geoff Butcher" userId="1cb31d20-838c-4d88-81d0-dc1a78ccb326" providerId="ADAL" clId="{180F5F75-A101-4134-9315-E8E9101F6FDF}" dt="2021-02-08T15:51:57.941" v="6501" actId="207"/>
+          <ac:spMkLst>
+            <pc:docMk/>
+            <pc:sldMk cId="1579232271" sldId="293"/>
+            <ac:spMk id="29" creationId="{A1E9F85A-8215-4412-9614-3EA880DF0F27}"/>
+          </ac:spMkLst>
+        </pc:spChg>
+        <pc:spChg chg="add mod">
+          <ac:chgData name="Geoff Butcher" userId="1cb31d20-838c-4d88-81d0-dc1a78ccb326" providerId="ADAL" clId="{180F5F75-A101-4134-9315-E8E9101F6FDF}" dt="2021-02-08T15:51:02.659" v="6480" actId="1076"/>
+          <ac:spMkLst>
+            <pc:docMk/>
+            <pc:sldMk cId="1579232271" sldId="293"/>
+            <ac:spMk id="30" creationId="{A5430FBA-D2A3-4AB9-BE96-4C46C6C6BC24}"/>
+          </ac:spMkLst>
+        </pc:spChg>
+        <pc:spChg chg="add mod">
+          <ac:chgData name="Geoff Butcher" userId="1cb31d20-838c-4d88-81d0-dc1a78ccb326" providerId="ADAL" clId="{180F5F75-A101-4134-9315-E8E9101F6FDF}" dt="2021-02-08T15:51:06.231" v="6481" actId="1076"/>
+          <ac:spMkLst>
+            <pc:docMk/>
+            <pc:sldMk cId="1579232271" sldId="293"/>
+            <ac:spMk id="31" creationId="{9589B272-DCA7-44EC-84D6-419CF254C248}"/>
+          </ac:spMkLst>
+        </pc:spChg>
+        <pc:spChg chg="add mod">
+          <ac:chgData name="Geoff Butcher" userId="1cb31d20-838c-4d88-81d0-dc1a78ccb326" providerId="ADAL" clId="{180F5F75-A101-4134-9315-E8E9101F6FDF}" dt="2021-02-08T15:51:37.991" v="6494" actId="1076"/>
+          <ac:spMkLst>
+            <pc:docMk/>
+            <pc:sldMk cId="1579232271" sldId="293"/>
+            <ac:spMk id="32" creationId="{231FD706-D1F5-4D43-94E0-F21459E7E950}"/>
+          </ac:spMkLst>
+        </pc:spChg>
+        <pc:cxnChg chg="add mod">
+          <ac:chgData name="Geoff Butcher" userId="1cb31d20-838c-4d88-81d0-dc1a78ccb326" providerId="ADAL" clId="{180F5F75-A101-4134-9315-E8E9101F6FDF}" dt="2021-02-08T15:48:54.335" v="6384" actId="1076"/>
+          <ac:cxnSpMkLst>
+            <pc:docMk/>
+            <pc:sldMk cId="1579232271" sldId="293"/>
+            <ac:cxnSpMk id="20" creationId="{A67D1E82-4D52-414C-8C11-81557F1C7057}"/>
+          </ac:cxnSpMkLst>
+        </pc:cxnChg>
+        <pc:cxnChg chg="add del mod">
+          <ac:chgData name="Geoff Butcher" userId="1cb31d20-838c-4d88-81d0-dc1a78ccb326" providerId="ADAL" clId="{180F5F75-A101-4134-9315-E8E9101F6FDF}" dt="2021-02-08T15:51:39.605" v="6499" actId="1076"/>
+          <ac:cxnSpMkLst>
+            <pc:docMk/>
+            <pc:sldMk cId="1579232271" sldId="293"/>
+            <ac:cxnSpMk id="33" creationId="{632BF18A-7DA7-47FA-AC8E-8F2352526A4B}"/>
+          </ac:cxnSpMkLst>
+        </pc:cxnChg>
+      </pc:sldChg>
+      <pc:sldChg chg="del">
+        <pc:chgData name="Geoff Butcher" userId="1cb31d20-838c-4d88-81d0-dc1a78ccb326" providerId="ADAL" clId="{180F5F75-A101-4134-9315-E8E9101F6FDF}" dt="2021-02-08T12:33:33.881" v="642" actId="47"/>
+        <pc:sldMkLst>
+          <pc:docMk/>
+          <pc:sldMk cId="170133376" sldId="294"/>
+        </pc:sldMkLst>
+      </pc:sldChg>
+      <pc:sldChg chg="addSp delSp modSp add mod ord">
+        <pc:chgData name="Geoff Butcher" userId="1cb31d20-838c-4d88-81d0-dc1a78ccb326" providerId="ADAL" clId="{180F5F75-A101-4134-9315-E8E9101F6FDF}" dt="2021-02-08T16:18:07.306" v="8374"/>
+        <pc:sldMkLst>
+          <pc:docMk/>
+          <pc:sldMk cId="515411083" sldId="294"/>
+        </pc:sldMkLst>
+        <pc:spChg chg="mod">
+          <ac:chgData name="Geoff Butcher" userId="1cb31d20-838c-4d88-81d0-dc1a78ccb326" providerId="ADAL" clId="{180F5F75-A101-4134-9315-E8E9101F6FDF}" dt="2021-02-08T15:54:24.920" v="6722" actId="20577"/>
+          <ac:spMkLst>
+            <pc:docMk/>
+            <pc:sldMk cId="515411083" sldId="294"/>
+            <ac:spMk id="3" creationId="{40F31F8A-1C16-4F66-85C6-93895DD6CC07}"/>
+          </ac:spMkLst>
+        </pc:spChg>
+        <pc:spChg chg="del">
+          <ac:chgData name="Geoff Butcher" userId="1cb31d20-838c-4d88-81d0-dc1a78ccb326" providerId="ADAL" clId="{180F5F75-A101-4134-9315-E8E9101F6FDF}" dt="2021-02-08T15:52:14.521" v="6504" actId="478"/>
+          <ac:spMkLst>
+            <pc:docMk/>
+            <pc:sldMk cId="515411083" sldId="294"/>
+            <ac:spMk id="11" creationId="{ADC96833-EEA7-4ECD-865F-B2579F131CBA}"/>
+          </ac:spMkLst>
+        </pc:spChg>
+        <pc:spChg chg="del">
+          <ac:chgData name="Geoff Butcher" userId="1cb31d20-838c-4d88-81d0-dc1a78ccb326" providerId="ADAL" clId="{180F5F75-A101-4134-9315-E8E9101F6FDF}" dt="2021-02-08T15:52:14.521" v="6504" actId="478"/>
+          <ac:spMkLst>
+            <pc:docMk/>
+            <pc:sldMk cId="515411083" sldId="294"/>
+            <ac:spMk id="12" creationId="{95930B5C-9BDA-4093-A9BE-B6D17467D2A1}"/>
+          </ac:spMkLst>
+        </pc:spChg>
+        <pc:spChg chg="del">
+          <ac:chgData name="Geoff Butcher" userId="1cb31d20-838c-4d88-81d0-dc1a78ccb326" providerId="ADAL" clId="{180F5F75-A101-4134-9315-E8E9101F6FDF}" dt="2021-02-08T15:52:14.521" v="6504" actId="478"/>
+          <ac:spMkLst>
+            <pc:docMk/>
+            <pc:sldMk cId="515411083" sldId="294"/>
+            <ac:spMk id="13" creationId="{F91156C7-2E30-4C0C-8942-A79B437E5D46}"/>
+          </ac:spMkLst>
+        </pc:spChg>
+        <pc:spChg chg="del">
+          <ac:chgData name="Geoff Butcher" userId="1cb31d20-838c-4d88-81d0-dc1a78ccb326" providerId="ADAL" clId="{180F5F75-A101-4134-9315-E8E9101F6FDF}" dt="2021-02-08T15:52:14.521" v="6504" actId="478"/>
+          <ac:spMkLst>
+            <pc:docMk/>
+            <pc:sldMk cId="515411083" sldId="294"/>
+            <ac:spMk id="14" creationId="{E996F42D-5270-4A63-A09A-275CA9659C3F}"/>
+          </ac:spMkLst>
+        </pc:spChg>
+        <pc:spChg chg="del">
+          <ac:chgData name="Geoff Butcher" userId="1cb31d20-838c-4d88-81d0-dc1a78ccb326" providerId="ADAL" clId="{180F5F75-A101-4134-9315-E8E9101F6FDF}" dt="2021-02-08T15:52:14.521" v="6504" actId="478"/>
+          <ac:spMkLst>
+            <pc:docMk/>
+            <pc:sldMk cId="515411083" sldId="294"/>
+            <ac:spMk id="15" creationId="{1A6105CA-E6AC-4B15-86E3-332F922DB19B}"/>
+          </ac:spMkLst>
+        </pc:spChg>
+        <pc:spChg chg="del">
+          <ac:chgData name="Geoff Butcher" userId="1cb31d20-838c-4d88-81d0-dc1a78ccb326" providerId="ADAL" clId="{180F5F75-A101-4134-9315-E8E9101F6FDF}" dt="2021-02-08T15:52:14.521" v="6504" actId="478"/>
+          <ac:spMkLst>
+            <pc:docMk/>
+            <pc:sldMk cId="515411083" sldId="294"/>
+            <ac:spMk id="16" creationId="{C80B836D-102B-4907-A350-99A77CB80DBE}"/>
+          </ac:spMkLst>
+        </pc:spChg>
+        <pc:spChg chg="del">
+          <ac:chgData name="Geoff Butcher" userId="1cb31d20-838c-4d88-81d0-dc1a78ccb326" providerId="ADAL" clId="{180F5F75-A101-4134-9315-E8E9101F6FDF}" dt="2021-02-08T15:52:14.521" v="6504" actId="478"/>
+          <ac:spMkLst>
+            <pc:docMk/>
+            <pc:sldMk cId="515411083" sldId="294"/>
+            <ac:spMk id="17" creationId="{9E6A2575-8F64-42C3-A8CF-97FC148CEC1A}"/>
+          </ac:spMkLst>
+        </pc:spChg>
+        <pc:spChg chg="del">
+          <ac:chgData name="Geoff Butcher" userId="1cb31d20-838c-4d88-81d0-dc1a78ccb326" providerId="ADAL" clId="{180F5F75-A101-4134-9315-E8E9101F6FDF}" dt="2021-02-08T15:52:14.521" v="6504" actId="478"/>
+          <ac:spMkLst>
+            <pc:docMk/>
+            <pc:sldMk cId="515411083" sldId="294"/>
+            <ac:spMk id="18" creationId="{BEE33118-DFE2-4FE3-87F0-A6C2D522FBC1}"/>
+          </ac:spMkLst>
+        </pc:spChg>
+        <pc:spChg chg="add del mod">
+          <ac:chgData name="Geoff Butcher" userId="1cb31d20-838c-4d88-81d0-dc1a78ccb326" providerId="ADAL" clId="{180F5F75-A101-4134-9315-E8E9101F6FDF}" dt="2021-02-08T15:52:18.031" v="6506" actId="478"/>
+          <ac:spMkLst>
+            <pc:docMk/>
+            <pc:sldMk cId="515411083" sldId="294"/>
+            <ac:spMk id="19" creationId="{268356DF-DDFE-4EC3-BB29-58E890CC4E23}"/>
+          </ac:spMkLst>
+        </pc:spChg>
+        <pc:spChg chg="add mod">
+          <ac:chgData name="Geoff Butcher" userId="1cb31d20-838c-4d88-81d0-dc1a78ccb326" providerId="ADAL" clId="{180F5F75-A101-4134-9315-E8E9101F6FDF}" dt="2021-02-08T15:52:14.723" v="6505"/>
+          <ac:spMkLst>
+            <pc:docMk/>
+            <pc:sldMk cId="515411083" sldId="294"/>
+            <ac:spMk id="21" creationId="{AD66BB62-2244-48CB-BFB3-2460BD8975EE}"/>
+          </ac:spMkLst>
+        </pc:spChg>
+        <pc:spChg chg="add mod">
+          <ac:chgData name="Geoff Butcher" userId="1cb31d20-838c-4d88-81d0-dc1a78ccb326" providerId="ADAL" clId="{180F5F75-A101-4134-9315-E8E9101F6FDF}" dt="2021-02-08T15:52:14.723" v="6505"/>
+          <ac:spMkLst>
+            <pc:docMk/>
+            <pc:sldMk cId="515411083" sldId="294"/>
+            <ac:spMk id="22" creationId="{EBE880C2-675B-484E-A352-B524258F27D9}"/>
+          </ac:spMkLst>
+        </pc:spChg>
+        <pc:spChg chg="add mod">
+          <ac:chgData name="Geoff Butcher" userId="1cb31d20-838c-4d88-81d0-dc1a78ccb326" providerId="ADAL" clId="{180F5F75-A101-4134-9315-E8E9101F6FDF}" dt="2021-02-08T15:52:42.777" v="6510" actId="1076"/>
+          <ac:spMkLst>
+            <pc:docMk/>
+            <pc:sldMk cId="515411083" sldId="294"/>
+            <ac:spMk id="23" creationId="{9C35DC99-A9C2-4603-B8DA-3FC0999A0607}"/>
+          </ac:spMkLst>
+        </pc:spChg>
+        <pc:spChg chg="add mod">
+          <ac:chgData name="Geoff Butcher" userId="1cb31d20-838c-4d88-81d0-dc1a78ccb326" providerId="ADAL" clId="{180F5F75-A101-4134-9315-E8E9101F6FDF}" dt="2021-02-08T15:52:14.723" v="6505"/>
+          <ac:spMkLst>
+            <pc:docMk/>
+            <pc:sldMk cId="515411083" sldId="294"/>
+            <ac:spMk id="24" creationId="{AE785197-E021-4F0B-96C4-189E657EC808}"/>
+          </ac:spMkLst>
+        </pc:spChg>
+        <pc:spChg chg="add mod">
+          <ac:chgData name="Geoff Butcher" userId="1cb31d20-838c-4d88-81d0-dc1a78ccb326" providerId="ADAL" clId="{180F5F75-A101-4134-9315-E8E9101F6FDF}" dt="2021-02-08T15:52:14.723" v="6505"/>
+          <ac:spMkLst>
+            <pc:docMk/>
+            <pc:sldMk cId="515411083" sldId="294"/>
+            <ac:spMk id="26" creationId="{DD2381E1-C92D-4FAC-841F-45ECD6CEA921}"/>
+          </ac:spMkLst>
+        </pc:spChg>
+        <pc:spChg chg="add mod">
+          <ac:chgData name="Geoff Butcher" userId="1cb31d20-838c-4d88-81d0-dc1a78ccb326" providerId="ADAL" clId="{180F5F75-A101-4134-9315-E8E9101F6FDF}" dt="2021-02-08T15:52:35.604" v="6509" actId="1076"/>
+          <ac:spMkLst>
+            <pc:docMk/>
+            <pc:sldMk cId="515411083" sldId="294"/>
+            <ac:spMk id="27" creationId="{B7A40966-4B38-4D94-B634-7E92D083A6BF}"/>
+          </ac:spMkLst>
+        </pc:spChg>
+        <pc:spChg chg="add mod">
+          <ac:chgData name="Geoff Butcher" userId="1cb31d20-838c-4d88-81d0-dc1a78ccb326" providerId="ADAL" clId="{180F5F75-A101-4134-9315-E8E9101F6FDF}" dt="2021-02-08T15:52:33.286" v="6508" actId="1076"/>
+          <ac:spMkLst>
+            <pc:docMk/>
+            <pc:sldMk cId="515411083" sldId="294"/>
+            <ac:spMk id="28" creationId="{D2EB7339-B6A7-4D63-8383-21F25A23F998}"/>
+          </ac:spMkLst>
+        </pc:spChg>
+        <pc:spChg chg="add mod">
+          <ac:chgData name="Geoff Butcher" userId="1cb31d20-838c-4d88-81d0-dc1a78ccb326" providerId="ADAL" clId="{180F5F75-A101-4134-9315-E8E9101F6FDF}" dt="2021-02-08T15:52:14.723" v="6505"/>
+          <ac:spMkLst>
+            <pc:docMk/>
+            <pc:sldMk cId="515411083" sldId="294"/>
+            <ac:spMk id="29" creationId="{6FEC7BD0-F755-4F88-9E09-85E5A7D5519C}"/>
+          </ac:spMkLst>
+        </pc:spChg>
+        <pc:cxnChg chg="del">
+          <ac:chgData name="Geoff Butcher" userId="1cb31d20-838c-4d88-81d0-dc1a78ccb326" providerId="ADAL" clId="{180F5F75-A101-4134-9315-E8E9101F6FDF}" dt="2021-02-08T15:52:14.521" v="6504" actId="478"/>
+          <ac:cxnSpMkLst>
+            <pc:docMk/>
+            <pc:sldMk cId="515411083" sldId="294"/>
+            <ac:cxnSpMk id="20" creationId="{A67D1E82-4D52-414C-8C11-81557F1C7057}"/>
+          </ac:cxnSpMkLst>
+        </pc:cxnChg>
+        <pc:cxnChg chg="add mod">
+          <ac:chgData name="Geoff Butcher" userId="1cb31d20-838c-4d88-81d0-dc1a78ccb326" providerId="ADAL" clId="{180F5F75-A101-4134-9315-E8E9101F6FDF}" dt="2021-02-08T15:52:14.723" v="6505"/>
+          <ac:cxnSpMkLst>
+            <pc:docMk/>
+            <pc:sldMk cId="515411083" sldId="294"/>
+            <ac:cxnSpMk id="25" creationId="{62280512-270D-4ABC-B193-1460D538A301}"/>
+          </ac:cxnSpMkLst>
+        </pc:cxnChg>
+        <pc:cxnChg chg="add mod">
+          <ac:chgData name="Geoff Butcher" userId="1cb31d20-838c-4d88-81d0-dc1a78ccb326" providerId="ADAL" clId="{180F5F75-A101-4134-9315-E8E9101F6FDF}" dt="2021-02-08T15:52:59.067" v="6513" actId="208"/>
+          <ac:cxnSpMkLst>
+            <pc:docMk/>
+            <pc:sldMk cId="515411083" sldId="294"/>
+            <ac:cxnSpMk id="30" creationId="{B6FE9EE6-68FE-4145-9462-B7749D5CEFAB}"/>
+          </ac:cxnSpMkLst>
+        </pc:cxnChg>
+      </pc:sldChg>
+      <pc:sldChg chg="del">
+        <pc:chgData name="Geoff Butcher" userId="1cb31d20-838c-4d88-81d0-dc1a78ccb326" providerId="ADAL" clId="{180F5F75-A101-4134-9315-E8E9101F6FDF}" dt="2021-02-08T12:33:34.050" v="643" actId="47"/>
+        <pc:sldMkLst>
+          <pc:docMk/>
+          <pc:sldMk cId="2162200981" sldId="295"/>
+        </pc:sldMkLst>
+      </pc:sldChg>
+      <pc:sldChg chg="addSp delSp modSp add mod">
+        <pc:chgData name="Geoff Butcher" userId="1cb31d20-838c-4d88-81d0-dc1a78ccb326" providerId="ADAL" clId="{180F5F75-A101-4134-9315-E8E9101F6FDF}" dt="2021-02-08T15:57:58.407" v="7150" actId="20577"/>
+        <pc:sldMkLst>
+          <pc:docMk/>
+          <pc:sldMk cId="3215462902" sldId="295"/>
+        </pc:sldMkLst>
+        <pc:spChg chg="mod">
+          <ac:chgData name="Geoff Butcher" userId="1cb31d20-838c-4d88-81d0-dc1a78ccb326" providerId="ADAL" clId="{180F5F75-A101-4134-9315-E8E9101F6FDF}" dt="2021-02-08T15:57:58.407" v="7150" actId="20577"/>
+          <ac:spMkLst>
+            <pc:docMk/>
+            <pc:sldMk cId="3215462902" sldId="295"/>
+            <ac:spMk id="3" creationId="{40F31F8A-1C16-4F66-85C6-93895DD6CC07}"/>
+          </ac:spMkLst>
+        </pc:spChg>
+        <pc:spChg chg="add mod">
+          <ac:chgData name="Geoff Butcher" userId="1cb31d20-838c-4d88-81d0-dc1a78ccb326" providerId="ADAL" clId="{180F5F75-A101-4134-9315-E8E9101F6FDF}" dt="2021-02-08T15:56:52.179" v="6963" actId="1076"/>
+          <ac:spMkLst>
+            <pc:docMk/>
+            <pc:sldMk cId="3215462902" sldId="295"/>
+            <ac:spMk id="14" creationId="{166A7F62-20C3-487A-A7F6-3D4BE88027A5}"/>
+          </ac:spMkLst>
+        </pc:spChg>
+        <pc:spChg chg="add mod">
+          <ac:chgData name="Geoff Butcher" userId="1cb31d20-838c-4d88-81d0-dc1a78ccb326" providerId="ADAL" clId="{180F5F75-A101-4134-9315-E8E9101F6FDF}" dt="2021-02-08T15:56:52.179" v="6963" actId="1076"/>
+          <ac:spMkLst>
+            <pc:docMk/>
+            <pc:sldMk cId="3215462902" sldId="295"/>
+            <ac:spMk id="15" creationId="{FD75DBCC-67BD-4373-9AA4-6FB627E7F7B3}"/>
+          </ac:spMkLst>
+        </pc:spChg>
+        <pc:spChg chg="add mod">
+          <ac:chgData name="Geoff Butcher" userId="1cb31d20-838c-4d88-81d0-dc1a78ccb326" providerId="ADAL" clId="{180F5F75-A101-4134-9315-E8E9101F6FDF}" dt="2021-02-08T15:56:52.179" v="6963" actId="1076"/>
+          <ac:spMkLst>
+            <pc:docMk/>
+            <pc:sldMk cId="3215462902" sldId="295"/>
+            <ac:spMk id="16" creationId="{CE778378-399A-4D4B-BD5D-6B419C2A3819}"/>
+          </ac:spMkLst>
+        </pc:spChg>
+        <pc:spChg chg="add mod">
+          <ac:chgData name="Geoff Butcher" userId="1cb31d20-838c-4d88-81d0-dc1a78ccb326" providerId="ADAL" clId="{180F5F75-A101-4134-9315-E8E9101F6FDF}" dt="2021-02-08T15:56:52.179" v="6963" actId="1076"/>
+          <ac:spMkLst>
+            <pc:docMk/>
+            <pc:sldMk cId="3215462902" sldId="295"/>
+            <ac:spMk id="17" creationId="{9447DA72-7258-4F72-8EDF-A85D88758C92}"/>
+          </ac:spMkLst>
+        </pc:spChg>
+        <pc:spChg chg="del mod ord">
+          <ac:chgData name="Geoff Butcher" userId="1cb31d20-838c-4d88-81d0-dc1a78ccb326" providerId="ADAL" clId="{180F5F75-A101-4134-9315-E8E9101F6FDF}" dt="2021-02-08T15:56:44.413" v="6961" actId="478"/>
+          <ac:spMkLst>
+            <pc:docMk/>
+            <pc:sldMk cId="3215462902" sldId="295"/>
+            <ac:spMk id="21" creationId="{AD66BB62-2244-48CB-BFB3-2460BD8975EE}"/>
+          </ac:spMkLst>
+        </pc:spChg>
+        <pc:spChg chg="del mod ord">
+          <ac:chgData name="Geoff Butcher" userId="1cb31d20-838c-4d88-81d0-dc1a78ccb326" providerId="ADAL" clId="{180F5F75-A101-4134-9315-E8E9101F6FDF}" dt="2021-02-08T15:56:44.413" v="6961" actId="478"/>
+          <ac:spMkLst>
+            <pc:docMk/>
+            <pc:sldMk cId="3215462902" sldId="295"/>
+            <ac:spMk id="22" creationId="{EBE880C2-675B-484E-A352-B524258F27D9}"/>
+          </ac:spMkLst>
+        </pc:spChg>
+        <pc:spChg chg="del mod">
+          <ac:chgData name="Geoff Butcher" userId="1cb31d20-838c-4d88-81d0-dc1a78ccb326" providerId="ADAL" clId="{180F5F75-A101-4134-9315-E8E9101F6FDF}" dt="2021-02-08T15:56:44.413" v="6961" actId="478"/>
+          <ac:spMkLst>
+            <pc:docMk/>
+            <pc:sldMk cId="3215462902" sldId="295"/>
+            <ac:spMk id="23" creationId="{9C35DC99-A9C2-4603-B8DA-3FC0999A0607}"/>
+          </ac:spMkLst>
+        </pc:spChg>
+        <pc:spChg chg="del mod">
+          <ac:chgData name="Geoff Butcher" userId="1cb31d20-838c-4d88-81d0-dc1a78ccb326" providerId="ADAL" clId="{180F5F75-A101-4134-9315-E8E9101F6FDF}" dt="2021-02-08T15:56:44.413" v="6961" actId="478"/>
+          <ac:spMkLst>
+            <pc:docMk/>
+            <pc:sldMk cId="3215462902" sldId="295"/>
+            <ac:spMk id="24" creationId="{AE785197-E021-4F0B-96C4-189E657EC808}"/>
+          </ac:spMkLst>
+        </pc:spChg>
+        <pc:spChg chg="mod ord">
+          <ac:chgData name="Geoff Butcher" userId="1cb31d20-838c-4d88-81d0-dc1a78ccb326" providerId="ADAL" clId="{180F5F75-A101-4134-9315-E8E9101F6FDF}" dt="2021-02-08T15:57:04.843" v="6966" actId="166"/>
+          <ac:spMkLst>
+            <pc:docMk/>
+            <pc:sldMk cId="3215462902" sldId="295"/>
+            <ac:spMk id="26" creationId="{DD2381E1-C92D-4FAC-841F-45ECD6CEA921}"/>
+          </ac:spMkLst>
+        </pc:spChg>
+        <pc:cxnChg chg="add del mod">
+          <ac:chgData name="Geoff Butcher" userId="1cb31d20-838c-4d88-81d0-dc1a78ccb326" providerId="ADAL" clId="{180F5F75-A101-4134-9315-E8E9101F6FDF}" dt="2021-02-08T15:56:54.899" v="6964" actId="478"/>
+          <ac:cxnSpMkLst>
+            <pc:docMk/>
+            <pc:sldMk cId="3215462902" sldId="295"/>
+            <ac:cxnSpMk id="18" creationId="{3F54F4AB-35B8-4A6C-AA72-BBCB023B9F46}"/>
+          </ac:cxnSpMkLst>
+        </pc:cxnChg>
+        <pc:cxnChg chg="mod">
+          <ac:chgData name="Geoff Butcher" userId="1cb31d20-838c-4d88-81d0-dc1a78ccb326" providerId="ADAL" clId="{180F5F75-A101-4134-9315-E8E9101F6FDF}" dt="2021-02-08T15:57:14.892" v="6968" actId="208"/>
+          <ac:cxnSpMkLst>
+            <pc:docMk/>
+            <pc:sldMk cId="3215462902" sldId="295"/>
+            <ac:cxnSpMk id="30" creationId="{B6FE9EE6-68FE-4145-9462-B7749D5CEFAB}"/>
+          </ac:cxnSpMkLst>
+        </pc:cxnChg>
+      </pc:sldChg>
+      <pc:sldChg chg="addSp delSp modSp add mod ord">
+        <pc:chgData name="Geoff Butcher" userId="1cb31d20-838c-4d88-81d0-dc1a78ccb326" providerId="ADAL" clId="{180F5F75-A101-4134-9315-E8E9101F6FDF}" dt="2021-02-08T16:07:53.531" v="7652" actId="20578"/>
+        <pc:sldMkLst>
+          <pc:docMk/>
+          <pc:sldMk cId="1682279406" sldId="296"/>
+        </pc:sldMkLst>
+        <pc:spChg chg="mod">
+          <ac:chgData name="Geoff Butcher" userId="1cb31d20-838c-4d88-81d0-dc1a78ccb326" providerId="ADAL" clId="{180F5F75-A101-4134-9315-E8E9101F6FDF}" dt="2021-02-08T16:01:50.397" v="7320" actId="20577"/>
+          <ac:spMkLst>
+            <pc:docMk/>
+            <pc:sldMk cId="1682279406" sldId="296"/>
+            <ac:spMk id="3" creationId="{40F31F8A-1C16-4F66-85C6-93895DD6CC07}"/>
+          </ac:spMkLst>
+        </pc:spChg>
+        <pc:spChg chg="add mod">
+          <ac:chgData name="Geoff Butcher" userId="1cb31d20-838c-4d88-81d0-dc1a78ccb326" providerId="ADAL" clId="{180F5F75-A101-4134-9315-E8E9101F6FDF}" dt="2021-02-08T16:03:38.181" v="7365" actId="1582"/>
+          <ac:spMkLst>
+            <pc:docMk/>
+            <pc:sldMk cId="1682279406" sldId="296"/>
+            <ac:spMk id="8" creationId="{EDE31EF7-6DA9-4B1B-A1AF-2078B5922EA1}"/>
+          </ac:spMkLst>
+        </pc:spChg>
+        <pc:spChg chg="del">
+          <ac:chgData name="Geoff Butcher" userId="1cb31d20-838c-4d88-81d0-dc1a78ccb326" providerId="ADAL" clId="{180F5F75-A101-4134-9315-E8E9101F6FDF}" dt="2021-02-08T15:58:15.329" v="7156" actId="478"/>
+          <ac:spMkLst>
+            <pc:docMk/>
+            <pc:sldMk cId="1682279406" sldId="296"/>
+            <ac:spMk id="14" creationId="{166A7F62-20C3-487A-A7F6-3D4BE88027A5}"/>
+          </ac:spMkLst>
+        </pc:spChg>
+        <pc:spChg chg="del">
+          <ac:chgData name="Geoff Butcher" userId="1cb31d20-838c-4d88-81d0-dc1a78ccb326" providerId="ADAL" clId="{180F5F75-A101-4134-9315-E8E9101F6FDF}" dt="2021-02-08T15:58:14.176" v="7155" actId="478"/>
+          <ac:spMkLst>
+            <pc:docMk/>
+            <pc:sldMk cId="1682279406" sldId="296"/>
+            <ac:spMk id="15" creationId="{FD75DBCC-67BD-4373-9AA4-6FB627E7F7B3}"/>
+          </ac:spMkLst>
+        </pc:spChg>
+        <pc:spChg chg="del">
+          <ac:chgData name="Geoff Butcher" userId="1cb31d20-838c-4d88-81d0-dc1a78ccb326" providerId="ADAL" clId="{180F5F75-A101-4134-9315-E8E9101F6FDF}" dt="2021-02-08T15:58:12.515" v="7154" actId="478"/>
+          <ac:spMkLst>
+            <pc:docMk/>
+            <pc:sldMk cId="1682279406" sldId="296"/>
+            <ac:spMk id="16" creationId="{CE778378-399A-4D4B-BD5D-6B419C2A3819}"/>
+          </ac:spMkLst>
+        </pc:spChg>
+        <pc:spChg chg="del">
+          <ac:chgData name="Geoff Butcher" userId="1cb31d20-838c-4d88-81d0-dc1a78ccb326" providerId="ADAL" clId="{180F5F75-A101-4134-9315-E8E9101F6FDF}" dt="2021-02-08T15:58:16.203" v="7157" actId="478"/>
+          <ac:spMkLst>
+            <pc:docMk/>
+            <pc:sldMk cId="1682279406" sldId="296"/>
+            <ac:spMk id="17" creationId="{9447DA72-7258-4F72-8EDF-A85D88758C92}"/>
+          </ac:spMkLst>
+        </pc:spChg>
+        <pc:spChg chg="add mod">
+          <ac:chgData name="Geoff Butcher" userId="1cb31d20-838c-4d88-81d0-dc1a78ccb326" providerId="ADAL" clId="{180F5F75-A101-4134-9315-E8E9101F6FDF}" dt="2021-02-08T16:02:33.365" v="7343" actId="20577"/>
+          <ac:spMkLst>
+            <pc:docMk/>
+            <pc:sldMk cId="1682279406" sldId="296"/>
+            <ac:spMk id="18" creationId="{08E8D0B5-2F55-4056-8FDF-344975295225}"/>
+          </ac:spMkLst>
+        </pc:spChg>
+        <pc:spChg chg="add mod">
+          <ac:chgData name="Geoff Butcher" userId="1cb31d20-838c-4d88-81d0-dc1a78ccb326" providerId="ADAL" clId="{180F5F75-A101-4134-9315-E8E9101F6FDF}" dt="2021-02-08T16:02:29.414" v="7334" actId="20577"/>
+          <ac:spMkLst>
+            <pc:docMk/>
+            <pc:sldMk cId="1682279406" sldId="296"/>
+            <ac:spMk id="19" creationId="{1FB17A90-1FC0-40BB-86E3-A03CAFFF5AE5}"/>
+          </ac:spMkLst>
+        </pc:spChg>
+        <pc:spChg chg="add mod">
+          <ac:chgData name="Geoff Butcher" userId="1cb31d20-838c-4d88-81d0-dc1a78ccb326" providerId="ADAL" clId="{180F5F75-A101-4134-9315-E8E9101F6FDF}" dt="2021-02-08T16:02:04.899" v="7322" actId="1076"/>
+          <ac:spMkLst>
+            <pc:docMk/>
+            <pc:sldMk cId="1682279406" sldId="296"/>
+            <ac:spMk id="20" creationId="{22B1DD72-6325-43DB-9B0B-2D202A906F6D}"/>
+          </ac:spMkLst>
+        </pc:spChg>
+        <pc:spChg chg="add mod">
+          <ac:chgData name="Geoff Butcher" userId="1cb31d20-838c-4d88-81d0-dc1a78ccb326" providerId="ADAL" clId="{180F5F75-A101-4134-9315-E8E9101F6FDF}" dt="2021-02-08T16:03:04.792" v="7360" actId="404"/>
+          <ac:spMkLst>
+            <pc:docMk/>
+            <pc:sldMk cId="1682279406" sldId="296"/>
+            <ac:spMk id="21" creationId="{1CF4766C-BF4E-484E-9C98-35E39CDD627B}"/>
+          </ac:spMkLst>
+        </pc:spChg>
+        <pc:spChg chg="del">
+          <ac:chgData name="Geoff Butcher" userId="1cb31d20-838c-4d88-81d0-dc1a78ccb326" providerId="ADAL" clId="{180F5F75-A101-4134-9315-E8E9101F6FDF}" dt="2021-02-08T15:58:17.472" v="7159" actId="478"/>
+          <ac:spMkLst>
+            <pc:docMk/>
+            <pc:sldMk cId="1682279406" sldId="296"/>
+            <ac:spMk id="26" creationId="{DD2381E1-C92D-4FAC-841F-45ECD6CEA921}"/>
+          </ac:spMkLst>
+        </pc:spChg>
+        <pc:spChg chg="del">
+          <ac:chgData name="Geoff Butcher" userId="1cb31d20-838c-4d88-81d0-dc1a78ccb326" providerId="ADAL" clId="{180F5F75-A101-4134-9315-E8E9101F6FDF}" dt="2021-02-08T15:58:18.622" v="7161" actId="478"/>
+          <ac:spMkLst>
+            <pc:docMk/>
+            <pc:sldMk cId="1682279406" sldId="296"/>
+            <ac:spMk id="27" creationId="{B7A40966-4B38-4D94-B634-7E92D083A6BF}"/>
+          </ac:spMkLst>
+        </pc:spChg>
+        <pc:spChg chg="del mod">
+          <ac:chgData name="Geoff Butcher" userId="1cb31d20-838c-4d88-81d0-dc1a78ccb326" providerId="ADAL" clId="{180F5F75-A101-4134-9315-E8E9101F6FDF}" dt="2021-02-08T15:58:19.989" v="7163" actId="478"/>
+          <ac:spMkLst>
+            <pc:docMk/>
+            <pc:sldMk cId="1682279406" sldId="296"/>
+            <ac:spMk id="28" creationId="{D2EB7339-B6A7-4D63-8383-21F25A23F998}"/>
+          </ac:spMkLst>
+        </pc:spChg>
+        <pc:spChg chg="del">
+          <ac:chgData name="Geoff Butcher" userId="1cb31d20-838c-4d88-81d0-dc1a78ccb326" providerId="ADAL" clId="{180F5F75-A101-4134-9315-E8E9101F6FDF}" dt="2021-02-08T15:58:18.038" v="7160" actId="478"/>
+          <ac:spMkLst>
+            <pc:docMk/>
+            <pc:sldMk cId="1682279406" sldId="296"/>
+            <ac:spMk id="29" creationId="{6FEC7BD0-F755-4F88-9E09-85E5A7D5519C}"/>
+          </ac:spMkLst>
+        </pc:spChg>
+        <pc:picChg chg="add del mod">
+          <ac:chgData name="Geoff Butcher" userId="1cb31d20-838c-4d88-81d0-dc1a78ccb326" providerId="ADAL" clId="{180F5F75-A101-4134-9315-E8E9101F6FDF}" dt="2021-02-08T16:00:45.764" v="7166" actId="478"/>
+          <ac:picMkLst>
+            <pc:docMk/>
+            <pc:sldMk cId="1682279406" sldId="296"/>
+            <ac:picMk id="5" creationId="{183318C6-6537-4919-A2E6-67BBC493B7A5}"/>
+          </ac:picMkLst>
+        </pc:picChg>
+        <pc:picChg chg="add mod">
+          <ac:chgData name="Geoff Butcher" userId="1cb31d20-838c-4d88-81d0-dc1a78ccb326" providerId="ADAL" clId="{180F5F75-A101-4134-9315-E8E9101F6FDF}" dt="2021-02-08T16:01:05.895" v="7172" actId="1076"/>
+          <ac:picMkLst>
+            <pc:docMk/>
+            <pc:sldMk cId="1682279406" sldId="296"/>
+            <ac:picMk id="7" creationId="{D64FA2BD-05F2-4247-831F-4E80A9B0202C}"/>
+          </ac:picMkLst>
+        </pc:picChg>
+        <pc:cxnChg chg="del">
+          <ac:chgData name="Geoff Butcher" userId="1cb31d20-838c-4d88-81d0-dc1a78ccb326" providerId="ADAL" clId="{180F5F75-A101-4134-9315-E8E9101F6FDF}" dt="2021-02-08T15:58:16.979" v="7158" actId="478"/>
+          <ac:cxnSpMkLst>
+            <pc:docMk/>
+            <pc:sldMk cId="1682279406" sldId="296"/>
+            <ac:cxnSpMk id="25" creationId="{62280512-270D-4ABC-B193-1460D538A301}"/>
+          </ac:cxnSpMkLst>
+        </pc:cxnChg>
+        <pc:cxnChg chg="del">
+          <ac:chgData name="Geoff Butcher" userId="1cb31d20-838c-4d88-81d0-dc1a78ccb326" providerId="ADAL" clId="{180F5F75-A101-4134-9315-E8E9101F6FDF}" dt="2021-02-08T15:58:21.039" v="7164" actId="478"/>
+          <ac:cxnSpMkLst>
+            <pc:docMk/>
+            <pc:sldMk cId="1682279406" sldId="296"/>
+            <ac:cxnSpMk id="30" creationId="{B6FE9EE6-68FE-4145-9462-B7749D5CEFAB}"/>
+          </ac:cxnSpMkLst>
+        </pc:cxnChg>
+      </pc:sldChg>
+      <pc:sldChg chg="addSp modSp add mod">
+        <pc:chgData name="Geoff Butcher" userId="1cb31d20-838c-4d88-81d0-dc1a78ccb326" providerId="ADAL" clId="{180F5F75-A101-4134-9315-E8E9101F6FDF}" dt="2021-02-08T16:06:01.044" v="7620" actId="208"/>
+        <pc:sldMkLst>
+          <pc:docMk/>
+          <pc:sldMk cId="1301476706" sldId="297"/>
+        </pc:sldMkLst>
+        <pc:spChg chg="mod">
+          <ac:chgData name="Geoff Butcher" userId="1cb31d20-838c-4d88-81d0-dc1a78ccb326" providerId="ADAL" clId="{180F5F75-A101-4134-9315-E8E9101F6FDF}" dt="2021-02-08T16:05:43.832" v="7616" actId="207"/>
+          <ac:spMkLst>
+            <pc:docMk/>
+            <pc:sldMk cId="1301476706" sldId="297"/>
+            <ac:spMk id="3" creationId="{40F31F8A-1C16-4F66-85C6-93895DD6CC07}"/>
+          </ac:spMkLst>
+        </pc:spChg>
+        <pc:spChg chg="mod">
+          <ac:chgData name="Geoff Butcher" userId="1cb31d20-838c-4d88-81d0-dc1a78ccb326" providerId="ADAL" clId="{180F5F75-A101-4134-9315-E8E9101F6FDF}" dt="2021-02-08T16:05:04.067" v="7513" actId="208"/>
+          <ac:spMkLst>
+            <pc:docMk/>
+            <pc:sldMk cId="1301476706" sldId="297"/>
+            <ac:spMk id="8" creationId="{EDE31EF7-6DA9-4B1B-A1AF-2078B5922EA1}"/>
+          </ac:spMkLst>
+        </pc:spChg>
+        <pc:spChg chg="add mod">
+          <ac:chgData name="Geoff Butcher" userId="1cb31d20-838c-4d88-81d0-dc1a78ccb326" providerId="ADAL" clId="{180F5F75-A101-4134-9315-E8E9101F6FDF}" dt="2021-02-08T16:06:01.044" v="7620" actId="208"/>
+          <ac:spMkLst>
+            <pc:docMk/>
+            <pc:sldMk cId="1301476706" sldId="297"/>
+            <ac:spMk id="10" creationId="{B3F9999E-DCD2-4828-A5D6-F6ACE8C89DFC}"/>
+          </ac:spMkLst>
+        </pc:spChg>
+        <pc:spChg chg="mod">
+          <ac:chgData name="Geoff Butcher" userId="1cb31d20-838c-4d88-81d0-dc1a78ccb326" providerId="ADAL" clId="{180F5F75-A101-4134-9315-E8E9101F6FDF}" dt="2021-02-08T16:04:29.677" v="7491" actId="6549"/>
+          <ac:spMkLst>
+            <pc:docMk/>
+            <pc:sldMk cId="1301476706" sldId="297"/>
+            <ac:spMk id="18" creationId="{08E8D0B5-2F55-4056-8FDF-344975295225}"/>
+          </ac:spMkLst>
+        </pc:spChg>
+        <pc:spChg chg="mod">
+          <ac:chgData name="Geoff Butcher" userId="1cb31d20-838c-4d88-81d0-dc1a78ccb326" providerId="ADAL" clId="{180F5F75-A101-4134-9315-E8E9101F6FDF}" dt="2021-02-08T16:04:31.226" v="7492" actId="6549"/>
+          <ac:spMkLst>
+            <pc:docMk/>
+            <pc:sldMk cId="1301476706" sldId="297"/>
+            <ac:spMk id="19" creationId="{1FB17A90-1FC0-40BB-86E3-A03CAFFF5AE5}"/>
+          </ac:spMkLst>
+        </pc:spChg>
+        <pc:spChg chg="mod">
+          <ac:chgData name="Geoff Butcher" userId="1cb31d20-838c-4d88-81d0-dc1a78ccb326" providerId="ADAL" clId="{180F5F75-A101-4134-9315-E8E9101F6FDF}" dt="2021-02-08T16:04:41.170" v="7511" actId="20577"/>
+          <ac:spMkLst>
+            <pc:docMk/>
+            <pc:sldMk cId="1301476706" sldId="297"/>
+            <ac:spMk id="21" creationId="{1CF4766C-BF4E-484E-9C98-35E39CDD627B}"/>
+          </ac:spMkLst>
+        </pc:spChg>
+      </pc:sldChg>
+      <pc:sldChg chg="addSp modSp new mod">
+        <pc:chgData name="Geoff Butcher" userId="1cb31d20-838c-4d88-81d0-dc1a78ccb326" providerId="ADAL" clId="{180F5F75-A101-4134-9315-E8E9101F6FDF}" dt="2021-02-08T16:15:50.947" v="8191" actId="1076"/>
+        <pc:sldMkLst>
+          <pc:docMk/>
+          <pc:sldMk cId="551453504" sldId="298"/>
+        </pc:sldMkLst>
+        <pc:spChg chg="mod">
+          <ac:chgData name="Geoff Butcher" userId="1cb31d20-838c-4d88-81d0-dc1a78ccb326" providerId="ADAL" clId="{180F5F75-A101-4134-9315-E8E9101F6FDF}" dt="2021-02-08T16:06:37.513" v="7644" actId="20577"/>
+          <ac:spMkLst>
+            <pc:docMk/>
+            <pc:sldMk cId="551453504" sldId="298"/>
+            <ac:spMk id="2" creationId="{F48387BE-12D3-4EA2-AA71-68874529E4FE}"/>
+          </ac:spMkLst>
+        </pc:spChg>
+        <pc:spChg chg="mod">
+          <ac:chgData name="Geoff Butcher" userId="1cb31d20-838c-4d88-81d0-dc1a78ccb326" providerId="ADAL" clId="{180F5F75-A101-4134-9315-E8E9101F6FDF}" dt="2021-02-08T16:15:15.607" v="8183" actId="27636"/>
+          <ac:spMkLst>
+            <pc:docMk/>
+            <pc:sldMk cId="551453504" sldId="298"/>
+            <ac:spMk id="3" creationId="{7CC93ECE-4755-49C2-8CA8-76952140AEE2}"/>
+          </ac:spMkLst>
+        </pc:spChg>
+        <pc:picChg chg="add mod">
+          <ac:chgData name="Geoff Butcher" userId="1cb31d20-838c-4d88-81d0-dc1a78ccb326" providerId="ADAL" clId="{180F5F75-A101-4134-9315-E8E9101F6FDF}" dt="2021-02-08T16:15:50.947" v="8191" actId="1076"/>
+          <ac:picMkLst>
+            <pc:docMk/>
+            <pc:sldMk cId="551453504" sldId="298"/>
+            <ac:picMk id="5" creationId="{41FABA87-A5DF-4A6D-BB96-8A900F90F193}"/>
+          </ac:picMkLst>
+        </pc:picChg>
+        <pc:picChg chg="add mod">
+          <ac:chgData name="Geoff Butcher" userId="1cb31d20-838c-4d88-81d0-dc1a78ccb326" providerId="ADAL" clId="{180F5F75-A101-4134-9315-E8E9101F6FDF}" dt="2021-02-08T16:15:49.942" v="8190" actId="962"/>
+          <ac:picMkLst>
+            <pc:docMk/>
+            <pc:sldMk cId="551453504" sldId="298"/>
+            <ac:picMk id="6" creationId="{936CD4E0-B310-4906-9F71-A118CC76EED2}"/>
+          </ac:picMkLst>
+        </pc:picChg>
+      </pc:sldChg>
+      <pc:sldChg chg="addSp modSp new mod">
+        <pc:chgData name="Geoff Butcher" userId="1cb31d20-838c-4d88-81d0-dc1a78ccb326" providerId="ADAL" clId="{180F5F75-A101-4134-9315-E8E9101F6FDF}" dt="2021-02-08T16:17:44.518" v="8372" actId="14100"/>
+        <pc:sldMkLst>
+          <pc:docMk/>
+          <pc:sldMk cId="999579115" sldId="299"/>
+        </pc:sldMkLst>
+        <pc:spChg chg="mod">
+          <ac:chgData name="Geoff Butcher" userId="1cb31d20-838c-4d88-81d0-dc1a78ccb326" providerId="ADAL" clId="{180F5F75-A101-4134-9315-E8E9101F6FDF}" dt="2021-02-08T16:15:58.544" v="8208" actId="20577"/>
+          <ac:spMkLst>
+            <pc:docMk/>
+            <pc:sldMk cId="999579115" sldId="299"/>
+            <ac:spMk id="2" creationId="{9B5D55C6-BCF9-40A2-9DB6-BE2F7AFC0B4B}"/>
+          </ac:spMkLst>
+        </pc:spChg>
+        <pc:spChg chg="mod">
+          <ac:chgData name="Geoff Butcher" userId="1cb31d20-838c-4d88-81d0-dc1a78ccb326" providerId="ADAL" clId="{180F5F75-A101-4134-9315-E8E9101F6FDF}" dt="2021-02-08T16:17:05.271" v="8358" actId="20577"/>
+          <ac:spMkLst>
+            <pc:docMk/>
+            <pc:sldMk cId="999579115" sldId="299"/>
+            <ac:spMk id="3" creationId="{6FE410B8-B73C-4E0F-A55A-FD7DC32A4DD0}"/>
+          </ac:spMkLst>
+        </pc:spChg>
+        <pc:spChg chg="add mod">
+          <ac:chgData name="Geoff Butcher" userId="1cb31d20-838c-4d88-81d0-dc1a78ccb326" providerId="ADAL" clId="{180F5F75-A101-4134-9315-E8E9101F6FDF}" dt="2021-02-08T16:17:44.518" v="8372" actId="14100"/>
+          <ac:spMkLst>
+            <pc:docMk/>
+            <pc:sldMk cId="999579115" sldId="299"/>
+            <ac:spMk id="6" creationId="{BE591958-4FB4-4BEA-BA81-E9253B1F3DEA}"/>
+          </ac:spMkLst>
+        </pc:spChg>
+        <pc:picChg chg="add mod modCrop">
+          <ac:chgData name="Geoff Butcher" userId="1cb31d20-838c-4d88-81d0-dc1a78ccb326" providerId="ADAL" clId="{180F5F75-A101-4134-9315-E8E9101F6FDF}" dt="2021-02-08T16:17:38.658" v="8369" actId="1076"/>
+          <ac:picMkLst>
+            <pc:docMk/>
+            <pc:sldMk cId="999579115" sldId="299"/>
+            <ac:picMk id="5" creationId="{E8C15A97-C2C2-4FD6-85BF-F5B56468A1F3}"/>
+          </ac:picMkLst>
+        </pc:picChg>
+      </pc:sldChg>
+      <pc:sldChg chg="modSp add mod">
+        <pc:chgData name="Geoff Butcher" userId="1cb31d20-838c-4d88-81d0-dc1a78ccb326" providerId="ADAL" clId="{180F5F75-A101-4134-9315-E8E9101F6FDF}" dt="2021-02-08T16:20:06.305" v="8619" actId="207"/>
+        <pc:sldMkLst>
+          <pc:docMk/>
+          <pc:sldMk cId="2162200981" sldId="300"/>
+        </pc:sldMkLst>
+        <pc:spChg chg="mod">
+          <ac:chgData name="Geoff Butcher" userId="1cb31d20-838c-4d88-81d0-dc1a78ccb326" providerId="ADAL" clId="{180F5F75-A101-4134-9315-E8E9101F6FDF}" dt="2021-02-08T16:20:06.305" v="8619" actId="207"/>
+          <ac:spMkLst>
+            <pc:docMk/>
+            <pc:sldMk cId="2162200981" sldId="300"/>
+            <ac:spMk id="3" creationId="{428BBB71-2B59-49E0-B4AC-4AB134217278}"/>
+          </ac:spMkLst>
+        </pc:spChg>
+      </pc:sldChg>
+    </pc:docChg>
+  </pc:docChgLst>
+  <pc:docChgLst>
     <pc:chgData name="Geoff Butcher" userId="1cb31d20-838c-4d88-81d0-dc1a78ccb326" providerId="ADAL" clId="{F5C94FF2-147A-4188-9F1F-2CB53FD411F4}"/>
     <pc:docChg chg="undo custSel addSld delSld modSld sldOrd">
       <pc:chgData name="Geoff Butcher" userId="1cb31d20-838c-4d88-81d0-dc1a78ccb326" providerId="ADAL" clId="{F5C94FF2-147A-4188-9F1F-2CB53FD411F4}" dt="2021-02-11T16:17:35.528" v="4693" actId="20577"/>
@@ -1636,1567 +3197,6 @@
       </pc:sldMasterChg>
     </pc:docChg>
   </pc:docChgLst>
-  <pc:docChgLst>
-    <pc:chgData name="Geoff Butcher" userId="1cb31d20-838c-4d88-81d0-dc1a78ccb326" providerId="ADAL" clId="{180F5F75-A101-4134-9315-E8E9101F6FDF}"/>
-    <pc:docChg chg="undo redo custSel addSld delSld modSld sldOrd">
-      <pc:chgData name="Geoff Butcher" userId="1cb31d20-838c-4d88-81d0-dc1a78ccb326" providerId="ADAL" clId="{180F5F75-A101-4134-9315-E8E9101F6FDF}" dt="2021-02-08T16:20:06.305" v="8619" actId="207"/>
-      <pc:docMkLst>
-        <pc:docMk/>
-      </pc:docMkLst>
-      <pc:sldChg chg="modSp mod">
-        <pc:chgData name="Geoff Butcher" userId="1cb31d20-838c-4d88-81d0-dc1a78ccb326" providerId="ADAL" clId="{180F5F75-A101-4134-9315-E8E9101F6FDF}" dt="2021-02-08T12:20:32.659" v="67" actId="20577"/>
-        <pc:sldMkLst>
-          <pc:docMk/>
-          <pc:sldMk cId="1623591203" sldId="256"/>
-        </pc:sldMkLst>
-        <pc:spChg chg="mod">
-          <ac:chgData name="Geoff Butcher" userId="1cb31d20-838c-4d88-81d0-dc1a78ccb326" providerId="ADAL" clId="{180F5F75-A101-4134-9315-E8E9101F6FDF}" dt="2021-02-08T12:20:32.659" v="67" actId="20577"/>
-          <ac:spMkLst>
-            <pc:docMk/>
-            <pc:sldMk cId="1623591203" sldId="256"/>
-            <ac:spMk id="3" creationId="{6C3DF028-08B5-467A-BCAB-6E353E480A02}"/>
-          </ac:spMkLst>
-        </pc:spChg>
-      </pc:sldChg>
-      <pc:sldChg chg="del">
-        <pc:chgData name="Geoff Butcher" userId="1cb31d20-838c-4d88-81d0-dc1a78ccb326" providerId="ADAL" clId="{180F5F75-A101-4134-9315-E8E9101F6FDF}" dt="2021-02-08T12:20:55.694" v="68" actId="47"/>
-        <pc:sldMkLst>
-          <pc:docMk/>
-          <pc:sldMk cId="760060510" sldId="277"/>
-        </pc:sldMkLst>
-      </pc:sldChg>
-      <pc:sldChg chg="addSp delSp modSp add del mod">
-        <pc:chgData name="Geoff Butcher" userId="1cb31d20-838c-4d88-81d0-dc1a78ccb326" providerId="ADAL" clId="{180F5F75-A101-4134-9315-E8E9101F6FDF}" dt="2021-02-08T12:23:52.179" v="423" actId="20577"/>
-        <pc:sldMkLst>
-          <pc:docMk/>
-          <pc:sldMk cId="1502008898" sldId="278"/>
-        </pc:sldMkLst>
-        <pc:spChg chg="mod">
-          <ac:chgData name="Geoff Butcher" userId="1cb31d20-838c-4d88-81d0-dc1a78ccb326" providerId="ADAL" clId="{180F5F75-A101-4134-9315-E8E9101F6FDF}" dt="2021-02-08T12:23:52.179" v="423" actId="20577"/>
-          <ac:spMkLst>
-            <pc:docMk/>
-            <pc:sldMk cId="1502008898" sldId="278"/>
-            <ac:spMk id="3" creationId="{C21548A7-856A-423C-B856-D820BC415E43}"/>
-          </ac:spMkLst>
-        </pc:spChg>
-        <pc:spChg chg="mod">
-          <ac:chgData name="Geoff Butcher" userId="1cb31d20-838c-4d88-81d0-dc1a78ccb326" providerId="ADAL" clId="{180F5F75-A101-4134-9315-E8E9101F6FDF}" dt="2021-02-08T12:21:24.196" v="76" actId="14100"/>
-          <ac:spMkLst>
-            <pc:docMk/>
-            <pc:sldMk cId="1502008898" sldId="278"/>
-            <ac:spMk id="6" creationId="{905F5F27-5928-4697-8A64-521401D86C88}"/>
-          </ac:spMkLst>
-        </pc:spChg>
-        <pc:spChg chg="mod">
-          <ac:chgData name="Geoff Butcher" userId="1cb31d20-838c-4d88-81d0-dc1a78ccb326" providerId="ADAL" clId="{180F5F75-A101-4134-9315-E8E9101F6FDF}" dt="2021-02-08T12:21:25.913" v="77" actId="14100"/>
-          <ac:spMkLst>
-            <pc:docMk/>
-            <pc:sldMk cId="1502008898" sldId="278"/>
-            <ac:spMk id="7" creationId="{D7E50970-73DE-49D3-A73D-532500ADEAEC}"/>
-          </ac:spMkLst>
-        </pc:spChg>
-        <pc:spChg chg="add del mod">
-          <ac:chgData name="Geoff Butcher" userId="1cb31d20-838c-4d88-81d0-dc1a78ccb326" providerId="ADAL" clId="{180F5F75-A101-4134-9315-E8E9101F6FDF}" dt="2021-02-08T12:21:29.019" v="79" actId="478"/>
-          <ac:spMkLst>
-            <pc:docMk/>
-            <pc:sldMk cId="1502008898" sldId="278"/>
-            <ac:spMk id="8" creationId="{8F0AE46E-34C2-498B-A2DA-FE65DB39A4FE}"/>
-          </ac:spMkLst>
-        </pc:spChg>
-        <pc:spChg chg="add mod">
-          <ac:chgData name="Geoff Butcher" userId="1cb31d20-838c-4d88-81d0-dc1a78ccb326" providerId="ADAL" clId="{180F5F75-A101-4134-9315-E8E9101F6FDF}" dt="2021-02-08T12:22:36.368" v="112" actId="207"/>
-          <ac:spMkLst>
-            <pc:docMk/>
-            <pc:sldMk cId="1502008898" sldId="278"/>
-            <ac:spMk id="9" creationId="{9F6389ED-C44D-4919-AFA3-BD02A015FFE0}"/>
-          </ac:spMkLst>
-        </pc:spChg>
-      </pc:sldChg>
-      <pc:sldChg chg="del">
-        <pc:chgData name="Geoff Butcher" userId="1cb31d20-838c-4d88-81d0-dc1a78ccb326" providerId="ADAL" clId="{180F5F75-A101-4134-9315-E8E9101F6FDF}" dt="2021-02-08T12:23:58.685" v="424" actId="47"/>
-        <pc:sldMkLst>
-          <pc:docMk/>
-          <pc:sldMk cId="2748250560" sldId="279"/>
-        </pc:sldMkLst>
-      </pc:sldChg>
-      <pc:sldChg chg="addSp delSp modSp add del mod">
-        <pc:chgData name="Geoff Butcher" userId="1cb31d20-838c-4d88-81d0-dc1a78ccb326" providerId="ADAL" clId="{180F5F75-A101-4134-9315-E8E9101F6FDF}" dt="2021-02-08T12:33:35.684" v="645" actId="47"/>
-        <pc:sldMkLst>
-          <pc:docMk/>
-          <pc:sldMk cId="1254132252" sldId="280"/>
-        </pc:sldMkLst>
-        <pc:spChg chg="mod">
-          <ac:chgData name="Geoff Butcher" userId="1cb31d20-838c-4d88-81d0-dc1a78ccb326" providerId="ADAL" clId="{180F5F75-A101-4134-9315-E8E9101F6FDF}" dt="2021-02-08T12:33:20.930" v="628" actId="115"/>
-          <ac:spMkLst>
-            <pc:docMk/>
-            <pc:sldMk cId="1254132252" sldId="280"/>
-            <ac:spMk id="3" creationId="{FA8CECFA-1E6F-4264-A092-BAEA1D19BCFA}"/>
-          </ac:spMkLst>
-        </pc:spChg>
-        <pc:picChg chg="del">
-          <ac:chgData name="Geoff Butcher" userId="1cb31d20-838c-4d88-81d0-dc1a78ccb326" providerId="ADAL" clId="{180F5F75-A101-4134-9315-E8E9101F6FDF}" dt="2021-02-08T12:31:45.982" v="425" actId="478"/>
-          <ac:picMkLst>
-            <pc:docMk/>
-            <pc:sldMk cId="1254132252" sldId="280"/>
-            <ac:picMk id="5" creationId="{6C7FCA2E-8E18-4052-9F9E-737F534F33EA}"/>
-          </ac:picMkLst>
-        </pc:picChg>
-        <pc:picChg chg="add mod">
-          <ac:chgData name="Geoff Butcher" userId="1cb31d20-838c-4d88-81d0-dc1a78ccb326" providerId="ADAL" clId="{180F5F75-A101-4134-9315-E8E9101F6FDF}" dt="2021-02-08T12:32:04.298" v="434" actId="1076"/>
-          <ac:picMkLst>
-            <pc:docMk/>
-            <pc:sldMk cId="1254132252" sldId="280"/>
-            <ac:picMk id="6" creationId="{838C8152-4900-4436-9DFF-D0F0D9B3C4B0}"/>
-          </ac:picMkLst>
-        </pc:picChg>
-      </pc:sldChg>
-      <pc:sldChg chg="del">
-        <pc:chgData name="Geoff Butcher" userId="1cb31d20-838c-4d88-81d0-dc1a78ccb326" providerId="ADAL" clId="{180F5F75-A101-4134-9315-E8E9101F6FDF}" dt="2021-02-08T12:33:31.409" v="630" actId="47"/>
-        <pc:sldMkLst>
-          <pc:docMk/>
-          <pc:sldMk cId="104411360" sldId="281"/>
-        </pc:sldMkLst>
-      </pc:sldChg>
-      <pc:sldChg chg="addSp delSp modSp new mod">
-        <pc:chgData name="Geoff Butcher" userId="1cb31d20-838c-4d88-81d0-dc1a78ccb326" providerId="ADAL" clId="{180F5F75-A101-4134-9315-E8E9101F6FDF}" dt="2021-02-08T12:38:58.801" v="1366" actId="13926"/>
-        <pc:sldMkLst>
-          <pc:docMk/>
-          <pc:sldMk cId="813729174" sldId="281"/>
-        </pc:sldMkLst>
-        <pc:spChg chg="mod">
-          <ac:chgData name="Geoff Butcher" userId="1cb31d20-838c-4d88-81d0-dc1a78ccb326" providerId="ADAL" clId="{180F5F75-A101-4134-9315-E8E9101F6FDF}" dt="2021-02-08T12:38:58.801" v="1366" actId="13926"/>
-          <ac:spMkLst>
-            <pc:docMk/>
-            <pc:sldMk cId="813729174" sldId="281"/>
-            <ac:spMk id="2" creationId="{3CCCD360-6CA5-4C52-A873-54A28E4B56E6}"/>
-          </ac:spMkLst>
-        </pc:spChg>
-        <pc:spChg chg="mod">
-          <ac:chgData name="Geoff Butcher" userId="1cb31d20-838c-4d88-81d0-dc1a78ccb326" providerId="ADAL" clId="{180F5F75-A101-4134-9315-E8E9101F6FDF}" dt="2021-02-08T12:35:53.656" v="1118" actId="27636"/>
-          <ac:spMkLst>
-            <pc:docMk/>
-            <pc:sldMk cId="813729174" sldId="281"/>
-            <ac:spMk id="3" creationId="{1FDB2459-FB66-4502-BF4B-5EA8C55CE09B}"/>
-          </ac:spMkLst>
-        </pc:spChg>
-        <pc:spChg chg="add del mod">
-          <ac:chgData name="Geoff Butcher" userId="1cb31d20-838c-4d88-81d0-dc1a78ccb326" providerId="ADAL" clId="{180F5F75-A101-4134-9315-E8E9101F6FDF}" dt="2021-02-08T12:36:04.714" v="1123" actId="478"/>
-          <ac:spMkLst>
-            <pc:docMk/>
-            <pc:sldMk cId="813729174" sldId="281"/>
-            <ac:spMk id="4" creationId="{3763417A-DF3F-4450-B0E4-472133B974F0}"/>
-          </ac:spMkLst>
-        </pc:spChg>
-        <pc:spChg chg="add mod">
-          <ac:chgData name="Geoff Butcher" userId="1cb31d20-838c-4d88-81d0-dc1a78ccb326" providerId="ADAL" clId="{180F5F75-A101-4134-9315-E8E9101F6FDF}" dt="2021-02-08T12:38:18.802" v="1313" actId="207"/>
-          <ac:spMkLst>
-            <pc:docMk/>
-            <pc:sldMk cId="813729174" sldId="281"/>
-            <ac:spMk id="7" creationId="{16965B21-B4C8-47AE-B239-79DE740BC423}"/>
-          </ac:spMkLst>
-        </pc:spChg>
-        <pc:picChg chg="add mod">
-          <ac:chgData name="Geoff Butcher" userId="1cb31d20-838c-4d88-81d0-dc1a78ccb326" providerId="ADAL" clId="{180F5F75-A101-4134-9315-E8E9101F6FDF}" dt="2021-02-08T12:37:00.149" v="1129" actId="1076"/>
-          <ac:picMkLst>
-            <pc:docMk/>
-            <pc:sldMk cId="813729174" sldId="281"/>
-            <ac:picMk id="6" creationId="{9B2C14CD-B9FB-4537-AA13-E149A5D567CE}"/>
-          </ac:picMkLst>
-        </pc:picChg>
-      </pc:sldChg>
-      <pc:sldChg chg="del">
-        <pc:chgData name="Geoff Butcher" userId="1cb31d20-838c-4d88-81d0-dc1a78ccb326" providerId="ADAL" clId="{180F5F75-A101-4134-9315-E8E9101F6FDF}" dt="2021-02-08T12:33:32.412" v="633" actId="47"/>
-        <pc:sldMkLst>
-          <pc:docMk/>
-          <pc:sldMk cId="26861849" sldId="282"/>
-        </pc:sldMkLst>
-      </pc:sldChg>
-      <pc:sldChg chg="addSp delSp modSp new mod">
-        <pc:chgData name="Geoff Butcher" userId="1cb31d20-838c-4d88-81d0-dc1a78ccb326" providerId="ADAL" clId="{180F5F75-A101-4134-9315-E8E9101F6FDF}" dt="2021-02-08T12:48:51.132" v="1766" actId="207"/>
-        <pc:sldMkLst>
-          <pc:docMk/>
-          <pc:sldMk cId="2015613160" sldId="282"/>
-        </pc:sldMkLst>
-        <pc:spChg chg="mod">
-          <ac:chgData name="Geoff Butcher" userId="1cb31d20-838c-4d88-81d0-dc1a78ccb326" providerId="ADAL" clId="{180F5F75-A101-4134-9315-E8E9101F6FDF}" dt="2021-02-08T12:45:10.027" v="1380"/>
-          <ac:spMkLst>
-            <pc:docMk/>
-            <pc:sldMk cId="2015613160" sldId="282"/>
-            <ac:spMk id="2" creationId="{F1D1325E-570D-4659-A3EA-68DBCCD73007}"/>
-          </ac:spMkLst>
-        </pc:spChg>
-        <pc:spChg chg="del">
-          <ac:chgData name="Geoff Butcher" userId="1cb31d20-838c-4d88-81d0-dc1a78ccb326" providerId="ADAL" clId="{180F5F75-A101-4134-9315-E8E9101F6FDF}" dt="2021-02-08T12:45:17.733" v="1381"/>
-          <ac:spMkLst>
-            <pc:docMk/>
-            <pc:sldMk cId="2015613160" sldId="282"/>
-            <ac:spMk id="3" creationId="{518FC185-48A2-4C65-88B7-28B0921F6A3E}"/>
-          </ac:spMkLst>
-        </pc:spChg>
-        <pc:spChg chg="add mod">
-          <ac:chgData name="Geoff Butcher" userId="1cb31d20-838c-4d88-81d0-dc1a78ccb326" providerId="ADAL" clId="{180F5F75-A101-4134-9315-E8E9101F6FDF}" dt="2021-02-08T12:48:51.132" v="1766" actId="207"/>
-          <ac:spMkLst>
-            <pc:docMk/>
-            <pc:sldMk cId="2015613160" sldId="282"/>
-            <ac:spMk id="7" creationId="{5A1EAA69-EB7A-45D7-83DD-1A1EE93C04E0}"/>
-          </ac:spMkLst>
-        </pc:spChg>
-        <pc:picChg chg="add del mod">
-          <ac:chgData name="Geoff Butcher" userId="1cb31d20-838c-4d88-81d0-dc1a78ccb326" providerId="ADAL" clId="{180F5F75-A101-4134-9315-E8E9101F6FDF}" dt="2021-02-08T12:45:20.291" v="1383" actId="21"/>
-          <ac:picMkLst>
-            <pc:docMk/>
-            <pc:sldMk cId="2015613160" sldId="282"/>
-            <ac:picMk id="5" creationId="{CA5FECB4-389A-4B43-B26F-4E23C5A2A71D}"/>
-          </ac:picMkLst>
-        </pc:picChg>
-        <pc:picChg chg="add del mod">
-          <ac:chgData name="Geoff Butcher" userId="1cb31d20-838c-4d88-81d0-dc1a78ccb326" providerId="ADAL" clId="{180F5F75-A101-4134-9315-E8E9101F6FDF}" dt="2021-02-08T12:47:20.908" v="1529" actId="478"/>
-          <ac:picMkLst>
-            <pc:docMk/>
-            <pc:sldMk cId="2015613160" sldId="282"/>
-            <ac:picMk id="8" creationId="{BA3520F5-5CBB-4A48-9084-09F661387FE3}"/>
-          </ac:picMkLst>
-        </pc:picChg>
-        <pc:picChg chg="add mod">
-          <ac:chgData name="Geoff Butcher" userId="1cb31d20-838c-4d88-81d0-dc1a78ccb326" providerId="ADAL" clId="{180F5F75-A101-4134-9315-E8E9101F6FDF}" dt="2021-02-08T12:47:31.546" v="1535" actId="1076"/>
-          <ac:picMkLst>
-            <pc:docMk/>
-            <pc:sldMk cId="2015613160" sldId="282"/>
-            <ac:picMk id="10" creationId="{9813D2A6-172E-41C7-98CE-E2E09C782ED3}"/>
-          </ac:picMkLst>
-        </pc:picChg>
-      </pc:sldChg>
-      <pc:sldChg chg="del">
-        <pc:chgData name="Geoff Butcher" userId="1cb31d20-838c-4d88-81d0-dc1a78ccb326" providerId="ADAL" clId="{180F5F75-A101-4134-9315-E8E9101F6FDF}" dt="2021-02-08T12:33:29.688" v="629" actId="47"/>
-        <pc:sldMkLst>
-          <pc:docMk/>
-          <pc:sldMk cId="1836482924" sldId="283"/>
-        </pc:sldMkLst>
-      </pc:sldChg>
-      <pc:sldChg chg="addSp modSp new mod">
-        <pc:chgData name="Geoff Butcher" userId="1cb31d20-838c-4d88-81d0-dc1a78ccb326" providerId="ADAL" clId="{180F5F75-A101-4134-9315-E8E9101F6FDF}" dt="2021-02-08T13:22:55.801" v="2692" actId="404"/>
-        <pc:sldMkLst>
-          <pc:docMk/>
-          <pc:sldMk cId="3249571848" sldId="283"/>
-        </pc:sldMkLst>
-        <pc:spChg chg="mod">
-          <ac:chgData name="Geoff Butcher" userId="1cb31d20-838c-4d88-81d0-dc1a78ccb326" providerId="ADAL" clId="{180F5F75-A101-4134-9315-E8E9101F6FDF}" dt="2021-02-08T13:14:56.501" v="1802" actId="20577"/>
-          <ac:spMkLst>
-            <pc:docMk/>
-            <pc:sldMk cId="3249571848" sldId="283"/>
-            <ac:spMk id="2" creationId="{0F51E72E-64B6-45B6-9770-38F678E67306}"/>
-          </ac:spMkLst>
-        </pc:spChg>
-        <pc:spChg chg="mod">
-          <ac:chgData name="Geoff Butcher" userId="1cb31d20-838c-4d88-81d0-dc1a78ccb326" providerId="ADAL" clId="{180F5F75-A101-4134-9315-E8E9101F6FDF}" dt="2021-02-08T13:18:06.954" v="2151" actId="20577"/>
-          <ac:spMkLst>
-            <pc:docMk/>
-            <pc:sldMk cId="3249571848" sldId="283"/>
-            <ac:spMk id="3" creationId="{7A466A05-8EF7-461B-A4A5-2DE7F578FD21}"/>
-          </ac:spMkLst>
-        </pc:spChg>
-        <pc:spChg chg="add mod">
-          <ac:chgData name="Geoff Butcher" userId="1cb31d20-838c-4d88-81d0-dc1a78ccb326" providerId="ADAL" clId="{180F5F75-A101-4134-9315-E8E9101F6FDF}" dt="2021-02-08T13:22:55.801" v="2692" actId="404"/>
-          <ac:spMkLst>
-            <pc:docMk/>
-            <pc:sldMk cId="3249571848" sldId="283"/>
-            <ac:spMk id="6" creationId="{78D4792A-9D00-48CF-A620-23119ECA0780}"/>
-          </ac:spMkLst>
-        </pc:spChg>
-        <pc:picChg chg="add mod">
-          <ac:chgData name="Geoff Butcher" userId="1cb31d20-838c-4d88-81d0-dc1a78ccb326" providerId="ADAL" clId="{180F5F75-A101-4134-9315-E8E9101F6FDF}" dt="2021-02-08T13:20:34.945" v="2156" actId="1076"/>
-          <ac:picMkLst>
-            <pc:docMk/>
-            <pc:sldMk cId="3249571848" sldId="283"/>
-            <ac:picMk id="5" creationId="{9FB8E137-3394-489B-9902-47D41E83A380}"/>
-          </ac:picMkLst>
-        </pc:picChg>
-      </pc:sldChg>
-      <pc:sldChg chg="del">
-        <pc:chgData name="Geoff Butcher" userId="1cb31d20-838c-4d88-81d0-dc1a78ccb326" providerId="ADAL" clId="{180F5F75-A101-4134-9315-E8E9101F6FDF}" dt="2021-02-08T12:33:32.729" v="634" actId="47"/>
-        <pc:sldMkLst>
-          <pc:docMk/>
-          <pc:sldMk cId="295329404" sldId="284"/>
-        </pc:sldMkLst>
-      </pc:sldChg>
-      <pc:sldChg chg="addSp delSp modSp new mod">
-        <pc:chgData name="Geoff Butcher" userId="1cb31d20-838c-4d88-81d0-dc1a78ccb326" providerId="ADAL" clId="{180F5F75-A101-4134-9315-E8E9101F6FDF}" dt="2021-02-08T14:20:55.329" v="2949" actId="20577"/>
-        <pc:sldMkLst>
-          <pc:docMk/>
-          <pc:sldMk cId="2651835908" sldId="284"/>
-        </pc:sldMkLst>
-        <pc:spChg chg="mod">
-          <ac:chgData name="Geoff Butcher" userId="1cb31d20-838c-4d88-81d0-dc1a78ccb326" providerId="ADAL" clId="{180F5F75-A101-4134-9315-E8E9101F6FDF}" dt="2021-02-08T14:16:53.396" v="2716" actId="20577"/>
-          <ac:spMkLst>
-            <pc:docMk/>
-            <pc:sldMk cId="2651835908" sldId="284"/>
-            <ac:spMk id="2" creationId="{1AE95F19-364F-4B5D-A4C2-0BC315B5CBA2}"/>
-          </ac:spMkLst>
-        </pc:spChg>
-        <pc:spChg chg="mod">
-          <ac:chgData name="Geoff Butcher" userId="1cb31d20-838c-4d88-81d0-dc1a78ccb326" providerId="ADAL" clId="{180F5F75-A101-4134-9315-E8E9101F6FDF}" dt="2021-02-08T14:17:51.112" v="2854" actId="14100"/>
-          <ac:spMkLst>
-            <pc:docMk/>
-            <pc:sldMk cId="2651835908" sldId="284"/>
-            <ac:spMk id="3" creationId="{5E2C1076-ABDD-4B94-B0D0-67CFA5EDACA0}"/>
-          </ac:spMkLst>
-        </pc:spChg>
-        <pc:spChg chg="add del mod">
-          <ac:chgData name="Geoff Butcher" userId="1cb31d20-838c-4d88-81d0-dc1a78ccb326" providerId="ADAL" clId="{180F5F75-A101-4134-9315-E8E9101F6FDF}" dt="2021-02-08T14:20:23.412" v="2867"/>
-          <ac:spMkLst>
-            <pc:docMk/>
-            <pc:sldMk cId="2651835908" sldId="284"/>
-            <ac:spMk id="8" creationId="{7A78FCF4-EE1C-464C-9F6C-D24AD1C450C3}"/>
-          </ac:spMkLst>
-        </pc:spChg>
-        <pc:spChg chg="add mod">
-          <ac:chgData name="Geoff Butcher" userId="1cb31d20-838c-4d88-81d0-dc1a78ccb326" providerId="ADAL" clId="{180F5F75-A101-4134-9315-E8E9101F6FDF}" dt="2021-02-08T14:20:55.329" v="2949" actId="20577"/>
-          <ac:spMkLst>
-            <pc:docMk/>
-            <pc:sldMk cId="2651835908" sldId="284"/>
-            <ac:spMk id="9" creationId="{5F9D2E5E-F139-4B1A-A92F-1516E8F60266}"/>
-          </ac:spMkLst>
-        </pc:spChg>
-        <pc:picChg chg="add mod">
-          <ac:chgData name="Geoff Butcher" userId="1cb31d20-838c-4d88-81d0-dc1a78ccb326" providerId="ADAL" clId="{180F5F75-A101-4134-9315-E8E9101F6FDF}" dt="2021-02-08T14:18:05.560" v="2860" actId="1076"/>
-          <ac:picMkLst>
-            <pc:docMk/>
-            <pc:sldMk cId="2651835908" sldId="284"/>
-            <ac:picMk id="5" creationId="{43EA5518-F822-4150-BC6A-78A3E819572B}"/>
-          </ac:picMkLst>
-        </pc:picChg>
-        <pc:picChg chg="add mod">
-          <ac:chgData name="Geoff Butcher" userId="1cb31d20-838c-4d88-81d0-dc1a78ccb326" providerId="ADAL" clId="{180F5F75-A101-4134-9315-E8E9101F6FDF}" dt="2021-02-08T14:20:17.177" v="2865" actId="1076"/>
-          <ac:picMkLst>
-            <pc:docMk/>
-            <pc:sldMk cId="2651835908" sldId="284"/>
-            <ac:picMk id="7" creationId="{B4253FC4-D432-4962-A312-D271D85F70E0}"/>
-          </ac:picMkLst>
-        </pc:picChg>
-      </pc:sldChg>
-      <pc:sldChg chg="addSp modSp new mod">
-        <pc:chgData name="Geoff Butcher" userId="1cb31d20-838c-4d88-81d0-dc1a78ccb326" providerId="ADAL" clId="{180F5F75-A101-4134-9315-E8E9101F6FDF}" dt="2021-02-08T14:24:07.712" v="3270" actId="207"/>
-        <pc:sldMkLst>
-          <pc:docMk/>
-          <pc:sldMk cId="89665454" sldId="285"/>
-        </pc:sldMkLst>
-        <pc:spChg chg="mod">
-          <ac:chgData name="Geoff Butcher" userId="1cb31d20-838c-4d88-81d0-dc1a78ccb326" providerId="ADAL" clId="{180F5F75-A101-4134-9315-E8E9101F6FDF}" dt="2021-02-08T14:21:17.439" v="2981" actId="20577"/>
-          <ac:spMkLst>
-            <pc:docMk/>
-            <pc:sldMk cId="89665454" sldId="285"/>
-            <ac:spMk id="2" creationId="{01E09B13-88B1-460A-99F2-9D773B1812CA}"/>
-          </ac:spMkLst>
-        </pc:spChg>
-        <pc:spChg chg="mod">
-          <ac:chgData name="Geoff Butcher" userId="1cb31d20-838c-4d88-81d0-dc1a78ccb326" providerId="ADAL" clId="{180F5F75-A101-4134-9315-E8E9101F6FDF}" dt="2021-02-08T14:24:07.712" v="3270" actId="207"/>
-          <ac:spMkLst>
-            <pc:docMk/>
-            <pc:sldMk cId="89665454" sldId="285"/>
-            <ac:spMk id="3" creationId="{8EBACC42-6BA3-46F6-ADD9-DFA090A16DD5}"/>
-          </ac:spMkLst>
-        </pc:spChg>
-        <pc:picChg chg="add mod">
-          <ac:chgData name="Geoff Butcher" userId="1cb31d20-838c-4d88-81d0-dc1a78ccb326" providerId="ADAL" clId="{180F5F75-A101-4134-9315-E8E9101F6FDF}" dt="2021-02-08T14:23:58.370" v="3267" actId="1076"/>
-          <ac:picMkLst>
-            <pc:docMk/>
-            <pc:sldMk cId="89665454" sldId="285"/>
-            <ac:picMk id="5" creationId="{6851F382-9ECA-4CAC-98C5-C15E7EA2BF8B}"/>
-          </ac:picMkLst>
-        </pc:picChg>
-      </pc:sldChg>
-      <pc:sldChg chg="del">
-        <pc:chgData name="Geoff Butcher" userId="1cb31d20-838c-4d88-81d0-dc1a78ccb326" providerId="ADAL" clId="{180F5F75-A101-4134-9315-E8E9101F6FDF}" dt="2021-02-08T12:33:32.898" v="635" actId="47"/>
-        <pc:sldMkLst>
-          <pc:docMk/>
-          <pc:sldMk cId="3301953182" sldId="285"/>
-        </pc:sldMkLst>
-      </pc:sldChg>
-      <pc:sldChg chg="modSp add mod">
-        <pc:chgData name="Geoff Butcher" userId="1cb31d20-838c-4d88-81d0-dc1a78ccb326" providerId="ADAL" clId="{180F5F75-A101-4134-9315-E8E9101F6FDF}" dt="2021-02-08T14:26:32.088" v="3701" actId="207"/>
-        <pc:sldMkLst>
-          <pc:docMk/>
-          <pc:sldMk cId="2629009919" sldId="286"/>
-        </pc:sldMkLst>
-        <pc:spChg chg="mod">
-          <ac:chgData name="Geoff Butcher" userId="1cb31d20-838c-4d88-81d0-dc1a78ccb326" providerId="ADAL" clId="{180F5F75-A101-4134-9315-E8E9101F6FDF}" dt="2021-02-08T14:26:32.088" v="3701" actId="207"/>
-          <ac:spMkLst>
-            <pc:docMk/>
-            <pc:sldMk cId="2629009919" sldId="286"/>
-            <ac:spMk id="3" creationId="{8EBACC42-6BA3-46F6-ADD9-DFA090A16DD5}"/>
-          </ac:spMkLst>
-        </pc:spChg>
-      </pc:sldChg>
-      <pc:sldChg chg="del">
-        <pc:chgData name="Geoff Butcher" userId="1cb31d20-838c-4d88-81d0-dc1a78ccb326" providerId="ADAL" clId="{180F5F75-A101-4134-9315-E8E9101F6FDF}" dt="2021-02-08T12:33:31.995" v="632" actId="47"/>
-        <pc:sldMkLst>
-          <pc:docMk/>
-          <pc:sldMk cId="3429103600" sldId="286"/>
-        </pc:sldMkLst>
-      </pc:sldChg>
-      <pc:sldChg chg="del">
-        <pc:chgData name="Geoff Butcher" userId="1cb31d20-838c-4d88-81d0-dc1a78ccb326" providerId="ADAL" clId="{180F5F75-A101-4134-9315-E8E9101F6FDF}" dt="2021-02-08T12:33:31.779" v="631" actId="47"/>
-        <pc:sldMkLst>
-          <pc:docMk/>
-          <pc:sldMk cId="503030251" sldId="287"/>
-        </pc:sldMkLst>
-      </pc:sldChg>
-      <pc:sldChg chg="addSp modSp new mod">
-        <pc:chgData name="Geoff Butcher" userId="1cb31d20-838c-4d88-81d0-dc1a78ccb326" providerId="ADAL" clId="{180F5F75-A101-4134-9315-E8E9101F6FDF}" dt="2021-02-08T14:28:57.193" v="4035" actId="1076"/>
-        <pc:sldMkLst>
-          <pc:docMk/>
-          <pc:sldMk cId="1476283338" sldId="287"/>
-        </pc:sldMkLst>
-        <pc:spChg chg="mod">
-          <ac:chgData name="Geoff Butcher" userId="1cb31d20-838c-4d88-81d0-dc1a78ccb326" providerId="ADAL" clId="{180F5F75-A101-4134-9315-E8E9101F6FDF}" dt="2021-02-08T14:27:05.159" v="3736" actId="20577"/>
-          <ac:spMkLst>
-            <pc:docMk/>
-            <pc:sldMk cId="1476283338" sldId="287"/>
-            <ac:spMk id="2" creationId="{194A9627-C996-454B-95AB-31D53A604FBC}"/>
-          </ac:spMkLst>
-        </pc:spChg>
-        <pc:spChg chg="mod">
-          <ac:chgData name="Geoff Butcher" userId="1cb31d20-838c-4d88-81d0-dc1a78ccb326" providerId="ADAL" clId="{180F5F75-A101-4134-9315-E8E9101F6FDF}" dt="2021-02-08T14:28:18.578" v="4029" actId="27636"/>
-          <ac:spMkLst>
-            <pc:docMk/>
-            <pc:sldMk cId="1476283338" sldId="287"/>
-            <ac:spMk id="3" creationId="{58C7F14F-009A-4E2E-9FD5-B465ECC7BDDC}"/>
-          </ac:spMkLst>
-        </pc:spChg>
-        <pc:picChg chg="add mod">
-          <ac:chgData name="Geoff Butcher" userId="1cb31d20-838c-4d88-81d0-dc1a78ccb326" providerId="ADAL" clId="{180F5F75-A101-4134-9315-E8E9101F6FDF}" dt="2021-02-08T14:28:57.193" v="4035" actId="1076"/>
-          <ac:picMkLst>
-            <pc:docMk/>
-            <pc:sldMk cId="1476283338" sldId="287"/>
-            <ac:picMk id="5" creationId="{A7959DCD-9DCB-4F36-929C-370E544B86AB}"/>
-          </ac:picMkLst>
-        </pc:picChg>
-      </pc:sldChg>
-      <pc:sldChg chg="del">
-        <pc:chgData name="Geoff Butcher" userId="1cb31d20-838c-4d88-81d0-dc1a78ccb326" providerId="ADAL" clId="{180F5F75-A101-4134-9315-E8E9101F6FDF}" dt="2021-02-08T12:33:33.437" v="639" actId="47"/>
-        <pc:sldMkLst>
-          <pc:docMk/>
-          <pc:sldMk cId="1452426237" sldId="288"/>
-        </pc:sldMkLst>
-      </pc:sldChg>
-      <pc:sldChg chg="addSp delSp modSp add mod">
-        <pc:chgData name="Geoff Butcher" userId="1cb31d20-838c-4d88-81d0-dc1a78ccb326" providerId="ADAL" clId="{180F5F75-A101-4134-9315-E8E9101F6FDF}" dt="2021-02-08T14:32:51.816" v="4474" actId="1076"/>
-        <pc:sldMkLst>
-          <pc:docMk/>
-          <pc:sldMk cId="1808149236" sldId="288"/>
-        </pc:sldMkLst>
-        <pc:spChg chg="mod">
-          <ac:chgData name="Geoff Butcher" userId="1cb31d20-838c-4d88-81d0-dc1a78ccb326" providerId="ADAL" clId="{180F5F75-A101-4134-9315-E8E9101F6FDF}" dt="2021-02-08T14:32:43.501" v="4472" actId="20577"/>
-          <ac:spMkLst>
-            <pc:docMk/>
-            <pc:sldMk cId="1808149236" sldId="288"/>
-            <ac:spMk id="3" creationId="{58C7F14F-009A-4E2E-9FD5-B465ECC7BDDC}"/>
-          </ac:spMkLst>
-        </pc:spChg>
-        <pc:picChg chg="del">
-          <ac:chgData name="Geoff Butcher" userId="1cb31d20-838c-4d88-81d0-dc1a78ccb326" providerId="ADAL" clId="{180F5F75-A101-4134-9315-E8E9101F6FDF}" dt="2021-02-08T14:31:20.998" v="4309" actId="478"/>
-          <ac:picMkLst>
-            <pc:docMk/>
-            <pc:sldMk cId="1808149236" sldId="288"/>
-            <ac:picMk id="5" creationId="{A7959DCD-9DCB-4F36-929C-370E544B86AB}"/>
-          </ac:picMkLst>
-        </pc:picChg>
-        <pc:picChg chg="add mod">
-          <ac:chgData name="Geoff Butcher" userId="1cb31d20-838c-4d88-81d0-dc1a78ccb326" providerId="ADAL" clId="{180F5F75-A101-4134-9315-E8E9101F6FDF}" dt="2021-02-08T14:32:51.816" v="4474" actId="1076"/>
-          <ac:picMkLst>
-            <pc:docMk/>
-            <pc:sldMk cId="1808149236" sldId="288"/>
-            <ac:picMk id="6" creationId="{B239A45D-494B-44A4-92E6-D6911B6519CE}"/>
-          </ac:picMkLst>
-        </pc:picChg>
-      </pc:sldChg>
-      <pc:sldChg chg="addSp delSp modSp new mod">
-        <pc:chgData name="Geoff Butcher" userId="1cb31d20-838c-4d88-81d0-dc1a78ccb326" providerId="ADAL" clId="{180F5F75-A101-4134-9315-E8E9101F6FDF}" dt="2021-02-08T15:21:53.834" v="4949" actId="1076"/>
-        <pc:sldMkLst>
-          <pc:docMk/>
-          <pc:sldMk cId="3264453007" sldId="289"/>
-        </pc:sldMkLst>
-        <pc:spChg chg="mod">
-          <ac:chgData name="Geoff Butcher" userId="1cb31d20-838c-4d88-81d0-dc1a78ccb326" providerId="ADAL" clId="{180F5F75-A101-4134-9315-E8E9101F6FDF}" dt="2021-02-08T14:37:59.544" v="4494" actId="20577"/>
-          <ac:spMkLst>
-            <pc:docMk/>
-            <pc:sldMk cId="3264453007" sldId="289"/>
-            <ac:spMk id="2" creationId="{35865B98-2B46-4AF0-803F-1FFC63E4822C}"/>
-          </ac:spMkLst>
-        </pc:spChg>
-        <pc:spChg chg="mod">
-          <ac:chgData name="Geoff Butcher" userId="1cb31d20-838c-4d88-81d0-dc1a78ccb326" providerId="ADAL" clId="{180F5F75-A101-4134-9315-E8E9101F6FDF}" dt="2021-02-08T15:21:10.877" v="4942" actId="27636"/>
-          <ac:spMkLst>
-            <pc:docMk/>
-            <pc:sldMk cId="3264453007" sldId="289"/>
-            <ac:spMk id="3" creationId="{5AF5E73B-94BF-4FB9-8ED1-8AB24A78808A}"/>
-          </ac:spMkLst>
-        </pc:spChg>
-        <pc:picChg chg="add del mod">
-          <ac:chgData name="Geoff Butcher" userId="1cb31d20-838c-4d88-81d0-dc1a78ccb326" providerId="ADAL" clId="{180F5F75-A101-4134-9315-E8E9101F6FDF}" dt="2021-02-08T15:11:06.449" v="4731" actId="21"/>
-          <ac:picMkLst>
-            <pc:docMk/>
-            <pc:sldMk cId="3264453007" sldId="289"/>
-            <ac:picMk id="5" creationId="{96557DBB-1C6E-4D32-A1A7-5DFAC67491A9}"/>
-          </ac:picMkLst>
-        </pc:picChg>
-        <pc:picChg chg="add del mod">
-          <ac:chgData name="Geoff Butcher" userId="1cb31d20-838c-4d88-81d0-dc1a78ccb326" providerId="ADAL" clId="{180F5F75-A101-4134-9315-E8E9101F6FDF}" dt="2021-02-08T15:21:12.392" v="4943" actId="478"/>
-          <ac:picMkLst>
-            <pc:docMk/>
-            <pc:sldMk cId="3264453007" sldId="289"/>
-            <ac:picMk id="7" creationId="{26581428-ED8B-4048-AAAD-3B7506759242}"/>
-          </ac:picMkLst>
-        </pc:picChg>
-        <pc:picChg chg="add mod">
-          <ac:chgData name="Geoff Butcher" userId="1cb31d20-838c-4d88-81d0-dc1a78ccb326" providerId="ADAL" clId="{180F5F75-A101-4134-9315-E8E9101F6FDF}" dt="2021-02-08T15:11:12.151" v="4735" actId="1076"/>
-          <ac:picMkLst>
-            <pc:docMk/>
-            <pc:sldMk cId="3264453007" sldId="289"/>
-            <ac:picMk id="8" creationId="{004142D7-4A28-4EF1-9948-A648DFB54B5F}"/>
-          </ac:picMkLst>
-        </pc:picChg>
-        <pc:picChg chg="add mod">
-          <ac:chgData name="Geoff Butcher" userId="1cb31d20-838c-4d88-81d0-dc1a78ccb326" providerId="ADAL" clId="{180F5F75-A101-4134-9315-E8E9101F6FDF}" dt="2021-02-08T15:21:53.834" v="4949" actId="1076"/>
-          <ac:picMkLst>
-            <pc:docMk/>
-            <pc:sldMk cId="3264453007" sldId="289"/>
-            <ac:picMk id="10" creationId="{4DCCF767-8B83-45BF-A2C3-AD57075FFB40}"/>
-          </ac:picMkLst>
-        </pc:picChg>
-      </pc:sldChg>
-      <pc:sldChg chg="del">
-        <pc:chgData name="Geoff Butcher" userId="1cb31d20-838c-4d88-81d0-dc1a78ccb326" providerId="ADAL" clId="{180F5F75-A101-4134-9315-E8E9101F6FDF}" dt="2021-02-08T12:33:33.168" v="637" actId="47"/>
-        <pc:sldMkLst>
-          <pc:docMk/>
-          <pc:sldMk cId="4262674240" sldId="289"/>
-        </pc:sldMkLst>
-      </pc:sldChg>
-      <pc:sldChg chg="del">
-        <pc:chgData name="Geoff Butcher" userId="1cb31d20-838c-4d88-81d0-dc1a78ccb326" providerId="ADAL" clId="{180F5F75-A101-4134-9315-E8E9101F6FDF}" dt="2021-02-08T12:33:33.014" v="636" actId="47"/>
-        <pc:sldMkLst>
-          <pc:docMk/>
-          <pc:sldMk cId="69138350" sldId="290"/>
-        </pc:sldMkLst>
-      </pc:sldChg>
-      <pc:sldChg chg="addSp modSp new mod">
-        <pc:chgData name="Geoff Butcher" userId="1cb31d20-838c-4d88-81d0-dc1a78ccb326" providerId="ADAL" clId="{180F5F75-A101-4134-9315-E8E9101F6FDF}" dt="2021-02-08T15:25:05.949" v="5103" actId="14100"/>
-        <pc:sldMkLst>
-          <pc:docMk/>
-          <pc:sldMk cId="1163171234" sldId="290"/>
-        </pc:sldMkLst>
-        <pc:spChg chg="mod">
-          <ac:chgData name="Geoff Butcher" userId="1cb31d20-838c-4d88-81d0-dc1a78ccb326" providerId="ADAL" clId="{180F5F75-A101-4134-9315-E8E9101F6FDF}" dt="2021-02-08T15:22:09.907" v="4963" actId="20577"/>
-          <ac:spMkLst>
-            <pc:docMk/>
-            <pc:sldMk cId="1163171234" sldId="290"/>
-            <ac:spMk id="2" creationId="{7014E905-8354-4DEB-ACA6-4FC1D723C956}"/>
-          </ac:spMkLst>
-        </pc:spChg>
-        <pc:spChg chg="mod">
-          <ac:chgData name="Geoff Butcher" userId="1cb31d20-838c-4d88-81d0-dc1a78ccb326" providerId="ADAL" clId="{180F5F75-A101-4134-9315-E8E9101F6FDF}" dt="2021-02-08T15:22:46.623" v="5096" actId="14100"/>
-          <ac:spMkLst>
-            <pc:docMk/>
-            <pc:sldMk cId="1163171234" sldId="290"/>
-            <ac:spMk id="3" creationId="{43A2442A-B0A8-411B-BF55-B298959BA834}"/>
-          </ac:spMkLst>
-        </pc:spChg>
-        <pc:picChg chg="add mod">
-          <ac:chgData name="Geoff Butcher" userId="1cb31d20-838c-4d88-81d0-dc1a78ccb326" providerId="ADAL" clId="{180F5F75-A101-4134-9315-E8E9101F6FDF}" dt="2021-02-08T15:24:11.505" v="5099" actId="1076"/>
-          <ac:picMkLst>
-            <pc:docMk/>
-            <pc:sldMk cId="1163171234" sldId="290"/>
-            <ac:picMk id="5" creationId="{94409E86-3C6E-47F6-AD50-309D85E67209}"/>
-          </ac:picMkLst>
-        </pc:picChg>
-        <pc:picChg chg="add mod">
-          <ac:chgData name="Geoff Butcher" userId="1cb31d20-838c-4d88-81d0-dc1a78ccb326" providerId="ADAL" clId="{180F5F75-A101-4134-9315-E8E9101F6FDF}" dt="2021-02-08T15:25:05.949" v="5103" actId="14100"/>
-          <ac:picMkLst>
-            <pc:docMk/>
-            <pc:sldMk cId="1163171234" sldId="290"/>
-            <ac:picMk id="7" creationId="{B423D3F5-C426-4488-99E5-EABC1B7CE400}"/>
-          </ac:picMkLst>
-        </pc:picChg>
-      </pc:sldChg>
-      <pc:sldChg chg="addSp modSp new mod">
-        <pc:chgData name="Geoff Butcher" userId="1cb31d20-838c-4d88-81d0-dc1a78ccb326" providerId="ADAL" clId="{180F5F75-A101-4134-9315-E8E9101F6FDF}" dt="2021-02-08T15:32:42.927" v="5440" actId="1076"/>
-        <pc:sldMkLst>
-          <pc:docMk/>
-          <pc:sldMk cId="1799103300" sldId="291"/>
-        </pc:sldMkLst>
-        <pc:spChg chg="mod">
-          <ac:chgData name="Geoff Butcher" userId="1cb31d20-838c-4d88-81d0-dc1a78ccb326" providerId="ADAL" clId="{180F5F75-A101-4134-9315-E8E9101F6FDF}" dt="2021-02-08T15:25:18.976" v="5114" actId="20577"/>
-          <ac:spMkLst>
-            <pc:docMk/>
-            <pc:sldMk cId="1799103300" sldId="291"/>
-            <ac:spMk id="2" creationId="{59CE7064-6AA1-4280-8988-FAD24B7EEAD0}"/>
-          </ac:spMkLst>
-        </pc:spChg>
-        <pc:spChg chg="mod">
-          <ac:chgData name="Geoff Butcher" userId="1cb31d20-838c-4d88-81d0-dc1a78ccb326" providerId="ADAL" clId="{180F5F75-A101-4134-9315-E8E9101F6FDF}" dt="2021-02-08T15:32:10.089" v="5433" actId="20577"/>
-          <ac:spMkLst>
-            <pc:docMk/>
-            <pc:sldMk cId="1799103300" sldId="291"/>
-            <ac:spMk id="3" creationId="{15B4FF8A-7687-4CAD-B501-1A44E706D306}"/>
-          </ac:spMkLst>
-        </pc:spChg>
-        <pc:spChg chg="add mod">
-          <ac:chgData name="Geoff Butcher" userId="1cb31d20-838c-4d88-81d0-dc1a78ccb326" providerId="ADAL" clId="{180F5F75-A101-4134-9315-E8E9101F6FDF}" dt="2021-02-08T15:32:24.589" v="5434" actId="1076"/>
-          <ac:spMkLst>
-            <pc:docMk/>
-            <pc:sldMk cId="1799103300" sldId="291"/>
-            <ac:spMk id="4" creationId="{174024EF-132F-4920-9D39-E1C3B1F5A578}"/>
-          </ac:spMkLst>
-        </pc:spChg>
-        <pc:spChg chg="add mod">
-          <ac:chgData name="Geoff Butcher" userId="1cb31d20-838c-4d88-81d0-dc1a78ccb326" providerId="ADAL" clId="{180F5F75-A101-4134-9315-E8E9101F6FDF}" dt="2021-02-08T15:32:24.589" v="5434" actId="1076"/>
-          <ac:spMkLst>
-            <pc:docMk/>
-            <pc:sldMk cId="1799103300" sldId="291"/>
-            <ac:spMk id="5" creationId="{4B14FA08-B201-4DA4-AAE6-BA088A25E3FE}"/>
-          </ac:spMkLst>
-        </pc:spChg>
-        <pc:spChg chg="add mod">
-          <ac:chgData name="Geoff Butcher" userId="1cb31d20-838c-4d88-81d0-dc1a78ccb326" providerId="ADAL" clId="{180F5F75-A101-4134-9315-E8E9101F6FDF}" dt="2021-02-08T15:32:24.589" v="5434" actId="1076"/>
-          <ac:spMkLst>
-            <pc:docMk/>
-            <pc:sldMk cId="1799103300" sldId="291"/>
-            <ac:spMk id="6" creationId="{4B2AD585-1743-4523-BFCA-E661321C05E6}"/>
-          </ac:spMkLst>
-        </pc:spChg>
-        <pc:spChg chg="add mod">
-          <ac:chgData name="Geoff Butcher" userId="1cb31d20-838c-4d88-81d0-dc1a78ccb326" providerId="ADAL" clId="{180F5F75-A101-4134-9315-E8E9101F6FDF}" dt="2021-02-08T15:32:24.589" v="5434" actId="1076"/>
-          <ac:spMkLst>
-            <pc:docMk/>
-            <pc:sldMk cId="1799103300" sldId="291"/>
-            <ac:spMk id="7" creationId="{9AB88C63-7365-4C50-8353-66526141188A}"/>
-          </ac:spMkLst>
-        </pc:spChg>
-        <pc:spChg chg="add mod">
-          <ac:chgData name="Geoff Butcher" userId="1cb31d20-838c-4d88-81d0-dc1a78ccb326" providerId="ADAL" clId="{180F5F75-A101-4134-9315-E8E9101F6FDF}" dt="2021-02-08T15:32:24.589" v="5434" actId="1076"/>
-          <ac:spMkLst>
-            <pc:docMk/>
-            <pc:sldMk cId="1799103300" sldId="291"/>
-            <ac:spMk id="8" creationId="{FD28440C-68A3-4FD2-8B33-D3E95162A8DE}"/>
-          </ac:spMkLst>
-        </pc:spChg>
-        <pc:spChg chg="add mod">
-          <ac:chgData name="Geoff Butcher" userId="1cb31d20-838c-4d88-81d0-dc1a78ccb326" providerId="ADAL" clId="{180F5F75-A101-4134-9315-E8E9101F6FDF}" dt="2021-02-08T15:32:24.589" v="5434" actId="1076"/>
-          <ac:spMkLst>
-            <pc:docMk/>
-            <pc:sldMk cId="1799103300" sldId="291"/>
-            <ac:spMk id="9" creationId="{6BB1D0F0-FF39-48D1-9D39-B31365BFBBB2}"/>
-          </ac:spMkLst>
-        </pc:spChg>
-        <pc:picChg chg="add mod">
-          <ac:chgData name="Geoff Butcher" userId="1cb31d20-838c-4d88-81d0-dc1a78ccb326" providerId="ADAL" clId="{180F5F75-A101-4134-9315-E8E9101F6FDF}" dt="2021-02-08T15:32:42.927" v="5440" actId="1076"/>
-          <ac:picMkLst>
-            <pc:docMk/>
-            <pc:sldMk cId="1799103300" sldId="291"/>
-            <ac:picMk id="11" creationId="{89286750-D0A5-4083-A0C2-573345262961}"/>
-          </ac:picMkLst>
-        </pc:picChg>
-      </pc:sldChg>
-      <pc:sldChg chg="del">
-        <pc:chgData name="Geoff Butcher" userId="1cb31d20-838c-4d88-81d0-dc1a78ccb326" providerId="ADAL" clId="{180F5F75-A101-4134-9315-E8E9101F6FDF}" dt="2021-02-08T12:33:33.315" v="638" actId="47"/>
-        <pc:sldMkLst>
-          <pc:docMk/>
-          <pc:sldMk cId="2118186357" sldId="291"/>
-        </pc:sldMkLst>
-      </pc:sldChg>
-      <pc:sldChg chg="del">
-        <pc:chgData name="Geoff Butcher" userId="1cb31d20-838c-4d88-81d0-dc1a78ccb326" providerId="ADAL" clId="{180F5F75-A101-4134-9315-E8E9101F6FDF}" dt="2021-02-08T12:33:33.584" v="640" actId="47"/>
-        <pc:sldMkLst>
-          <pc:docMk/>
-          <pc:sldMk cId="469602028" sldId="292"/>
-        </pc:sldMkLst>
-      </pc:sldChg>
-      <pc:sldChg chg="addSp modSp new mod">
-        <pc:chgData name="Geoff Butcher" userId="1cb31d20-838c-4d88-81d0-dc1a78ccb326" providerId="ADAL" clId="{180F5F75-A101-4134-9315-E8E9101F6FDF}" dt="2021-02-08T15:37:19.720" v="5837" actId="20577"/>
-        <pc:sldMkLst>
-          <pc:docMk/>
-          <pc:sldMk cId="687084584" sldId="292"/>
-        </pc:sldMkLst>
-        <pc:spChg chg="mod">
-          <ac:chgData name="Geoff Butcher" userId="1cb31d20-838c-4d88-81d0-dc1a78ccb326" providerId="ADAL" clId="{180F5F75-A101-4134-9315-E8E9101F6FDF}" dt="2021-02-08T15:35:28.568" v="5454" actId="20577"/>
-          <ac:spMkLst>
-            <pc:docMk/>
-            <pc:sldMk cId="687084584" sldId="292"/>
-            <ac:spMk id="2" creationId="{63BA8802-6CB6-4CDE-B216-27F9C85A5111}"/>
-          </ac:spMkLst>
-        </pc:spChg>
-        <pc:spChg chg="mod">
-          <ac:chgData name="Geoff Butcher" userId="1cb31d20-838c-4d88-81d0-dc1a78ccb326" providerId="ADAL" clId="{180F5F75-A101-4134-9315-E8E9101F6FDF}" dt="2021-02-08T15:37:19.720" v="5837" actId="20577"/>
-          <ac:spMkLst>
-            <pc:docMk/>
-            <pc:sldMk cId="687084584" sldId="292"/>
-            <ac:spMk id="3" creationId="{4E0F6A5A-6E00-4589-9FC2-838D7662685C}"/>
-          </ac:spMkLst>
-        </pc:spChg>
-        <pc:picChg chg="add mod">
-          <ac:chgData name="Geoff Butcher" userId="1cb31d20-838c-4d88-81d0-dc1a78ccb326" providerId="ADAL" clId="{180F5F75-A101-4134-9315-E8E9101F6FDF}" dt="2021-02-08T15:36:28.685" v="5587" actId="1076"/>
-          <ac:picMkLst>
-            <pc:docMk/>
-            <pc:sldMk cId="687084584" sldId="292"/>
-            <ac:picMk id="5" creationId="{43B56C59-E64E-4FA3-84FF-854B2ED2B899}"/>
-          </ac:picMkLst>
-        </pc:picChg>
-      </pc:sldChg>
-      <pc:sldChg chg="del">
-        <pc:chgData name="Geoff Butcher" userId="1cb31d20-838c-4d88-81d0-dc1a78ccb326" providerId="ADAL" clId="{180F5F75-A101-4134-9315-E8E9101F6FDF}" dt="2021-02-08T12:33:33.738" v="641" actId="47"/>
-        <pc:sldMkLst>
-          <pc:docMk/>
-          <pc:sldMk cId="418820575" sldId="293"/>
-        </pc:sldMkLst>
-      </pc:sldChg>
-      <pc:sldChg chg="addSp delSp modSp new mod">
-        <pc:chgData name="Geoff Butcher" userId="1cb31d20-838c-4d88-81d0-dc1a78ccb326" providerId="ADAL" clId="{180F5F75-A101-4134-9315-E8E9101F6FDF}" dt="2021-02-08T15:52:02.810" v="6503" actId="27636"/>
-        <pc:sldMkLst>
-          <pc:docMk/>
-          <pc:sldMk cId="1579232271" sldId="293"/>
-        </pc:sldMkLst>
-        <pc:spChg chg="mod">
-          <ac:chgData name="Geoff Butcher" userId="1cb31d20-838c-4d88-81d0-dc1a78ccb326" providerId="ADAL" clId="{180F5F75-A101-4134-9315-E8E9101F6FDF}" dt="2021-02-08T15:37:51.690" v="5854" actId="20577"/>
-          <ac:spMkLst>
-            <pc:docMk/>
-            <pc:sldMk cId="1579232271" sldId="293"/>
-            <ac:spMk id="2" creationId="{D4A274E0-C413-44CD-92FC-9F90641B7040}"/>
-          </ac:spMkLst>
-        </pc:spChg>
-        <pc:spChg chg="mod">
-          <ac:chgData name="Geoff Butcher" userId="1cb31d20-838c-4d88-81d0-dc1a78ccb326" providerId="ADAL" clId="{180F5F75-A101-4134-9315-E8E9101F6FDF}" dt="2021-02-08T15:52:02.810" v="6503" actId="27636"/>
-          <ac:spMkLst>
-            <pc:docMk/>
-            <pc:sldMk cId="1579232271" sldId="293"/>
-            <ac:spMk id="3" creationId="{40F31F8A-1C16-4F66-85C6-93895DD6CC07}"/>
-          </ac:spMkLst>
-        </pc:spChg>
-        <pc:spChg chg="add del mod">
-          <ac:chgData name="Geoff Butcher" userId="1cb31d20-838c-4d88-81d0-dc1a78ccb326" providerId="ADAL" clId="{180F5F75-A101-4134-9315-E8E9101F6FDF}" dt="2021-02-08T15:38:55.958" v="5901" actId="21"/>
-          <ac:spMkLst>
-            <pc:docMk/>
-            <pc:sldMk cId="1579232271" sldId="293"/>
-            <ac:spMk id="4" creationId="{7D3F0954-3DDD-48CB-B8B7-4CF4BBE62841}"/>
-          </ac:spMkLst>
-        </pc:spChg>
-        <pc:spChg chg="add del mod">
-          <ac:chgData name="Geoff Butcher" userId="1cb31d20-838c-4d88-81d0-dc1a78ccb326" providerId="ADAL" clId="{180F5F75-A101-4134-9315-E8E9101F6FDF}" dt="2021-02-08T15:38:55.958" v="5901" actId="21"/>
-          <ac:spMkLst>
-            <pc:docMk/>
-            <pc:sldMk cId="1579232271" sldId="293"/>
-            <ac:spMk id="5" creationId="{36714323-2916-4D2D-8A95-2C53814557C1}"/>
-          </ac:spMkLst>
-        </pc:spChg>
-        <pc:spChg chg="add del mod">
-          <ac:chgData name="Geoff Butcher" userId="1cb31d20-838c-4d88-81d0-dc1a78ccb326" providerId="ADAL" clId="{180F5F75-A101-4134-9315-E8E9101F6FDF}" dt="2021-02-08T15:38:55.958" v="5901" actId="21"/>
-          <ac:spMkLst>
-            <pc:docMk/>
-            <pc:sldMk cId="1579232271" sldId="293"/>
-            <ac:spMk id="6" creationId="{4B158F2B-E2C0-4B73-B147-056FFFF8B6BD}"/>
-          </ac:spMkLst>
-        </pc:spChg>
-        <pc:spChg chg="add del mod">
-          <ac:chgData name="Geoff Butcher" userId="1cb31d20-838c-4d88-81d0-dc1a78ccb326" providerId="ADAL" clId="{180F5F75-A101-4134-9315-E8E9101F6FDF}" dt="2021-02-08T15:38:55.958" v="5901" actId="21"/>
-          <ac:spMkLst>
-            <pc:docMk/>
-            <pc:sldMk cId="1579232271" sldId="293"/>
-            <ac:spMk id="7" creationId="{F8C2DB7E-DB29-41F2-92B4-FF6CC6DC24A5}"/>
-          </ac:spMkLst>
-        </pc:spChg>
-        <pc:spChg chg="add mod">
-          <ac:chgData name="Geoff Butcher" userId="1cb31d20-838c-4d88-81d0-dc1a78ccb326" providerId="ADAL" clId="{180F5F75-A101-4134-9315-E8E9101F6FDF}" dt="2021-02-08T15:38:50.349" v="5898" actId="571"/>
-          <ac:spMkLst>
-            <pc:docMk/>
-            <pc:sldMk cId="1579232271" sldId="293"/>
-            <ac:spMk id="8" creationId="{A65B1CC2-1B6C-4DB8-AE40-B136AB6ADBEF}"/>
-          </ac:spMkLst>
-        </pc:spChg>
-        <pc:spChg chg="add mod">
-          <ac:chgData name="Geoff Butcher" userId="1cb31d20-838c-4d88-81d0-dc1a78ccb326" providerId="ADAL" clId="{180F5F75-A101-4134-9315-E8E9101F6FDF}" dt="2021-02-08T15:38:50.349" v="5898" actId="571"/>
-          <ac:spMkLst>
-            <pc:docMk/>
-            <pc:sldMk cId="1579232271" sldId="293"/>
-            <ac:spMk id="9" creationId="{0808925A-84C8-48C1-8E70-469C4D46C0F9}"/>
-          </ac:spMkLst>
-        </pc:spChg>
-        <pc:spChg chg="add mod">
-          <ac:chgData name="Geoff Butcher" userId="1cb31d20-838c-4d88-81d0-dc1a78ccb326" providerId="ADAL" clId="{180F5F75-A101-4134-9315-E8E9101F6FDF}" dt="2021-02-08T15:38:50.349" v="5898" actId="571"/>
-          <ac:spMkLst>
-            <pc:docMk/>
-            <pc:sldMk cId="1579232271" sldId="293"/>
-            <ac:spMk id="10" creationId="{B9C66FAD-24B0-4511-A9AD-7C8ECD98C1CF}"/>
-          </ac:spMkLst>
-        </pc:spChg>
-        <pc:spChg chg="add mod">
-          <ac:chgData name="Geoff Butcher" userId="1cb31d20-838c-4d88-81d0-dc1a78ccb326" providerId="ADAL" clId="{180F5F75-A101-4134-9315-E8E9101F6FDF}" dt="2021-02-08T15:51:53.905" v="6500" actId="207"/>
-          <ac:spMkLst>
-            <pc:docMk/>
-            <pc:sldMk cId="1579232271" sldId="293"/>
-            <ac:spMk id="11" creationId="{ADC96833-EEA7-4ECD-865F-B2579F131CBA}"/>
-          </ac:spMkLst>
-        </pc:spChg>
-        <pc:spChg chg="add mod">
-          <ac:chgData name="Geoff Butcher" userId="1cb31d20-838c-4d88-81d0-dc1a78ccb326" providerId="ADAL" clId="{180F5F75-A101-4134-9315-E8E9101F6FDF}" dt="2021-02-08T15:50:48.793" v="6472" actId="208"/>
-          <ac:spMkLst>
-            <pc:docMk/>
-            <pc:sldMk cId="1579232271" sldId="293"/>
-            <ac:spMk id="12" creationId="{95930B5C-9BDA-4093-A9BE-B6D17467D2A1}"/>
-          </ac:spMkLst>
-        </pc:spChg>
-        <pc:spChg chg="add mod">
-          <ac:chgData name="Geoff Butcher" userId="1cb31d20-838c-4d88-81d0-dc1a78ccb326" providerId="ADAL" clId="{180F5F75-A101-4134-9315-E8E9101F6FDF}" dt="2021-02-08T15:50:48.793" v="6472" actId="208"/>
-          <ac:spMkLst>
-            <pc:docMk/>
-            <pc:sldMk cId="1579232271" sldId="293"/>
-            <ac:spMk id="13" creationId="{F91156C7-2E30-4C0C-8942-A79B437E5D46}"/>
-          </ac:spMkLst>
-        </pc:spChg>
-        <pc:spChg chg="add mod">
-          <ac:chgData name="Geoff Butcher" userId="1cb31d20-838c-4d88-81d0-dc1a78ccb326" providerId="ADAL" clId="{180F5F75-A101-4134-9315-E8E9101F6FDF}" dt="2021-02-08T15:51:38.202" v="6495" actId="1076"/>
-          <ac:spMkLst>
-            <pc:docMk/>
-            <pc:sldMk cId="1579232271" sldId="293"/>
-            <ac:spMk id="14" creationId="{E996F42D-5270-4A63-A09A-275CA9659C3F}"/>
-          </ac:spMkLst>
-        </pc:spChg>
-        <pc:spChg chg="add del mod">
-          <ac:chgData name="Geoff Butcher" userId="1cb31d20-838c-4d88-81d0-dc1a78ccb326" providerId="ADAL" clId="{180F5F75-A101-4134-9315-E8E9101F6FDF}" dt="2021-02-08T15:49:03.418" v="6386" actId="478"/>
-          <ac:spMkLst>
-            <pc:docMk/>
-            <pc:sldMk cId="1579232271" sldId="293"/>
-            <ac:spMk id="15" creationId="{1A6105CA-E6AC-4B15-86E3-332F922DB19B}"/>
-          </ac:spMkLst>
-        </pc:spChg>
-        <pc:spChg chg="add del mod">
-          <ac:chgData name="Geoff Butcher" userId="1cb31d20-838c-4d88-81d0-dc1a78ccb326" providerId="ADAL" clId="{180F5F75-A101-4134-9315-E8E9101F6FDF}" dt="2021-02-08T15:49:04.143" v="6387" actId="478"/>
-          <ac:spMkLst>
-            <pc:docMk/>
-            <pc:sldMk cId="1579232271" sldId="293"/>
-            <ac:spMk id="16" creationId="{C80B836D-102B-4907-A350-99A77CB80DBE}"/>
-          </ac:spMkLst>
-        </pc:spChg>
-        <pc:spChg chg="add del mod ord">
-          <ac:chgData name="Geoff Butcher" userId="1cb31d20-838c-4d88-81d0-dc1a78ccb326" providerId="ADAL" clId="{180F5F75-A101-4134-9315-E8E9101F6FDF}" dt="2021-02-08T15:49:05.025" v="6388" actId="478"/>
-          <ac:spMkLst>
-            <pc:docMk/>
-            <pc:sldMk cId="1579232271" sldId="293"/>
-            <ac:spMk id="17" creationId="{9E6A2575-8F64-42C3-A8CF-97FC148CEC1A}"/>
-          </ac:spMkLst>
-        </pc:spChg>
-        <pc:spChg chg="add del mod">
-          <ac:chgData name="Geoff Butcher" userId="1cb31d20-838c-4d88-81d0-dc1a78ccb326" providerId="ADAL" clId="{180F5F75-A101-4134-9315-E8E9101F6FDF}" dt="2021-02-08T15:49:05.864" v="6389" actId="478"/>
-          <ac:spMkLst>
-            <pc:docMk/>
-            <pc:sldMk cId="1579232271" sldId="293"/>
-            <ac:spMk id="18" creationId="{BEE33118-DFE2-4FE3-87F0-A6C2D522FBC1}"/>
-          </ac:spMkLst>
-        </pc:spChg>
-        <pc:spChg chg="add del mod">
-          <ac:chgData name="Geoff Butcher" userId="1cb31d20-838c-4d88-81d0-dc1a78ccb326" providerId="ADAL" clId="{180F5F75-A101-4134-9315-E8E9101F6FDF}" dt="2021-02-08T15:50:25.629" v="6463" actId="478"/>
-          <ac:spMkLst>
-            <pc:docMk/>
-            <pc:sldMk cId="1579232271" sldId="293"/>
-            <ac:spMk id="21" creationId="{A5C0C67D-C32E-474E-891D-6244551EFF1B}"/>
-          </ac:spMkLst>
-        </pc:spChg>
-        <pc:spChg chg="add del mod">
-          <ac:chgData name="Geoff Butcher" userId="1cb31d20-838c-4d88-81d0-dc1a78ccb326" providerId="ADAL" clId="{180F5F75-A101-4134-9315-E8E9101F6FDF}" dt="2021-02-08T15:50:29.655" v="6467" actId="478"/>
-          <ac:spMkLst>
-            <pc:docMk/>
-            <pc:sldMk cId="1579232271" sldId="293"/>
-            <ac:spMk id="22" creationId="{6086B92F-8B8C-495F-BDB4-EAE0E0C894CB}"/>
-          </ac:spMkLst>
-        </pc:spChg>
-        <pc:spChg chg="add del mod">
-          <ac:chgData name="Geoff Butcher" userId="1cb31d20-838c-4d88-81d0-dc1a78ccb326" providerId="ADAL" clId="{180F5F75-A101-4134-9315-E8E9101F6FDF}" dt="2021-02-08T15:50:28.564" v="6466" actId="478"/>
-          <ac:spMkLst>
-            <pc:docMk/>
-            <pc:sldMk cId="1579232271" sldId="293"/>
-            <ac:spMk id="23" creationId="{CCEB9995-2AD3-42F1-85E2-C80E1192C822}"/>
-          </ac:spMkLst>
-        </pc:spChg>
-        <pc:spChg chg="add del mod">
-          <ac:chgData name="Geoff Butcher" userId="1cb31d20-838c-4d88-81d0-dc1a78ccb326" providerId="ADAL" clId="{180F5F75-A101-4134-9315-E8E9101F6FDF}" dt="2021-02-08T15:50:26.187" v="6464" actId="478"/>
-          <ac:spMkLst>
-            <pc:docMk/>
-            <pc:sldMk cId="1579232271" sldId="293"/>
-            <ac:spMk id="24" creationId="{9F9BF9CA-65BA-4164-8B0A-AB63F83C3AA7}"/>
-          </ac:spMkLst>
-        </pc:spChg>
-        <pc:spChg chg="add del mod">
-          <ac:chgData name="Geoff Butcher" userId="1cb31d20-838c-4d88-81d0-dc1a78ccb326" providerId="ADAL" clId="{180F5F75-A101-4134-9315-E8E9101F6FDF}" dt="2021-02-08T15:50:54.467" v="6474" actId="478"/>
-          <ac:spMkLst>
-            <pc:docMk/>
-            <pc:sldMk cId="1579232271" sldId="293"/>
-            <ac:spMk id="25" creationId="{5CBD61D9-88ED-49D9-96CB-DF6E3195E932}"/>
-          </ac:spMkLst>
-        </pc:spChg>
-        <pc:spChg chg="add del mod">
-          <ac:chgData name="Geoff Butcher" userId="1cb31d20-838c-4d88-81d0-dc1a78ccb326" providerId="ADAL" clId="{180F5F75-A101-4134-9315-E8E9101F6FDF}" dt="2021-02-08T15:50:56.439" v="6477" actId="478"/>
-          <ac:spMkLst>
-            <pc:docMk/>
-            <pc:sldMk cId="1579232271" sldId="293"/>
-            <ac:spMk id="26" creationId="{3F830FE6-8149-480B-8F10-47FE36FDE941}"/>
-          </ac:spMkLst>
-        </pc:spChg>
-        <pc:spChg chg="add del mod">
-          <ac:chgData name="Geoff Butcher" userId="1cb31d20-838c-4d88-81d0-dc1a78ccb326" providerId="ADAL" clId="{180F5F75-A101-4134-9315-E8E9101F6FDF}" dt="2021-02-08T15:50:57.053" v="6478" actId="478"/>
-          <ac:spMkLst>
-            <pc:docMk/>
-            <pc:sldMk cId="1579232271" sldId="293"/>
-            <ac:spMk id="27" creationId="{BD8EF5B2-CE2D-423F-8AF3-7FF7C8F17128}"/>
-          </ac:spMkLst>
-        </pc:spChg>
-        <pc:spChg chg="add del mod">
-          <ac:chgData name="Geoff Butcher" userId="1cb31d20-838c-4d88-81d0-dc1a78ccb326" providerId="ADAL" clId="{180F5F75-A101-4134-9315-E8E9101F6FDF}" dt="2021-02-08T15:50:55.195" v="6475" actId="478"/>
-          <ac:spMkLst>
-            <pc:docMk/>
-            <pc:sldMk cId="1579232271" sldId="293"/>
-            <ac:spMk id="28" creationId="{6A3D6D0A-C35A-494C-8178-410B9AF72C83}"/>
-          </ac:spMkLst>
-        </pc:spChg>
-        <pc:spChg chg="add mod">
-          <ac:chgData name="Geoff Butcher" userId="1cb31d20-838c-4d88-81d0-dc1a78ccb326" providerId="ADAL" clId="{180F5F75-A101-4134-9315-E8E9101F6FDF}" dt="2021-02-08T15:51:57.941" v="6501" actId="207"/>
-          <ac:spMkLst>
-            <pc:docMk/>
-            <pc:sldMk cId="1579232271" sldId="293"/>
-            <ac:spMk id="29" creationId="{A1E9F85A-8215-4412-9614-3EA880DF0F27}"/>
-          </ac:spMkLst>
-        </pc:spChg>
-        <pc:spChg chg="add mod">
-          <ac:chgData name="Geoff Butcher" userId="1cb31d20-838c-4d88-81d0-dc1a78ccb326" providerId="ADAL" clId="{180F5F75-A101-4134-9315-E8E9101F6FDF}" dt="2021-02-08T15:51:02.659" v="6480" actId="1076"/>
-          <ac:spMkLst>
-            <pc:docMk/>
-            <pc:sldMk cId="1579232271" sldId="293"/>
-            <ac:spMk id="30" creationId="{A5430FBA-D2A3-4AB9-BE96-4C46C6C6BC24}"/>
-          </ac:spMkLst>
-        </pc:spChg>
-        <pc:spChg chg="add mod">
-          <ac:chgData name="Geoff Butcher" userId="1cb31d20-838c-4d88-81d0-dc1a78ccb326" providerId="ADAL" clId="{180F5F75-A101-4134-9315-E8E9101F6FDF}" dt="2021-02-08T15:51:06.231" v="6481" actId="1076"/>
-          <ac:spMkLst>
-            <pc:docMk/>
-            <pc:sldMk cId="1579232271" sldId="293"/>
-            <ac:spMk id="31" creationId="{9589B272-DCA7-44EC-84D6-419CF254C248}"/>
-          </ac:spMkLst>
-        </pc:spChg>
-        <pc:spChg chg="add mod">
-          <ac:chgData name="Geoff Butcher" userId="1cb31d20-838c-4d88-81d0-dc1a78ccb326" providerId="ADAL" clId="{180F5F75-A101-4134-9315-E8E9101F6FDF}" dt="2021-02-08T15:51:37.991" v="6494" actId="1076"/>
-          <ac:spMkLst>
-            <pc:docMk/>
-            <pc:sldMk cId="1579232271" sldId="293"/>
-            <ac:spMk id="32" creationId="{231FD706-D1F5-4D43-94E0-F21459E7E950}"/>
-          </ac:spMkLst>
-        </pc:spChg>
-        <pc:cxnChg chg="add mod">
-          <ac:chgData name="Geoff Butcher" userId="1cb31d20-838c-4d88-81d0-dc1a78ccb326" providerId="ADAL" clId="{180F5F75-A101-4134-9315-E8E9101F6FDF}" dt="2021-02-08T15:48:54.335" v="6384" actId="1076"/>
-          <ac:cxnSpMkLst>
-            <pc:docMk/>
-            <pc:sldMk cId="1579232271" sldId="293"/>
-            <ac:cxnSpMk id="20" creationId="{A67D1E82-4D52-414C-8C11-81557F1C7057}"/>
-          </ac:cxnSpMkLst>
-        </pc:cxnChg>
-        <pc:cxnChg chg="add del mod">
-          <ac:chgData name="Geoff Butcher" userId="1cb31d20-838c-4d88-81d0-dc1a78ccb326" providerId="ADAL" clId="{180F5F75-A101-4134-9315-E8E9101F6FDF}" dt="2021-02-08T15:51:39.605" v="6499" actId="1076"/>
-          <ac:cxnSpMkLst>
-            <pc:docMk/>
-            <pc:sldMk cId="1579232271" sldId="293"/>
-            <ac:cxnSpMk id="33" creationId="{632BF18A-7DA7-47FA-AC8E-8F2352526A4B}"/>
-          </ac:cxnSpMkLst>
-        </pc:cxnChg>
-      </pc:sldChg>
-      <pc:sldChg chg="del">
-        <pc:chgData name="Geoff Butcher" userId="1cb31d20-838c-4d88-81d0-dc1a78ccb326" providerId="ADAL" clId="{180F5F75-A101-4134-9315-E8E9101F6FDF}" dt="2021-02-08T12:33:33.881" v="642" actId="47"/>
-        <pc:sldMkLst>
-          <pc:docMk/>
-          <pc:sldMk cId="170133376" sldId="294"/>
-        </pc:sldMkLst>
-      </pc:sldChg>
-      <pc:sldChg chg="addSp delSp modSp add mod ord">
-        <pc:chgData name="Geoff Butcher" userId="1cb31d20-838c-4d88-81d0-dc1a78ccb326" providerId="ADAL" clId="{180F5F75-A101-4134-9315-E8E9101F6FDF}" dt="2021-02-08T16:18:07.306" v="8374"/>
-        <pc:sldMkLst>
-          <pc:docMk/>
-          <pc:sldMk cId="515411083" sldId="294"/>
-        </pc:sldMkLst>
-        <pc:spChg chg="mod">
-          <ac:chgData name="Geoff Butcher" userId="1cb31d20-838c-4d88-81d0-dc1a78ccb326" providerId="ADAL" clId="{180F5F75-A101-4134-9315-E8E9101F6FDF}" dt="2021-02-08T15:54:24.920" v="6722" actId="20577"/>
-          <ac:spMkLst>
-            <pc:docMk/>
-            <pc:sldMk cId="515411083" sldId="294"/>
-            <ac:spMk id="3" creationId="{40F31F8A-1C16-4F66-85C6-93895DD6CC07}"/>
-          </ac:spMkLst>
-        </pc:spChg>
-        <pc:spChg chg="del">
-          <ac:chgData name="Geoff Butcher" userId="1cb31d20-838c-4d88-81d0-dc1a78ccb326" providerId="ADAL" clId="{180F5F75-A101-4134-9315-E8E9101F6FDF}" dt="2021-02-08T15:52:14.521" v="6504" actId="478"/>
-          <ac:spMkLst>
-            <pc:docMk/>
-            <pc:sldMk cId="515411083" sldId="294"/>
-            <ac:spMk id="11" creationId="{ADC96833-EEA7-4ECD-865F-B2579F131CBA}"/>
-          </ac:spMkLst>
-        </pc:spChg>
-        <pc:spChg chg="del">
-          <ac:chgData name="Geoff Butcher" userId="1cb31d20-838c-4d88-81d0-dc1a78ccb326" providerId="ADAL" clId="{180F5F75-A101-4134-9315-E8E9101F6FDF}" dt="2021-02-08T15:52:14.521" v="6504" actId="478"/>
-          <ac:spMkLst>
-            <pc:docMk/>
-            <pc:sldMk cId="515411083" sldId="294"/>
-            <ac:spMk id="12" creationId="{95930B5C-9BDA-4093-A9BE-B6D17467D2A1}"/>
-          </ac:spMkLst>
-        </pc:spChg>
-        <pc:spChg chg="del">
-          <ac:chgData name="Geoff Butcher" userId="1cb31d20-838c-4d88-81d0-dc1a78ccb326" providerId="ADAL" clId="{180F5F75-A101-4134-9315-E8E9101F6FDF}" dt="2021-02-08T15:52:14.521" v="6504" actId="478"/>
-          <ac:spMkLst>
-            <pc:docMk/>
-            <pc:sldMk cId="515411083" sldId="294"/>
-            <ac:spMk id="13" creationId="{F91156C7-2E30-4C0C-8942-A79B437E5D46}"/>
-          </ac:spMkLst>
-        </pc:spChg>
-        <pc:spChg chg="del">
-          <ac:chgData name="Geoff Butcher" userId="1cb31d20-838c-4d88-81d0-dc1a78ccb326" providerId="ADAL" clId="{180F5F75-A101-4134-9315-E8E9101F6FDF}" dt="2021-02-08T15:52:14.521" v="6504" actId="478"/>
-          <ac:spMkLst>
-            <pc:docMk/>
-            <pc:sldMk cId="515411083" sldId="294"/>
-            <ac:spMk id="14" creationId="{E996F42D-5270-4A63-A09A-275CA9659C3F}"/>
-          </ac:spMkLst>
-        </pc:spChg>
-        <pc:spChg chg="del">
-          <ac:chgData name="Geoff Butcher" userId="1cb31d20-838c-4d88-81d0-dc1a78ccb326" providerId="ADAL" clId="{180F5F75-A101-4134-9315-E8E9101F6FDF}" dt="2021-02-08T15:52:14.521" v="6504" actId="478"/>
-          <ac:spMkLst>
-            <pc:docMk/>
-            <pc:sldMk cId="515411083" sldId="294"/>
-            <ac:spMk id="15" creationId="{1A6105CA-E6AC-4B15-86E3-332F922DB19B}"/>
-          </ac:spMkLst>
-        </pc:spChg>
-        <pc:spChg chg="del">
-          <ac:chgData name="Geoff Butcher" userId="1cb31d20-838c-4d88-81d0-dc1a78ccb326" providerId="ADAL" clId="{180F5F75-A101-4134-9315-E8E9101F6FDF}" dt="2021-02-08T15:52:14.521" v="6504" actId="478"/>
-          <ac:spMkLst>
-            <pc:docMk/>
-            <pc:sldMk cId="515411083" sldId="294"/>
-            <ac:spMk id="16" creationId="{C80B836D-102B-4907-A350-99A77CB80DBE}"/>
-          </ac:spMkLst>
-        </pc:spChg>
-        <pc:spChg chg="del">
-          <ac:chgData name="Geoff Butcher" userId="1cb31d20-838c-4d88-81d0-dc1a78ccb326" providerId="ADAL" clId="{180F5F75-A101-4134-9315-E8E9101F6FDF}" dt="2021-02-08T15:52:14.521" v="6504" actId="478"/>
-          <ac:spMkLst>
-            <pc:docMk/>
-            <pc:sldMk cId="515411083" sldId="294"/>
-            <ac:spMk id="17" creationId="{9E6A2575-8F64-42C3-A8CF-97FC148CEC1A}"/>
-          </ac:spMkLst>
-        </pc:spChg>
-        <pc:spChg chg="del">
-          <ac:chgData name="Geoff Butcher" userId="1cb31d20-838c-4d88-81d0-dc1a78ccb326" providerId="ADAL" clId="{180F5F75-A101-4134-9315-E8E9101F6FDF}" dt="2021-02-08T15:52:14.521" v="6504" actId="478"/>
-          <ac:spMkLst>
-            <pc:docMk/>
-            <pc:sldMk cId="515411083" sldId="294"/>
-            <ac:spMk id="18" creationId="{BEE33118-DFE2-4FE3-87F0-A6C2D522FBC1}"/>
-          </ac:spMkLst>
-        </pc:spChg>
-        <pc:spChg chg="add del mod">
-          <ac:chgData name="Geoff Butcher" userId="1cb31d20-838c-4d88-81d0-dc1a78ccb326" providerId="ADAL" clId="{180F5F75-A101-4134-9315-E8E9101F6FDF}" dt="2021-02-08T15:52:18.031" v="6506" actId="478"/>
-          <ac:spMkLst>
-            <pc:docMk/>
-            <pc:sldMk cId="515411083" sldId="294"/>
-            <ac:spMk id="19" creationId="{268356DF-DDFE-4EC3-BB29-58E890CC4E23}"/>
-          </ac:spMkLst>
-        </pc:spChg>
-        <pc:spChg chg="add mod">
-          <ac:chgData name="Geoff Butcher" userId="1cb31d20-838c-4d88-81d0-dc1a78ccb326" providerId="ADAL" clId="{180F5F75-A101-4134-9315-E8E9101F6FDF}" dt="2021-02-08T15:52:14.723" v="6505"/>
-          <ac:spMkLst>
-            <pc:docMk/>
-            <pc:sldMk cId="515411083" sldId="294"/>
-            <ac:spMk id="21" creationId="{AD66BB62-2244-48CB-BFB3-2460BD8975EE}"/>
-          </ac:spMkLst>
-        </pc:spChg>
-        <pc:spChg chg="add mod">
-          <ac:chgData name="Geoff Butcher" userId="1cb31d20-838c-4d88-81d0-dc1a78ccb326" providerId="ADAL" clId="{180F5F75-A101-4134-9315-E8E9101F6FDF}" dt="2021-02-08T15:52:14.723" v="6505"/>
-          <ac:spMkLst>
-            <pc:docMk/>
-            <pc:sldMk cId="515411083" sldId="294"/>
-            <ac:spMk id="22" creationId="{EBE880C2-675B-484E-A352-B524258F27D9}"/>
-          </ac:spMkLst>
-        </pc:spChg>
-        <pc:spChg chg="add mod">
-          <ac:chgData name="Geoff Butcher" userId="1cb31d20-838c-4d88-81d0-dc1a78ccb326" providerId="ADAL" clId="{180F5F75-A101-4134-9315-E8E9101F6FDF}" dt="2021-02-08T15:52:42.777" v="6510" actId="1076"/>
-          <ac:spMkLst>
-            <pc:docMk/>
-            <pc:sldMk cId="515411083" sldId="294"/>
-            <ac:spMk id="23" creationId="{9C35DC99-A9C2-4603-B8DA-3FC0999A0607}"/>
-          </ac:spMkLst>
-        </pc:spChg>
-        <pc:spChg chg="add mod">
-          <ac:chgData name="Geoff Butcher" userId="1cb31d20-838c-4d88-81d0-dc1a78ccb326" providerId="ADAL" clId="{180F5F75-A101-4134-9315-E8E9101F6FDF}" dt="2021-02-08T15:52:14.723" v="6505"/>
-          <ac:spMkLst>
-            <pc:docMk/>
-            <pc:sldMk cId="515411083" sldId="294"/>
-            <ac:spMk id="24" creationId="{AE785197-E021-4F0B-96C4-189E657EC808}"/>
-          </ac:spMkLst>
-        </pc:spChg>
-        <pc:spChg chg="add mod">
-          <ac:chgData name="Geoff Butcher" userId="1cb31d20-838c-4d88-81d0-dc1a78ccb326" providerId="ADAL" clId="{180F5F75-A101-4134-9315-E8E9101F6FDF}" dt="2021-02-08T15:52:14.723" v="6505"/>
-          <ac:spMkLst>
-            <pc:docMk/>
-            <pc:sldMk cId="515411083" sldId="294"/>
-            <ac:spMk id="26" creationId="{DD2381E1-C92D-4FAC-841F-45ECD6CEA921}"/>
-          </ac:spMkLst>
-        </pc:spChg>
-        <pc:spChg chg="add mod">
-          <ac:chgData name="Geoff Butcher" userId="1cb31d20-838c-4d88-81d0-dc1a78ccb326" providerId="ADAL" clId="{180F5F75-A101-4134-9315-E8E9101F6FDF}" dt="2021-02-08T15:52:35.604" v="6509" actId="1076"/>
-          <ac:spMkLst>
-            <pc:docMk/>
-            <pc:sldMk cId="515411083" sldId="294"/>
-            <ac:spMk id="27" creationId="{B7A40966-4B38-4D94-B634-7E92D083A6BF}"/>
-          </ac:spMkLst>
-        </pc:spChg>
-        <pc:spChg chg="add mod">
-          <ac:chgData name="Geoff Butcher" userId="1cb31d20-838c-4d88-81d0-dc1a78ccb326" providerId="ADAL" clId="{180F5F75-A101-4134-9315-E8E9101F6FDF}" dt="2021-02-08T15:52:33.286" v="6508" actId="1076"/>
-          <ac:spMkLst>
-            <pc:docMk/>
-            <pc:sldMk cId="515411083" sldId="294"/>
-            <ac:spMk id="28" creationId="{D2EB7339-B6A7-4D63-8383-21F25A23F998}"/>
-          </ac:spMkLst>
-        </pc:spChg>
-        <pc:spChg chg="add mod">
-          <ac:chgData name="Geoff Butcher" userId="1cb31d20-838c-4d88-81d0-dc1a78ccb326" providerId="ADAL" clId="{180F5F75-A101-4134-9315-E8E9101F6FDF}" dt="2021-02-08T15:52:14.723" v="6505"/>
-          <ac:spMkLst>
-            <pc:docMk/>
-            <pc:sldMk cId="515411083" sldId="294"/>
-            <ac:spMk id="29" creationId="{6FEC7BD0-F755-4F88-9E09-85E5A7D5519C}"/>
-          </ac:spMkLst>
-        </pc:spChg>
-        <pc:cxnChg chg="del">
-          <ac:chgData name="Geoff Butcher" userId="1cb31d20-838c-4d88-81d0-dc1a78ccb326" providerId="ADAL" clId="{180F5F75-A101-4134-9315-E8E9101F6FDF}" dt="2021-02-08T15:52:14.521" v="6504" actId="478"/>
-          <ac:cxnSpMkLst>
-            <pc:docMk/>
-            <pc:sldMk cId="515411083" sldId="294"/>
-            <ac:cxnSpMk id="20" creationId="{A67D1E82-4D52-414C-8C11-81557F1C7057}"/>
-          </ac:cxnSpMkLst>
-        </pc:cxnChg>
-        <pc:cxnChg chg="add mod">
-          <ac:chgData name="Geoff Butcher" userId="1cb31d20-838c-4d88-81d0-dc1a78ccb326" providerId="ADAL" clId="{180F5F75-A101-4134-9315-E8E9101F6FDF}" dt="2021-02-08T15:52:14.723" v="6505"/>
-          <ac:cxnSpMkLst>
-            <pc:docMk/>
-            <pc:sldMk cId="515411083" sldId="294"/>
-            <ac:cxnSpMk id="25" creationId="{62280512-270D-4ABC-B193-1460D538A301}"/>
-          </ac:cxnSpMkLst>
-        </pc:cxnChg>
-        <pc:cxnChg chg="add mod">
-          <ac:chgData name="Geoff Butcher" userId="1cb31d20-838c-4d88-81d0-dc1a78ccb326" providerId="ADAL" clId="{180F5F75-A101-4134-9315-E8E9101F6FDF}" dt="2021-02-08T15:52:59.067" v="6513" actId="208"/>
-          <ac:cxnSpMkLst>
-            <pc:docMk/>
-            <pc:sldMk cId="515411083" sldId="294"/>
-            <ac:cxnSpMk id="30" creationId="{B6FE9EE6-68FE-4145-9462-B7749D5CEFAB}"/>
-          </ac:cxnSpMkLst>
-        </pc:cxnChg>
-      </pc:sldChg>
-      <pc:sldChg chg="del">
-        <pc:chgData name="Geoff Butcher" userId="1cb31d20-838c-4d88-81d0-dc1a78ccb326" providerId="ADAL" clId="{180F5F75-A101-4134-9315-E8E9101F6FDF}" dt="2021-02-08T12:33:34.050" v="643" actId="47"/>
-        <pc:sldMkLst>
-          <pc:docMk/>
-          <pc:sldMk cId="2162200981" sldId="295"/>
-        </pc:sldMkLst>
-      </pc:sldChg>
-      <pc:sldChg chg="addSp delSp modSp add mod">
-        <pc:chgData name="Geoff Butcher" userId="1cb31d20-838c-4d88-81d0-dc1a78ccb326" providerId="ADAL" clId="{180F5F75-A101-4134-9315-E8E9101F6FDF}" dt="2021-02-08T15:57:58.407" v="7150" actId="20577"/>
-        <pc:sldMkLst>
-          <pc:docMk/>
-          <pc:sldMk cId="3215462902" sldId="295"/>
-        </pc:sldMkLst>
-        <pc:spChg chg="mod">
-          <ac:chgData name="Geoff Butcher" userId="1cb31d20-838c-4d88-81d0-dc1a78ccb326" providerId="ADAL" clId="{180F5F75-A101-4134-9315-E8E9101F6FDF}" dt="2021-02-08T15:57:58.407" v="7150" actId="20577"/>
-          <ac:spMkLst>
-            <pc:docMk/>
-            <pc:sldMk cId="3215462902" sldId="295"/>
-            <ac:spMk id="3" creationId="{40F31F8A-1C16-4F66-85C6-93895DD6CC07}"/>
-          </ac:spMkLst>
-        </pc:spChg>
-        <pc:spChg chg="add mod">
-          <ac:chgData name="Geoff Butcher" userId="1cb31d20-838c-4d88-81d0-dc1a78ccb326" providerId="ADAL" clId="{180F5F75-A101-4134-9315-E8E9101F6FDF}" dt="2021-02-08T15:56:52.179" v="6963" actId="1076"/>
-          <ac:spMkLst>
-            <pc:docMk/>
-            <pc:sldMk cId="3215462902" sldId="295"/>
-            <ac:spMk id="14" creationId="{166A7F62-20C3-487A-A7F6-3D4BE88027A5}"/>
-          </ac:spMkLst>
-        </pc:spChg>
-        <pc:spChg chg="add mod">
-          <ac:chgData name="Geoff Butcher" userId="1cb31d20-838c-4d88-81d0-dc1a78ccb326" providerId="ADAL" clId="{180F5F75-A101-4134-9315-E8E9101F6FDF}" dt="2021-02-08T15:56:52.179" v="6963" actId="1076"/>
-          <ac:spMkLst>
-            <pc:docMk/>
-            <pc:sldMk cId="3215462902" sldId="295"/>
-            <ac:spMk id="15" creationId="{FD75DBCC-67BD-4373-9AA4-6FB627E7F7B3}"/>
-          </ac:spMkLst>
-        </pc:spChg>
-        <pc:spChg chg="add mod">
-          <ac:chgData name="Geoff Butcher" userId="1cb31d20-838c-4d88-81d0-dc1a78ccb326" providerId="ADAL" clId="{180F5F75-A101-4134-9315-E8E9101F6FDF}" dt="2021-02-08T15:56:52.179" v="6963" actId="1076"/>
-          <ac:spMkLst>
-            <pc:docMk/>
-            <pc:sldMk cId="3215462902" sldId="295"/>
-            <ac:spMk id="16" creationId="{CE778378-399A-4D4B-BD5D-6B419C2A3819}"/>
-          </ac:spMkLst>
-        </pc:spChg>
-        <pc:spChg chg="add mod">
-          <ac:chgData name="Geoff Butcher" userId="1cb31d20-838c-4d88-81d0-dc1a78ccb326" providerId="ADAL" clId="{180F5F75-A101-4134-9315-E8E9101F6FDF}" dt="2021-02-08T15:56:52.179" v="6963" actId="1076"/>
-          <ac:spMkLst>
-            <pc:docMk/>
-            <pc:sldMk cId="3215462902" sldId="295"/>
-            <ac:spMk id="17" creationId="{9447DA72-7258-4F72-8EDF-A85D88758C92}"/>
-          </ac:spMkLst>
-        </pc:spChg>
-        <pc:spChg chg="del mod ord">
-          <ac:chgData name="Geoff Butcher" userId="1cb31d20-838c-4d88-81d0-dc1a78ccb326" providerId="ADAL" clId="{180F5F75-A101-4134-9315-E8E9101F6FDF}" dt="2021-02-08T15:56:44.413" v="6961" actId="478"/>
-          <ac:spMkLst>
-            <pc:docMk/>
-            <pc:sldMk cId="3215462902" sldId="295"/>
-            <ac:spMk id="21" creationId="{AD66BB62-2244-48CB-BFB3-2460BD8975EE}"/>
-          </ac:spMkLst>
-        </pc:spChg>
-        <pc:spChg chg="del mod ord">
-          <ac:chgData name="Geoff Butcher" userId="1cb31d20-838c-4d88-81d0-dc1a78ccb326" providerId="ADAL" clId="{180F5F75-A101-4134-9315-E8E9101F6FDF}" dt="2021-02-08T15:56:44.413" v="6961" actId="478"/>
-          <ac:spMkLst>
-            <pc:docMk/>
-            <pc:sldMk cId="3215462902" sldId="295"/>
-            <ac:spMk id="22" creationId="{EBE880C2-675B-484E-A352-B524258F27D9}"/>
-          </ac:spMkLst>
-        </pc:spChg>
-        <pc:spChg chg="del mod">
-          <ac:chgData name="Geoff Butcher" userId="1cb31d20-838c-4d88-81d0-dc1a78ccb326" providerId="ADAL" clId="{180F5F75-A101-4134-9315-E8E9101F6FDF}" dt="2021-02-08T15:56:44.413" v="6961" actId="478"/>
-          <ac:spMkLst>
-            <pc:docMk/>
-            <pc:sldMk cId="3215462902" sldId="295"/>
-            <ac:spMk id="23" creationId="{9C35DC99-A9C2-4603-B8DA-3FC0999A0607}"/>
-          </ac:spMkLst>
-        </pc:spChg>
-        <pc:spChg chg="del mod">
-          <ac:chgData name="Geoff Butcher" userId="1cb31d20-838c-4d88-81d0-dc1a78ccb326" providerId="ADAL" clId="{180F5F75-A101-4134-9315-E8E9101F6FDF}" dt="2021-02-08T15:56:44.413" v="6961" actId="478"/>
-          <ac:spMkLst>
-            <pc:docMk/>
-            <pc:sldMk cId="3215462902" sldId="295"/>
-            <ac:spMk id="24" creationId="{AE785197-E021-4F0B-96C4-189E657EC808}"/>
-          </ac:spMkLst>
-        </pc:spChg>
-        <pc:spChg chg="mod ord">
-          <ac:chgData name="Geoff Butcher" userId="1cb31d20-838c-4d88-81d0-dc1a78ccb326" providerId="ADAL" clId="{180F5F75-A101-4134-9315-E8E9101F6FDF}" dt="2021-02-08T15:57:04.843" v="6966" actId="166"/>
-          <ac:spMkLst>
-            <pc:docMk/>
-            <pc:sldMk cId="3215462902" sldId="295"/>
-            <ac:spMk id="26" creationId="{DD2381E1-C92D-4FAC-841F-45ECD6CEA921}"/>
-          </ac:spMkLst>
-        </pc:spChg>
-        <pc:cxnChg chg="add del mod">
-          <ac:chgData name="Geoff Butcher" userId="1cb31d20-838c-4d88-81d0-dc1a78ccb326" providerId="ADAL" clId="{180F5F75-A101-4134-9315-E8E9101F6FDF}" dt="2021-02-08T15:56:54.899" v="6964" actId="478"/>
-          <ac:cxnSpMkLst>
-            <pc:docMk/>
-            <pc:sldMk cId="3215462902" sldId="295"/>
-            <ac:cxnSpMk id="18" creationId="{3F54F4AB-35B8-4A6C-AA72-BBCB023B9F46}"/>
-          </ac:cxnSpMkLst>
-        </pc:cxnChg>
-        <pc:cxnChg chg="mod">
-          <ac:chgData name="Geoff Butcher" userId="1cb31d20-838c-4d88-81d0-dc1a78ccb326" providerId="ADAL" clId="{180F5F75-A101-4134-9315-E8E9101F6FDF}" dt="2021-02-08T15:57:14.892" v="6968" actId="208"/>
-          <ac:cxnSpMkLst>
-            <pc:docMk/>
-            <pc:sldMk cId="3215462902" sldId="295"/>
-            <ac:cxnSpMk id="30" creationId="{B6FE9EE6-68FE-4145-9462-B7749D5CEFAB}"/>
-          </ac:cxnSpMkLst>
-        </pc:cxnChg>
-      </pc:sldChg>
-      <pc:sldChg chg="addSp delSp modSp add mod ord">
-        <pc:chgData name="Geoff Butcher" userId="1cb31d20-838c-4d88-81d0-dc1a78ccb326" providerId="ADAL" clId="{180F5F75-A101-4134-9315-E8E9101F6FDF}" dt="2021-02-08T16:07:53.531" v="7652" actId="20578"/>
-        <pc:sldMkLst>
-          <pc:docMk/>
-          <pc:sldMk cId="1682279406" sldId="296"/>
-        </pc:sldMkLst>
-        <pc:spChg chg="mod">
-          <ac:chgData name="Geoff Butcher" userId="1cb31d20-838c-4d88-81d0-dc1a78ccb326" providerId="ADAL" clId="{180F5F75-A101-4134-9315-E8E9101F6FDF}" dt="2021-02-08T16:01:50.397" v="7320" actId="20577"/>
-          <ac:spMkLst>
-            <pc:docMk/>
-            <pc:sldMk cId="1682279406" sldId="296"/>
-            <ac:spMk id="3" creationId="{40F31F8A-1C16-4F66-85C6-93895DD6CC07}"/>
-          </ac:spMkLst>
-        </pc:spChg>
-        <pc:spChg chg="add mod">
-          <ac:chgData name="Geoff Butcher" userId="1cb31d20-838c-4d88-81d0-dc1a78ccb326" providerId="ADAL" clId="{180F5F75-A101-4134-9315-E8E9101F6FDF}" dt="2021-02-08T16:03:38.181" v="7365" actId="1582"/>
-          <ac:spMkLst>
-            <pc:docMk/>
-            <pc:sldMk cId="1682279406" sldId="296"/>
-            <ac:spMk id="8" creationId="{EDE31EF7-6DA9-4B1B-A1AF-2078B5922EA1}"/>
-          </ac:spMkLst>
-        </pc:spChg>
-        <pc:spChg chg="del">
-          <ac:chgData name="Geoff Butcher" userId="1cb31d20-838c-4d88-81d0-dc1a78ccb326" providerId="ADAL" clId="{180F5F75-A101-4134-9315-E8E9101F6FDF}" dt="2021-02-08T15:58:15.329" v="7156" actId="478"/>
-          <ac:spMkLst>
-            <pc:docMk/>
-            <pc:sldMk cId="1682279406" sldId="296"/>
-            <ac:spMk id="14" creationId="{166A7F62-20C3-487A-A7F6-3D4BE88027A5}"/>
-          </ac:spMkLst>
-        </pc:spChg>
-        <pc:spChg chg="del">
-          <ac:chgData name="Geoff Butcher" userId="1cb31d20-838c-4d88-81d0-dc1a78ccb326" providerId="ADAL" clId="{180F5F75-A101-4134-9315-E8E9101F6FDF}" dt="2021-02-08T15:58:14.176" v="7155" actId="478"/>
-          <ac:spMkLst>
-            <pc:docMk/>
-            <pc:sldMk cId="1682279406" sldId="296"/>
-            <ac:spMk id="15" creationId="{FD75DBCC-67BD-4373-9AA4-6FB627E7F7B3}"/>
-          </ac:spMkLst>
-        </pc:spChg>
-        <pc:spChg chg="del">
-          <ac:chgData name="Geoff Butcher" userId="1cb31d20-838c-4d88-81d0-dc1a78ccb326" providerId="ADAL" clId="{180F5F75-A101-4134-9315-E8E9101F6FDF}" dt="2021-02-08T15:58:12.515" v="7154" actId="478"/>
-          <ac:spMkLst>
-            <pc:docMk/>
-            <pc:sldMk cId="1682279406" sldId="296"/>
-            <ac:spMk id="16" creationId="{CE778378-399A-4D4B-BD5D-6B419C2A3819}"/>
-          </ac:spMkLst>
-        </pc:spChg>
-        <pc:spChg chg="del">
-          <ac:chgData name="Geoff Butcher" userId="1cb31d20-838c-4d88-81d0-dc1a78ccb326" providerId="ADAL" clId="{180F5F75-A101-4134-9315-E8E9101F6FDF}" dt="2021-02-08T15:58:16.203" v="7157" actId="478"/>
-          <ac:spMkLst>
-            <pc:docMk/>
-            <pc:sldMk cId="1682279406" sldId="296"/>
-            <ac:spMk id="17" creationId="{9447DA72-7258-4F72-8EDF-A85D88758C92}"/>
-          </ac:spMkLst>
-        </pc:spChg>
-        <pc:spChg chg="add mod">
-          <ac:chgData name="Geoff Butcher" userId="1cb31d20-838c-4d88-81d0-dc1a78ccb326" providerId="ADAL" clId="{180F5F75-A101-4134-9315-E8E9101F6FDF}" dt="2021-02-08T16:02:33.365" v="7343" actId="20577"/>
-          <ac:spMkLst>
-            <pc:docMk/>
-            <pc:sldMk cId="1682279406" sldId="296"/>
-            <ac:spMk id="18" creationId="{08E8D0B5-2F55-4056-8FDF-344975295225}"/>
-          </ac:spMkLst>
-        </pc:spChg>
-        <pc:spChg chg="add mod">
-          <ac:chgData name="Geoff Butcher" userId="1cb31d20-838c-4d88-81d0-dc1a78ccb326" providerId="ADAL" clId="{180F5F75-A101-4134-9315-E8E9101F6FDF}" dt="2021-02-08T16:02:29.414" v="7334" actId="20577"/>
-          <ac:spMkLst>
-            <pc:docMk/>
-            <pc:sldMk cId="1682279406" sldId="296"/>
-            <ac:spMk id="19" creationId="{1FB17A90-1FC0-40BB-86E3-A03CAFFF5AE5}"/>
-          </ac:spMkLst>
-        </pc:spChg>
-        <pc:spChg chg="add mod">
-          <ac:chgData name="Geoff Butcher" userId="1cb31d20-838c-4d88-81d0-dc1a78ccb326" providerId="ADAL" clId="{180F5F75-A101-4134-9315-E8E9101F6FDF}" dt="2021-02-08T16:02:04.899" v="7322" actId="1076"/>
-          <ac:spMkLst>
-            <pc:docMk/>
-            <pc:sldMk cId="1682279406" sldId="296"/>
-            <ac:spMk id="20" creationId="{22B1DD72-6325-43DB-9B0B-2D202A906F6D}"/>
-          </ac:spMkLst>
-        </pc:spChg>
-        <pc:spChg chg="add mod">
-          <ac:chgData name="Geoff Butcher" userId="1cb31d20-838c-4d88-81d0-dc1a78ccb326" providerId="ADAL" clId="{180F5F75-A101-4134-9315-E8E9101F6FDF}" dt="2021-02-08T16:03:04.792" v="7360" actId="404"/>
-          <ac:spMkLst>
-            <pc:docMk/>
-            <pc:sldMk cId="1682279406" sldId="296"/>
-            <ac:spMk id="21" creationId="{1CF4766C-BF4E-484E-9C98-35E39CDD627B}"/>
-          </ac:spMkLst>
-        </pc:spChg>
-        <pc:spChg chg="del">
-          <ac:chgData name="Geoff Butcher" userId="1cb31d20-838c-4d88-81d0-dc1a78ccb326" providerId="ADAL" clId="{180F5F75-A101-4134-9315-E8E9101F6FDF}" dt="2021-02-08T15:58:17.472" v="7159" actId="478"/>
-          <ac:spMkLst>
-            <pc:docMk/>
-            <pc:sldMk cId="1682279406" sldId="296"/>
-            <ac:spMk id="26" creationId="{DD2381E1-C92D-4FAC-841F-45ECD6CEA921}"/>
-          </ac:spMkLst>
-        </pc:spChg>
-        <pc:spChg chg="del">
-          <ac:chgData name="Geoff Butcher" userId="1cb31d20-838c-4d88-81d0-dc1a78ccb326" providerId="ADAL" clId="{180F5F75-A101-4134-9315-E8E9101F6FDF}" dt="2021-02-08T15:58:18.622" v="7161" actId="478"/>
-          <ac:spMkLst>
-            <pc:docMk/>
-            <pc:sldMk cId="1682279406" sldId="296"/>
-            <ac:spMk id="27" creationId="{B7A40966-4B38-4D94-B634-7E92D083A6BF}"/>
-          </ac:spMkLst>
-        </pc:spChg>
-        <pc:spChg chg="del mod">
-          <ac:chgData name="Geoff Butcher" userId="1cb31d20-838c-4d88-81d0-dc1a78ccb326" providerId="ADAL" clId="{180F5F75-A101-4134-9315-E8E9101F6FDF}" dt="2021-02-08T15:58:19.989" v="7163" actId="478"/>
-          <ac:spMkLst>
-            <pc:docMk/>
-            <pc:sldMk cId="1682279406" sldId="296"/>
-            <ac:spMk id="28" creationId="{D2EB7339-B6A7-4D63-8383-21F25A23F998}"/>
-          </ac:spMkLst>
-        </pc:spChg>
-        <pc:spChg chg="del">
-          <ac:chgData name="Geoff Butcher" userId="1cb31d20-838c-4d88-81d0-dc1a78ccb326" providerId="ADAL" clId="{180F5F75-A101-4134-9315-E8E9101F6FDF}" dt="2021-02-08T15:58:18.038" v="7160" actId="478"/>
-          <ac:spMkLst>
-            <pc:docMk/>
-            <pc:sldMk cId="1682279406" sldId="296"/>
-            <ac:spMk id="29" creationId="{6FEC7BD0-F755-4F88-9E09-85E5A7D5519C}"/>
-          </ac:spMkLst>
-        </pc:spChg>
-        <pc:picChg chg="add del mod">
-          <ac:chgData name="Geoff Butcher" userId="1cb31d20-838c-4d88-81d0-dc1a78ccb326" providerId="ADAL" clId="{180F5F75-A101-4134-9315-E8E9101F6FDF}" dt="2021-02-08T16:00:45.764" v="7166" actId="478"/>
-          <ac:picMkLst>
-            <pc:docMk/>
-            <pc:sldMk cId="1682279406" sldId="296"/>
-            <ac:picMk id="5" creationId="{183318C6-6537-4919-A2E6-67BBC493B7A5}"/>
-          </ac:picMkLst>
-        </pc:picChg>
-        <pc:picChg chg="add mod">
-          <ac:chgData name="Geoff Butcher" userId="1cb31d20-838c-4d88-81d0-dc1a78ccb326" providerId="ADAL" clId="{180F5F75-A101-4134-9315-E8E9101F6FDF}" dt="2021-02-08T16:01:05.895" v="7172" actId="1076"/>
-          <ac:picMkLst>
-            <pc:docMk/>
-            <pc:sldMk cId="1682279406" sldId="296"/>
-            <ac:picMk id="7" creationId="{D64FA2BD-05F2-4247-831F-4E80A9B0202C}"/>
-          </ac:picMkLst>
-        </pc:picChg>
-        <pc:cxnChg chg="del">
-          <ac:chgData name="Geoff Butcher" userId="1cb31d20-838c-4d88-81d0-dc1a78ccb326" providerId="ADAL" clId="{180F5F75-A101-4134-9315-E8E9101F6FDF}" dt="2021-02-08T15:58:16.979" v="7158" actId="478"/>
-          <ac:cxnSpMkLst>
-            <pc:docMk/>
-            <pc:sldMk cId="1682279406" sldId="296"/>
-            <ac:cxnSpMk id="25" creationId="{62280512-270D-4ABC-B193-1460D538A301}"/>
-          </ac:cxnSpMkLst>
-        </pc:cxnChg>
-        <pc:cxnChg chg="del">
-          <ac:chgData name="Geoff Butcher" userId="1cb31d20-838c-4d88-81d0-dc1a78ccb326" providerId="ADAL" clId="{180F5F75-A101-4134-9315-E8E9101F6FDF}" dt="2021-02-08T15:58:21.039" v="7164" actId="478"/>
-          <ac:cxnSpMkLst>
-            <pc:docMk/>
-            <pc:sldMk cId="1682279406" sldId="296"/>
-            <ac:cxnSpMk id="30" creationId="{B6FE9EE6-68FE-4145-9462-B7749D5CEFAB}"/>
-          </ac:cxnSpMkLst>
-        </pc:cxnChg>
-      </pc:sldChg>
-      <pc:sldChg chg="addSp modSp add mod">
-        <pc:chgData name="Geoff Butcher" userId="1cb31d20-838c-4d88-81d0-dc1a78ccb326" providerId="ADAL" clId="{180F5F75-A101-4134-9315-E8E9101F6FDF}" dt="2021-02-08T16:06:01.044" v="7620" actId="208"/>
-        <pc:sldMkLst>
-          <pc:docMk/>
-          <pc:sldMk cId="1301476706" sldId="297"/>
-        </pc:sldMkLst>
-        <pc:spChg chg="mod">
-          <ac:chgData name="Geoff Butcher" userId="1cb31d20-838c-4d88-81d0-dc1a78ccb326" providerId="ADAL" clId="{180F5F75-A101-4134-9315-E8E9101F6FDF}" dt="2021-02-08T16:05:43.832" v="7616" actId="207"/>
-          <ac:spMkLst>
-            <pc:docMk/>
-            <pc:sldMk cId="1301476706" sldId="297"/>
-            <ac:spMk id="3" creationId="{40F31F8A-1C16-4F66-85C6-93895DD6CC07}"/>
-          </ac:spMkLst>
-        </pc:spChg>
-        <pc:spChg chg="mod">
-          <ac:chgData name="Geoff Butcher" userId="1cb31d20-838c-4d88-81d0-dc1a78ccb326" providerId="ADAL" clId="{180F5F75-A101-4134-9315-E8E9101F6FDF}" dt="2021-02-08T16:05:04.067" v="7513" actId="208"/>
-          <ac:spMkLst>
-            <pc:docMk/>
-            <pc:sldMk cId="1301476706" sldId="297"/>
-            <ac:spMk id="8" creationId="{EDE31EF7-6DA9-4B1B-A1AF-2078B5922EA1}"/>
-          </ac:spMkLst>
-        </pc:spChg>
-        <pc:spChg chg="add mod">
-          <ac:chgData name="Geoff Butcher" userId="1cb31d20-838c-4d88-81d0-dc1a78ccb326" providerId="ADAL" clId="{180F5F75-A101-4134-9315-E8E9101F6FDF}" dt="2021-02-08T16:06:01.044" v="7620" actId="208"/>
-          <ac:spMkLst>
-            <pc:docMk/>
-            <pc:sldMk cId="1301476706" sldId="297"/>
-            <ac:spMk id="10" creationId="{B3F9999E-DCD2-4828-A5D6-F6ACE8C89DFC}"/>
-          </ac:spMkLst>
-        </pc:spChg>
-        <pc:spChg chg="mod">
-          <ac:chgData name="Geoff Butcher" userId="1cb31d20-838c-4d88-81d0-dc1a78ccb326" providerId="ADAL" clId="{180F5F75-A101-4134-9315-E8E9101F6FDF}" dt="2021-02-08T16:04:29.677" v="7491" actId="6549"/>
-          <ac:spMkLst>
-            <pc:docMk/>
-            <pc:sldMk cId="1301476706" sldId="297"/>
-            <ac:spMk id="18" creationId="{08E8D0B5-2F55-4056-8FDF-344975295225}"/>
-          </ac:spMkLst>
-        </pc:spChg>
-        <pc:spChg chg="mod">
-          <ac:chgData name="Geoff Butcher" userId="1cb31d20-838c-4d88-81d0-dc1a78ccb326" providerId="ADAL" clId="{180F5F75-A101-4134-9315-E8E9101F6FDF}" dt="2021-02-08T16:04:31.226" v="7492" actId="6549"/>
-          <ac:spMkLst>
-            <pc:docMk/>
-            <pc:sldMk cId="1301476706" sldId="297"/>
-            <ac:spMk id="19" creationId="{1FB17A90-1FC0-40BB-86E3-A03CAFFF5AE5}"/>
-          </ac:spMkLst>
-        </pc:spChg>
-        <pc:spChg chg="mod">
-          <ac:chgData name="Geoff Butcher" userId="1cb31d20-838c-4d88-81d0-dc1a78ccb326" providerId="ADAL" clId="{180F5F75-A101-4134-9315-E8E9101F6FDF}" dt="2021-02-08T16:04:41.170" v="7511" actId="20577"/>
-          <ac:spMkLst>
-            <pc:docMk/>
-            <pc:sldMk cId="1301476706" sldId="297"/>
-            <ac:spMk id="21" creationId="{1CF4766C-BF4E-484E-9C98-35E39CDD627B}"/>
-          </ac:spMkLst>
-        </pc:spChg>
-      </pc:sldChg>
-      <pc:sldChg chg="addSp modSp new mod">
-        <pc:chgData name="Geoff Butcher" userId="1cb31d20-838c-4d88-81d0-dc1a78ccb326" providerId="ADAL" clId="{180F5F75-A101-4134-9315-E8E9101F6FDF}" dt="2021-02-08T16:15:50.947" v="8191" actId="1076"/>
-        <pc:sldMkLst>
-          <pc:docMk/>
-          <pc:sldMk cId="551453504" sldId="298"/>
-        </pc:sldMkLst>
-        <pc:spChg chg="mod">
-          <ac:chgData name="Geoff Butcher" userId="1cb31d20-838c-4d88-81d0-dc1a78ccb326" providerId="ADAL" clId="{180F5F75-A101-4134-9315-E8E9101F6FDF}" dt="2021-02-08T16:06:37.513" v="7644" actId="20577"/>
-          <ac:spMkLst>
-            <pc:docMk/>
-            <pc:sldMk cId="551453504" sldId="298"/>
-            <ac:spMk id="2" creationId="{F48387BE-12D3-4EA2-AA71-68874529E4FE}"/>
-          </ac:spMkLst>
-        </pc:spChg>
-        <pc:spChg chg="mod">
-          <ac:chgData name="Geoff Butcher" userId="1cb31d20-838c-4d88-81d0-dc1a78ccb326" providerId="ADAL" clId="{180F5F75-A101-4134-9315-E8E9101F6FDF}" dt="2021-02-08T16:15:15.607" v="8183" actId="27636"/>
-          <ac:spMkLst>
-            <pc:docMk/>
-            <pc:sldMk cId="551453504" sldId="298"/>
-            <ac:spMk id="3" creationId="{7CC93ECE-4755-49C2-8CA8-76952140AEE2}"/>
-          </ac:spMkLst>
-        </pc:spChg>
-        <pc:picChg chg="add mod">
-          <ac:chgData name="Geoff Butcher" userId="1cb31d20-838c-4d88-81d0-dc1a78ccb326" providerId="ADAL" clId="{180F5F75-A101-4134-9315-E8E9101F6FDF}" dt="2021-02-08T16:15:50.947" v="8191" actId="1076"/>
-          <ac:picMkLst>
-            <pc:docMk/>
-            <pc:sldMk cId="551453504" sldId="298"/>
-            <ac:picMk id="5" creationId="{41FABA87-A5DF-4A6D-BB96-8A900F90F193}"/>
-          </ac:picMkLst>
-        </pc:picChg>
-        <pc:picChg chg="add mod">
-          <ac:chgData name="Geoff Butcher" userId="1cb31d20-838c-4d88-81d0-dc1a78ccb326" providerId="ADAL" clId="{180F5F75-A101-4134-9315-E8E9101F6FDF}" dt="2021-02-08T16:15:49.942" v="8190" actId="962"/>
-          <ac:picMkLst>
-            <pc:docMk/>
-            <pc:sldMk cId="551453504" sldId="298"/>
-            <ac:picMk id="6" creationId="{936CD4E0-B310-4906-9F71-A118CC76EED2}"/>
-          </ac:picMkLst>
-        </pc:picChg>
-      </pc:sldChg>
-      <pc:sldChg chg="addSp modSp new mod">
-        <pc:chgData name="Geoff Butcher" userId="1cb31d20-838c-4d88-81d0-dc1a78ccb326" providerId="ADAL" clId="{180F5F75-A101-4134-9315-E8E9101F6FDF}" dt="2021-02-08T16:17:44.518" v="8372" actId="14100"/>
-        <pc:sldMkLst>
-          <pc:docMk/>
-          <pc:sldMk cId="999579115" sldId="299"/>
-        </pc:sldMkLst>
-        <pc:spChg chg="mod">
-          <ac:chgData name="Geoff Butcher" userId="1cb31d20-838c-4d88-81d0-dc1a78ccb326" providerId="ADAL" clId="{180F5F75-A101-4134-9315-E8E9101F6FDF}" dt="2021-02-08T16:15:58.544" v="8208" actId="20577"/>
-          <ac:spMkLst>
-            <pc:docMk/>
-            <pc:sldMk cId="999579115" sldId="299"/>
-            <ac:spMk id="2" creationId="{9B5D55C6-BCF9-40A2-9DB6-BE2F7AFC0B4B}"/>
-          </ac:spMkLst>
-        </pc:spChg>
-        <pc:spChg chg="mod">
-          <ac:chgData name="Geoff Butcher" userId="1cb31d20-838c-4d88-81d0-dc1a78ccb326" providerId="ADAL" clId="{180F5F75-A101-4134-9315-E8E9101F6FDF}" dt="2021-02-08T16:17:05.271" v="8358" actId="20577"/>
-          <ac:spMkLst>
-            <pc:docMk/>
-            <pc:sldMk cId="999579115" sldId="299"/>
-            <ac:spMk id="3" creationId="{6FE410B8-B73C-4E0F-A55A-FD7DC32A4DD0}"/>
-          </ac:spMkLst>
-        </pc:spChg>
-        <pc:spChg chg="add mod">
-          <ac:chgData name="Geoff Butcher" userId="1cb31d20-838c-4d88-81d0-dc1a78ccb326" providerId="ADAL" clId="{180F5F75-A101-4134-9315-E8E9101F6FDF}" dt="2021-02-08T16:17:44.518" v="8372" actId="14100"/>
-          <ac:spMkLst>
-            <pc:docMk/>
-            <pc:sldMk cId="999579115" sldId="299"/>
-            <ac:spMk id="6" creationId="{BE591958-4FB4-4BEA-BA81-E9253B1F3DEA}"/>
-          </ac:spMkLst>
-        </pc:spChg>
-        <pc:picChg chg="add mod modCrop">
-          <ac:chgData name="Geoff Butcher" userId="1cb31d20-838c-4d88-81d0-dc1a78ccb326" providerId="ADAL" clId="{180F5F75-A101-4134-9315-E8E9101F6FDF}" dt="2021-02-08T16:17:38.658" v="8369" actId="1076"/>
-          <ac:picMkLst>
-            <pc:docMk/>
-            <pc:sldMk cId="999579115" sldId="299"/>
-            <ac:picMk id="5" creationId="{E8C15A97-C2C2-4FD6-85BF-F5B56468A1F3}"/>
-          </ac:picMkLst>
-        </pc:picChg>
-      </pc:sldChg>
-      <pc:sldChg chg="modSp add mod">
-        <pc:chgData name="Geoff Butcher" userId="1cb31d20-838c-4d88-81d0-dc1a78ccb326" providerId="ADAL" clId="{180F5F75-A101-4134-9315-E8E9101F6FDF}" dt="2021-02-08T16:20:06.305" v="8619" actId="207"/>
-        <pc:sldMkLst>
-          <pc:docMk/>
-          <pc:sldMk cId="2162200981" sldId="300"/>
-        </pc:sldMkLst>
-        <pc:spChg chg="mod">
-          <ac:chgData name="Geoff Butcher" userId="1cb31d20-838c-4d88-81d0-dc1a78ccb326" providerId="ADAL" clId="{180F5F75-A101-4134-9315-E8E9101F6FDF}" dt="2021-02-08T16:20:06.305" v="8619" actId="207"/>
-          <ac:spMkLst>
-            <pc:docMk/>
-            <pc:sldMk cId="2162200981" sldId="300"/>
-            <ac:spMk id="3" creationId="{428BBB71-2B59-49E0-B4AC-4AB134217278}"/>
-          </ac:spMkLst>
-        </pc:spChg>
-      </pc:sldChg>
-    </pc:docChg>
-  </pc:docChgLst>
 </pc:chgInfo>
 </file>
 
@@ -3403,7 +3403,7 @@
           <a:p>
             <a:fld id="{876E1AAC-1B4B-43C2-BAA4-F907AA38FBA2}" type="datetimeFigureOut">
               <a:rPr lang="en-GB" smtClean="0"/>
-              <a:t>11/02/2021</a:t>
+              <a:t>01/12/2022</a:t>
             </a:fld>
             <a:endParaRPr lang="en-GB"/>
           </a:p>
@@ -3603,7 +3603,7 @@
           <a:p>
             <a:fld id="{876E1AAC-1B4B-43C2-BAA4-F907AA38FBA2}" type="datetimeFigureOut">
               <a:rPr lang="en-GB" smtClean="0"/>
-              <a:t>11/02/2021</a:t>
+              <a:t>01/12/2022</a:t>
             </a:fld>
             <a:endParaRPr lang="en-GB"/>
           </a:p>
@@ -3813,7 +3813,7 @@
           <a:p>
             <a:fld id="{876E1AAC-1B4B-43C2-BAA4-F907AA38FBA2}" type="datetimeFigureOut">
               <a:rPr lang="en-GB" smtClean="0"/>
-              <a:t>11/02/2021</a:t>
+              <a:t>01/12/2022</a:t>
             </a:fld>
             <a:endParaRPr lang="en-GB"/>
           </a:p>
@@ -4531,7 +4531,7 @@
           <a:p>
             <a:fld id="{876E1AAC-1B4B-43C2-BAA4-F907AA38FBA2}" type="datetimeFigureOut">
               <a:rPr lang="en-GB" smtClean="0"/>
-              <a:t>11/02/2021</a:t>
+              <a:t>01/12/2022</a:t>
             </a:fld>
             <a:endParaRPr lang="en-GB"/>
           </a:p>
@@ -4799,7 +4799,7 @@
           <a:p>
             <a:fld id="{876E1AAC-1B4B-43C2-BAA4-F907AA38FBA2}" type="datetimeFigureOut">
               <a:rPr lang="en-GB" smtClean="0"/>
-              <a:t>11/02/2021</a:t>
+              <a:t>01/12/2022</a:t>
             </a:fld>
             <a:endParaRPr lang="en-GB"/>
           </a:p>
@@ -5214,7 +5214,7 @@
           <a:p>
             <a:fld id="{876E1AAC-1B4B-43C2-BAA4-F907AA38FBA2}" type="datetimeFigureOut">
               <a:rPr lang="en-GB" smtClean="0"/>
-              <a:t>11/02/2021</a:t>
+              <a:t>01/12/2022</a:t>
             </a:fld>
             <a:endParaRPr lang="en-GB"/>
           </a:p>
@@ -5356,7 +5356,7 @@
           <a:p>
             <a:fld id="{876E1AAC-1B4B-43C2-BAA4-F907AA38FBA2}" type="datetimeFigureOut">
               <a:rPr lang="en-GB" smtClean="0"/>
-              <a:t>11/02/2021</a:t>
+              <a:t>01/12/2022</a:t>
             </a:fld>
             <a:endParaRPr lang="en-GB"/>
           </a:p>
@@ -5469,7 +5469,7 @@
           <a:p>
             <a:fld id="{876E1AAC-1B4B-43C2-BAA4-F907AA38FBA2}" type="datetimeFigureOut">
               <a:rPr lang="en-GB" smtClean="0"/>
-              <a:t>11/02/2021</a:t>
+              <a:t>01/12/2022</a:t>
             </a:fld>
             <a:endParaRPr lang="en-GB"/>
           </a:p>
@@ -5782,7 +5782,7 @@
           <a:p>
             <a:fld id="{876E1AAC-1B4B-43C2-BAA4-F907AA38FBA2}" type="datetimeFigureOut">
               <a:rPr lang="en-GB" smtClean="0"/>
-              <a:t>11/02/2021</a:t>
+              <a:t>01/12/2022</a:t>
             </a:fld>
             <a:endParaRPr lang="en-GB"/>
           </a:p>
@@ -6071,7 +6071,7 @@
           <a:p>
             <a:fld id="{876E1AAC-1B4B-43C2-BAA4-F907AA38FBA2}" type="datetimeFigureOut">
               <a:rPr lang="en-GB" smtClean="0"/>
-              <a:t>11/02/2021</a:t>
+              <a:t>01/12/2022</a:t>
             </a:fld>
             <a:endParaRPr lang="en-GB"/>
           </a:p>
@@ -6314,7 +6314,7 @@
           <a:p>
             <a:fld id="{876E1AAC-1B4B-43C2-BAA4-F907AA38FBA2}" type="datetimeFigureOut">
               <a:rPr lang="en-GB" smtClean="0"/>
-              <a:t>11/02/2021</a:t>
+              <a:t>01/12/2022</a:t>
             </a:fld>
             <a:endParaRPr lang="en-GB"/>
           </a:p>
@@ -9873,6 +9873,15 @@
 </file>
 
 <file path=customXml/item1.xml><?xml version="1.0" encoding="utf-8"?>
+<?mso-contentType ?>
+<FormTemplates xmlns="http://schemas.microsoft.com/sharepoint/v3/contenttype/forms">
+  <Display>DocumentLibraryForm</Display>
+  <Edit>DocumentLibraryForm</Edit>
+  <New>DocumentLibraryForm</New>
+</FormTemplates>
+</file>
+
+<file path=customXml/item2.xml><?xml version="1.0" encoding="utf-8"?>
 <ct:contentTypeSchema xmlns:ct="http://schemas.microsoft.com/office/2006/metadata/contentType" xmlns:ma="http://schemas.microsoft.com/office/2006/metadata/properties/metaAttributes" ct:_="" ma:_="" ma:contentTypeName="Document" ma:contentTypeID="0x010100DF8E5D52D10F094F90CD096FDD8D50BB" ma:contentTypeVersion="13" ma:contentTypeDescription="Create a new document." ma:contentTypeScope="" ma:versionID="e7e56ba677b97506ee73cda3f879ec48">
   <xsd:schema xmlns:xsd="http://www.w3.org/2001/XMLSchema" xmlns:xs="http://www.w3.org/2001/XMLSchema" xmlns:p="http://schemas.microsoft.com/office/2006/metadata/properties" xmlns:ns2="28120cba-d646-48ff-9803-d9518bc6aa84" xmlns:ns3="71cd201e-07a2-43b7-86be-e46b014e0d90" targetNamespace="http://schemas.microsoft.com/office/2006/metadata/properties" ma:root="true" ma:fieldsID="7d8cf170f5b80be8b95c7f106a0f1888" ns2:_="" ns3:_="">
     <xsd:import namespace="28120cba-d646-48ff-9803-d9518bc6aa84"/>
@@ -10081,19 +10090,29 @@
 </ct:contentTypeSchema>
 </file>
 
-<file path=customXml/item2.xml><?xml version="1.0" encoding="utf-8"?>
-<?mso-contentType ?>
-<FormTemplates xmlns="http://schemas.microsoft.com/sharepoint/v3/contenttype/forms">
-  <Display>DocumentLibraryForm</Display>
-  <Edit>DocumentLibraryForm</Edit>
-  <New>DocumentLibraryForm</New>
-</FormTemplates>
-</file>
-
 <file path=customXml/itemProps1.xml><?xml version="1.0" encoding="utf-8"?>
-<ds:datastoreItem xmlns:ds="http://schemas.openxmlformats.org/officeDocument/2006/customXml" ds:itemID="{8FAB600A-50D7-4E93-BB45-7F346CBF8B91}"/>
+<ds:datastoreItem xmlns:ds="http://schemas.openxmlformats.org/officeDocument/2006/customXml" ds:itemID="{51B079B2-235D-4F4E-AA9E-0D05C2B58A00}">
+  <ds:schemaRefs>
+    <ds:schemaRef ds:uri="http://schemas.microsoft.com/sharepoint/v3/contenttype/forms"/>
+  </ds:schemaRefs>
+</ds:datastoreItem>
 </file>
 
 <file path=customXml/itemProps2.xml><?xml version="1.0" encoding="utf-8"?>
-<ds:datastoreItem xmlns:ds="http://schemas.openxmlformats.org/officeDocument/2006/customXml" ds:itemID="{51B079B2-235D-4F4E-AA9E-0D05C2B58A00}"/>
+<ds:datastoreItem xmlns:ds="http://schemas.openxmlformats.org/officeDocument/2006/customXml" ds:itemID="{8FAB600A-50D7-4E93-BB45-7F346CBF8B91}">
+  <ds:schemaRefs>
+    <ds:schemaRef ds:uri="http://schemas.microsoft.com/office/2006/metadata/contentType"/>
+    <ds:schemaRef ds:uri="http://schemas.microsoft.com/office/2006/metadata/properties/metaAttributes"/>
+    <ds:schemaRef ds:uri="http://www.w3.org/2001/XMLSchema"/>
+    <ds:schemaRef ds:uri="http://schemas.microsoft.com/office/2006/metadata/properties"/>
+    <ds:schemaRef ds:uri="28120cba-d646-48ff-9803-d9518bc6aa84"/>
+    <ds:schemaRef ds:uri="71cd201e-07a2-43b7-86be-e46b014e0d90"/>
+    <ds:schemaRef ds:uri="http://schemas.microsoft.com/office/2006/documentManagement/types"/>
+    <ds:schemaRef ds:uri="http://schemas.microsoft.com/office/infopath/2007/PartnerControls"/>
+    <ds:schemaRef ds:uri="http://schemas.openxmlformats.org/package/2006/metadata/core-properties"/>
+    <ds:schemaRef ds:uri="http://purl.org/dc/elements/1.1/"/>
+    <ds:schemaRef ds:uri="http://purl.org/dc/terms/"/>
+    <ds:schemaRef ds:uri="http://schemas.microsoft.com/internal/obd"/>
+  </ds:schemaRefs>
+</ds:datastoreItem>
 </file>